--- a/PsychoPy_FYP/PsychoPy.pptx
+++ b/PsychoPy_FYP/PsychoPy.pptx
@@ -28,18 +28,18 @@
     <p:sldId id="315" r:id="rId19"/>
     <p:sldId id="307" r:id="rId20"/>
     <p:sldId id="300" r:id="rId21"/>
-    <p:sldId id="317" r:id="rId22"/>
-    <p:sldId id="314" r:id="rId23"/>
-    <p:sldId id="320" r:id="rId24"/>
-    <p:sldId id="302" r:id="rId25"/>
-    <p:sldId id="309" r:id="rId26"/>
-    <p:sldId id="342" r:id="rId27"/>
-    <p:sldId id="318" r:id="rId28"/>
-    <p:sldId id="334" r:id="rId29"/>
-    <p:sldId id="337" r:id="rId30"/>
-    <p:sldId id="338" r:id="rId31"/>
-    <p:sldId id="304" r:id="rId32"/>
-    <p:sldId id="340" r:id="rId33"/>
+    <p:sldId id="314" r:id="rId22"/>
+    <p:sldId id="309" r:id="rId23"/>
+    <p:sldId id="337" r:id="rId24"/>
+    <p:sldId id="338" r:id="rId25"/>
+    <p:sldId id="304" r:id="rId26"/>
+    <p:sldId id="340" r:id="rId27"/>
+    <p:sldId id="317" r:id="rId28"/>
+    <p:sldId id="302" r:id="rId29"/>
+    <p:sldId id="318" r:id="rId30"/>
+    <p:sldId id="334" r:id="rId31"/>
+    <p:sldId id="320" r:id="rId32"/>
+    <p:sldId id="342" r:id="rId33"/>
   </p:sldIdLst>
   <p:sldSz cx="9144000" cy="6858000" type="screen4x3"/>
   <p:notesSz cx="6797675" cy="9928225"/>
@@ -2026,7 +2026,7 @@
           <a:p>
             <a:fld id="{B4554F2B-4BCF-4197-901F-D7CA0C5C3346}" type="datetimeFigureOut">
               <a:rPr lang="en-US" smtClean="0"/>
-              <a:t>10/25/2018</a:t>
+              <a:t>10/28/2019</a:t>
             </a:fld>
             <a:endParaRPr lang="en-US" dirty="0"/>
           </a:p>
@@ -2283,7 +2283,7 @@
           <a:p>
             <a:fld id="{E28077EF-3DB9-4852-A8C8-9AA18A70A9F8}" type="datetimeFigureOut">
               <a:rPr lang="en-US" smtClean="0"/>
-              <a:t>10/25/2018</a:t>
+              <a:t>10/28/2019</a:t>
             </a:fld>
             <a:endParaRPr lang="en-US" dirty="0"/>
           </a:p>
@@ -2599,7 +2599,7 @@
           <a:p>
             <a:fld id="{E28077EF-3DB9-4852-A8C8-9AA18A70A9F8}" type="datetimeFigureOut">
               <a:rPr lang="en-US" smtClean="0"/>
-              <a:t>10/25/2018</a:t>
+              <a:t>10/28/2019</a:t>
             </a:fld>
             <a:endParaRPr lang="en-US" dirty="0"/>
           </a:p>
@@ -2934,7 +2934,7 @@
           <a:p>
             <a:fld id="{E28077EF-3DB9-4852-A8C8-9AA18A70A9F8}" type="datetimeFigureOut">
               <a:rPr lang="en-US" smtClean="0"/>
-              <a:t>10/25/2018</a:t>
+              <a:t>10/28/2019</a:t>
             </a:fld>
             <a:endParaRPr lang="en-US" dirty="0"/>
           </a:p>
@@ -3250,7 +3250,7 @@
           <a:p>
             <a:fld id="{E28077EF-3DB9-4852-A8C8-9AA18A70A9F8}" type="datetimeFigureOut">
               <a:rPr lang="en-US" smtClean="0"/>
-              <a:t>10/25/2018</a:t>
+              <a:t>10/28/2019</a:t>
             </a:fld>
             <a:endParaRPr lang="en-US" dirty="0"/>
           </a:p>
@@ -3645,7 +3645,7 @@
           <a:p>
             <a:fld id="{E28077EF-3DB9-4852-A8C8-9AA18A70A9F8}" type="datetimeFigureOut">
               <a:rPr lang="en-US" smtClean="0"/>
-              <a:t>10/25/2018</a:t>
+              <a:t>10/28/2019</a:t>
             </a:fld>
             <a:endParaRPr lang="en-US" dirty="0"/>
           </a:p>
@@ -3817,7 +3817,7 @@
           <a:p>
             <a:fld id="{80C08BB0-1F20-4C6B-A56C-896A9F73FB4A}" type="datetimeFigureOut">
               <a:rPr lang="en-US" smtClean="0"/>
-              <a:t>10/25/2018</a:t>
+              <a:t>10/28/2019</a:t>
             </a:fld>
             <a:endParaRPr lang="en-US" dirty="0"/>
           </a:p>
@@ -3998,7 +3998,7 @@
           <a:p>
             <a:fld id="{735C60DA-11B7-472A-AFEF-07FB059A27D8}" type="datetimeFigureOut">
               <a:rPr lang="en-US" smtClean="0"/>
-              <a:t>10/25/2018</a:t>
+              <a:t>10/28/2019</a:t>
             </a:fld>
             <a:endParaRPr lang="en-US" dirty="0"/>
           </a:p>
@@ -4374,7 +4374,7 @@
           <a:p>
             <a:fld id="{2651F21A-8405-4DA5-BEAC-3D4CC71D54EA}" type="datetimeFigureOut">
               <a:rPr lang="en-US" smtClean="0"/>
-              <a:t>10/25/2018</a:t>
+              <a:t>10/28/2019</a:t>
             </a:fld>
             <a:endParaRPr lang="en-US" dirty="0"/>
           </a:p>
@@ -4622,7 +4622,7 @@
           <a:p>
             <a:fld id="{78685F84-9683-4B1B-940C-516296C3B9E2}" type="datetimeFigureOut">
               <a:rPr lang="en-US" smtClean="0"/>
-              <a:t>10/25/2018</a:t>
+              <a:t>10/28/2019</a:t>
             </a:fld>
             <a:endParaRPr lang="en-US" dirty="0"/>
           </a:p>
@@ -4925,7 +4925,7 @@
           <a:p>
             <a:fld id="{0657B2AD-074C-4247-B20E-4BA1D1B80702}" type="datetimeFigureOut">
               <a:rPr lang="en-US" smtClean="0"/>
-              <a:t>10/25/2018</a:t>
+              <a:t>10/28/2019</a:t>
             </a:fld>
             <a:endParaRPr lang="en-US" dirty="0"/>
           </a:p>
@@ -5305,7 +5305,7 @@
           <a:p>
             <a:fld id="{8DCC26FB-39E8-4A97-A330-257F2E3058A9}" type="datetimeFigureOut">
               <a:rPr lang="en-US" smtClean="0"/>
-              <a:t>10/25/2018</a:t>
+              <a:t>10/28/2019</a:t>
             </a:fld>
             <a:endParaRPr lang="en-US" dirty="0"/>
           </a:p>
@@ -5429,7 +5429,7 @@
           <a:p>
             <a:fld id="{3EE6405D-5078-464B-95D5-AD1D787A29C3}" type="datetimeFigureOut">
               <a:rPr lang="en-US" smtClean="0"/>
-              <a:t>10/25/2018</a:t>
+              <a:t>10/28/2019</a:t>
             </a:fld>
             <a:endParaRPr lang="en-US" dirty="0"/>
           </a:p>
@@ -5524,7 +5524,7 @@
           <a:p>
             <a:fld id="{8CB55EF8-B59A-48DF-A116-AFDAD4B003AB}" type="datetimeFigureOut">
               <a:rPr lang="en-US" smtClean="0"/>
-              <a:t>10/25/2018</a:t>
+              <a:t>10/28/2019</a:t>
             </a:fld>
             <a:endParaRPr lang="en-US" dirty="0"/>
           </a:p>
@@ -5779,7 +5779,7 @@
           <a:p>
             <a:fld id="{EC94AEE7-DB1F-4DD1-9290-70ECE3C49600}" type="datetimeFigureOut">
               <a:rPr lang="en-US" smtClean="0"/>
-              <a:t>10/25/2018</a:t>
+              <a:t>10/28/2019</a:t>
             </a:fld>
             <a:endParaRPr lang="en-US" dirty="0"/>
           </a:p>
@@ -6043,7 +6043,7 @@
           <a:p>
             <a:fld id="{581F845D-AA64-4C6F-B170-8AA45DD4B329}" type="datetimeFigureOut">
               <a:rPr lang="en-US" smtClean="0"/>
-              <a:t>10/25/2018</a:t>
+              <a:t>10/28/2019</a:t>
             </a:fld>
             <a:endParaRPr lang="en-US" dirty="0"/>
           </a:p>
@@ -6859,7 +6859,7 @@
           <a:p>
             <a:fld id="{E28077EF-3DB9-4852-A8C8-9AA18A70A9F8}" type="datetimeFigureOut">
               <a:rPr lang="en-US" smtClean="0"/>
-              <a:t>10/25/2018</a:t>
+              <a:t>10/28/2019</a:t>
             </a:fld>
             <a:endParaRPr lang="en-US" dirty="0"/>
           </a:p>
@@ -13150,19 +13150,13 @@
               <a:rPr lang="en-GB" b="1" dirty="0">
                 <a:hlinkClick r:id="rId2"/>
               </a:rPr>
-              <a:t>https</a:t>
-            </a:r>
-            <a:r>
-              <a:rPr lang="en-GB" b="1">
+              <a:t>https://</a:t>
+            </a:r>
+            <a:r>
+              <a:rPr lang="en-GB" b="1" dirty="0" smtClean="0">
                 <a:hlinkClick r:id="rId2"/>
               </a:rPr>
-              <a:t>://</a:t>
-            </a:r>
-            <a:r>
-              <a:rPr lang="en-GB" b="1" smtClean="0">
-                <a:hlinkClick r:id="rId2"/>
-              </a:rPr>
-              <a:t>www.kent.ac.uk/psychology/downloads/PsychoPy_training.zip</a:t>
+              <a:t>www.kent.ac.uk/school-of-psychology/fyp.zip</a:t>
             </a:r>
             <a:r>
               <a:rPr lang="en-GB" dirty="0" smtClean="0"/>
@@ -13583,128 +13577,6 @@
             <p:ph type="title"/>
           </p:nvPr>
         </p:nvSpPr>
-        <p:spPr>
-          <a:xfrm>
-            <a:off x="1619672" y="2924944"/>
-            <a:ext cx="5256584" cy="1143299"/>
-          </a:xfrm>
-        </p:spPr>
-        <p:txBody>
-          <a:bodyPr>
-            <a:noAutofit/>
-          </a:bodyPr>
-          <a:lstStyle/>
-          <a:p>
-            <a:r>
-              <a:rPr lang="en-GB" sz="4000" dirty="0" smtClean="0"/>
-              <a:t>Miscellaneous extras</a:t>
-            </a:r>
-            <a:endParaRPr lang="en-US" sz="4000" dirty="0"/>
-          </a:p>
-        </p:txBody>
-      </p:sp>
-      <p:sp>
-        <p:nvSpPr>
-          <p:cNvPr id="4" name="Rectangle 3"/>
-          <p:cNvSpPr/>
-          <p:nvPr/>
-        </p:nvSpPr>
-        <p:spPr>
-          <a:xfrm>
-            <a:off x="1835696" y="2276872"/>
-            <a:ext cx="4461478" cy="923330"/>
-          </a:xfrm>
-          <a:prstGeom prst="rect">
-            <a:avLst/>
-          </a:prstGeom>
-          <a:noFill/>
-        </p:spPr>
-        <p:txBody>
-          <a:bodyPr wrap="none" lIns="91440" tIns="45720" rIns="91440" bIns="45720">
-            <a:spAutoFit/>
-          </a:bodyPr>
-          <a:lstStyle/>
-          <a:p>
-            <a:pPr algn="ctr"/>
-            <a:r>
-              <a:rPr lang="en-US" sz="5400" b="1" spc="50" dirty="0">
-                <a:ln w="0"/>
-                <a:solidFill>
-                  <a:schemeClr val="bg2"/>
-                </a:solidFill>
-                <a:effectLst>
-                  <a:innerShdw blurRad="63500" dist="50800" dir="13500000">
-                    <a:srgbClr val="000000">
-                      <a:alpha val="50000"/>
-                    </a:srgbClr>
-                  </a:innerShdw>
-                </a:effectLst>
-              </a:rPr>
-              <a:t>For info only</a:t>
-            </a:r>
-            <a:endParaRPr lang="en-US" sz="5400" b="1" cap="none" spc="50" dirty="0">
-              <a:ln w="0"/>
-              <a:solidFill>
-                <a:schemeClr val="bg2"/>
-              </a:solidFill>
-              <a:effectLst>
-                <a:innerShdw blurRad="63500" dist="50800" dir="13500000">
-                  <a:srgbClr val="000000">
-                    <a:alpha val="50000"/>
-                  </a:srgbClr>
-                </a:innerShdw>
-              </a:effectLst>
-            </a:endParaRPr>
-          </a:p>
-        </p:txBody>
-      </p:sp>
-    </p:spTree>
-    <p:extLst>
-      <p:ext uri="{BB962C8B-B14F-4D97-AF65-F5344CB8AC3E}">
-        <p14:creationId xmlns:p14="http://schemas.microsoft.com/office/powerpoint/2010/main" val="485278056"/>
-      </p:ext>
-    </p:extLst>
-  </p:cSld>
-  <p:clrMapOvr>
-    <a:masterClrMapping/>
-  </p:clrMapOvr>
-  <p:timing>
-    <p:tnLst>
-      <p:par>
-        <p:cTn id="1" dur="indefinite" restart="never" nodeType="tmRoot"/>
-      </p:par>
-    </p:tnLst>
-  </p:timing>
-</p:sld>
-</file>
-
-<file path=ppt/slides/slide22.xml><?xml version="1.0" encoding="utf-8"?>
-<p:sld xmlns:a="http://schemas.openxmlformats.org/drawingml/2006/main" xmlns:r="http://schemas.openxmlformats.org/officeDocument/2006/relationships" xmlns:p="http://schemas.openxmlformats.org/presentationml/2006/main">
-  <p:cSld>
-    <p:spTree>
-      <p:nvGrpSpPr>
-        <p:cNvPr id="1" name=""/>
-        <p:cNvGrpSpPr/>
-        <p:nvPr/>
-      </p:nvGrpSpPr>
-      <p:grpSpPr>
-        <a:xfrm>
-          <a:off x="0" y="0"/>
-          <a:ext cx="0" cy="0"/>
-          <a:chOff x="0" y="0"/>
-          <a:chExt cx="0" cy="0"/>
-        </a:xfrm>
-      </p:grpSpPr>
-      <p:sp>
-        <p:nvSpPr>
-          <p:cNvPr id="2" name="Title 1"/>
-          <p:cNvSpPr>
-            <a:spLocks noGrp="1"/>
-          </p:cNvSpPr>
-          <p:nvPr>
-            <p:ph type="title"/>
-          </p:nvPr>
-        </p:nvSpPr>
         <p:spPr/>
         <p:txBody>
           <a:bodyPr/>
@@ -14058,685 +13930,7 @@
 </p:sld>
 </file>
 
-<file path=ppt/slides/slide23.xml><?xml version="1.0" encoding="utf-8"?>
-<p:sld xmlns:a="http://schemas.openxmlformats.org/drawingml/2006/main" xmlns:r="http://schemas.openxmlformats.org/officeDocument/2006/relationships" xmlns:p="http://schemas.openxmlformats.org/presentationml/2006/main">
-  <p:cSld>
-    <p:spTree>
-      <p:nvGrpSpPr>
-        <p:cNvPr id="1" name=""/>
-        <p:cNvGrpSpPr/>
-        <p:nvPr/>
-      </p:nvGrpSpPr>
-      <p:grpSpPr>
-        <a:xfrm>
-          <a:off x="0" y="0"/>
-          <a:ext cx="0" cy="0"/>
-          <a:chOff x="0" y="0"/>
-          <a:chExt cx="0" cy="0"/>
-        </a:xfrm>
-      </p:grpSpPr>
-      <p:sp>
-        <p:nvSpPr>
-          <p:cNvPr id="2" name="Title 1"/>
-          <p:cNvSpPr>
-            <a:spLocks noGrp="1"/>
-          </p:cNvSpPr>
-          <p:nvPr>
-            <p:ph type="title"/>
-          </p:nvPr>
-        </p:nvSpPr>
-        <p:spPr/>
-        <p:txBody>
-          <a:bodyPr/>
-          <a:lstStyle/>
-          <a:p>
-            <a:r>
-              <a:rPr lang="en-GB" dirty="0" smtClean="0"/>
-              <a:t>Nested loops and lists</a:t>
-            </a:r>
-            <a:endParaRPr lang="en-US" dirty="0"/>
-          </a:p>
-        </p:txBody>
-      </p:sp>
-      <p:sp>
-        <p:nvSpPr>
-          <p:cNvPr id="3" name="Text Placeholder 2"/>
-          <p:cNvSpPr>
-            <a:spLocks noGrp="1"/>
-          </p:cNvSpPr>
-          <p:nvPr>
-            <p:ph type="body" idx="1"/>
-          </p:nvPr>
-        </p:nvSpPr>
-        <p:spPr/>
-        <p:txBody>
-          <a:bodyPr/>
-          <a:lstStyle/>
-          <a:p>
-            <a:r>
-              <a:rPr lang="en-GB" dirty="0" smtClean="0"/>
-              <a:t>Useful for randomising order of blocks (outer level)</a:t>
-            </a:r>
-          </a:p>
-          <a:p>
-            <a:endParaRPr lang="en-GB" dirty="0"/>
-          </a:p>
-          <a:p>
-            <a:endParaRPr lang="en-GB" dirty="0" smtClean="0"/>
-          </a:p>
-          <a:p>
-            <a:endParaRPr lang="en-GB" dirty="0"/>
-          </a:p>
-          <a:p>
-            <a:endParaRPr lang="en-GB" dirty="0" smtClean="0"/>
-          </a:p>
-          <a:p>
-            <a:endParaRPr lang="en-GB" dirty="0"/>
-          </a:p>
-          <a:p>
-            <a:pPr marL="0" indent="0">
-              <a:buNone/>
-            </a:pPr>
-            <a:endParaRPr lang="en-GB" dirty="0" smtClean="0"/>
-          </a:p>
-          <a:p>
-            <a:endParaRPr lang="en-GB" dirty="0"/>
-          </a:p>
-          <a:p>
-            <a:pPr marL="0" indent="0">
-              <a:buNone/>
-            </a:pPr>
-            <a:endParaRPr lang="en-GB" dirty="0" smtClean="0"/>
-          </a:p>
-          <a:p>
-            <a:pPr marL="0" indent="0">
-              <a:buNone/>
-            </a:pPr>
-            <a:endParaRPr lang="en-GB" dirty="0"/>
-          </a:p>
-          <a:p>
-            <a:pPr marL="0" indent="0">
-              <a:buNone/>
-            </a:pPr>
-            <a:endParaRPr lang="en-GB" dirty="0" smtClean="0"/>
-          </a:p>
-          <a:p>
-            <a:pPr marL="0" indent="0">
-              <a:buNone/>
-            </a:pPr>
-            <a:endParaRPr lang="en-GB" dirty="0" smtClean="0"/>
-          </a:p>
-        </p:txBody>
-      </p:sp>
-      <p:pic>
-        <p:nvPicPr>
-          <p:cNvPr id="4" name="Picture 3"/>
-          <p:cNvPicPr>
-            <a:picLocks noChangeAspect="1"/>
-          </p:cNvPicPr>
-          <p:nvPr/>
-        </p:nvPicPr>
-        <p:blipFill>
-          <a:blip r:embed="rId2">
-            <a:extLst>
-              <a:ext uri="{28A0092B-C50C-407E-A947-70E740481C1C}">
-                <a14:useLocalDpi xmlns:a14="http://schemas.microsoft.com/office/drawing/2010/main" val="0"/>
-              </a:ext>
-            </a:extLst>
-          </a:blip>
-          <a:stretch>
-            <a:fillRect/>
-          </a:stretch>
-        </p:blipFill>
-        <p:spPr>
-          <a:xfrm>
-            <a:off x="1572662" y="2978109"/>
-            <a:ext cx="4934262" cy="1321839"/>
-          </a:xfrm>
-          <a:prstGeom prst="rect">
-            <a:avLst/>
-          </a:prstGeom>
-        </p:spPr>
-      </p:pic>
-      <p:cxnSp>
-        <p:nvCxnSpPr>
-          <p:cNvPr id="6" name="Straight Arrow Connector 5"/>
-          <p:cNvCxnSpPr/>
-          <p:nvPr/>
-        </p:nvCxnSpPr>
-        <p:spPr>
-          <a:xfrm flipV="1">
-            <a:off x="3121051" y="4084051"/>
-            <a:ext cx="649904" cy="646647"/>
-          </a:xfrm>
-          <a:prstGeom prst="straightConnector1">
-            <a:avLst/>
-          </a:prstGeom>
-          <a:ln>
-            <a:tailEnd type="triangle"/>
-          </a:ln>
-        </p:spPr>
-        <p:style>
-          <a:lnRef idx="1">
-            <a:schemeClr val="accent1"/>
-          </a:lnRef>
-          <a:fillRef idx="0">
-            <a:schemeClr val="accent1"/>
-          </a:fillRef>
-          <a:effectRef idx="0">
-            <a:schemeClr val="accent1"/>
-          </a:effectRef>
-          <a:fontRef idx="minor">
-            <a:schemeClr val="tx1"/>
-          </a:fontRef>
-        </p:style>
-      </p:cxnSp>
-      <p:cxnSp>
-        <p:nvCxnSpPr>
-          <p:cNvPr id="10" name="Straight Arrow Connector 9"/>
-          <p:cNvCxnSpPr/>
-          <p:nvPr/>
-        </p:nvCxnSpPr>
-        <p:spPr>
-          <a:xfrm flipH="1" flipV="1">
-            <a:off x="4390632" y="3846526"/>
-            <a:ext cx="717116" cy="884172"/>
-          </a:xfrm>
-          <a:prstGeom prst="straightConnector1">
-            <a:avLst/>
-          </a:prstGeom>
-          <a:ln>
-            <a:tailEnd type="triangle"/>
-          </a:ln>
-        </p:spPr>
-        <p:style>
-          <a:lnRef idx="1">
-            <a:schemeClr val="accent1"/>
-          </a:lnRef>
-          <a:fillRef idx="0">
-            <a:schemeClr val="accent1"/>
-          </a:fillRef>
-          <a:effectRef idx="0">
-            <a:schemeClr val="accent1"/>
-          </a:effectRef>
-          <a:fontRef idx="minor">
-            <a:schemeClr val="tx1"/>
-          </a:fontRef>
-        </p:style>
-      </p:cxnSp>
-      <p:sp>
-        <p:nvSpPr>
-          <p:cNvPr id="13" name="TextBox 12"/>
-          <p:cNvSpPr txBox="1"/>
-          <p:nvPr/>
-        </p:nvSpPr>
-        <p:spPr>
-          <a:xfrm>
-            <a:off x="6370572" y="6612397"/>
-            <a:ext cx="184731" cy="369332"/>
-          </a:xfrm>
-          <a:prstGeom prst="rect">
-            <a:avLst/>
-          </a:prstGeom>
-          <a:noFill/>
-        </p:spPr>
-        <p:txBody>
-          <a:bodyPr wrap="none" rtlCol="0">
-            <a:spAutoFit/>
-          </a:bodyPr>
-          <a:lstStyle/>
-          <a:p>
-            <a:endParaRPr lang="en-US" dirty="0"/>
-          </a:p>
-        </p:txBody>
-      </p:sp>
-      <p:sp>
-        <p:nvSpPr>
-          <p:cNvPr id="14" name="TextBox 13"/>
-          <p:cNvSpPr txBox="1"/>
-          <p:nvPr/>
-        </p:nvSpPr>
-        <p:spPr>
-          <a:xfrm>
-            <a:off x="2443622" y="4730698"/>
-            <a:ext cx="1446230" cy="646331"/>
-          </a:xfrm>
-          <a:prstGeom prst="rect">
-            <a:avLst/>
-          </a:prstGeom>
-          <a:noFill/>
-        </p:spPr>
-        <p:txBody>
-          <a:bodyPr wrap="none" rtlCol="0">
-            <a:spAutoFit/>
-          </a:bodyPr>
-          <a:lstStyle/>
-          <a:p>
-            <a:r>
-              <a:rPr lang="en-GB" dirty="0" smtClean="0"/>
-              <a:t>Outer loop </a:t>
-            </a:r>
-          </a:p>
-          <a:p>
-            <a:r>
-              <a:rPr lang="en-GB" dirty="0" smtClean="0">
-                <a:solidFill>
-                  <a:schemeClr val="bg1">
-                    <a:lumMod val="50000"/>
-                  </a:schemeClr>
-                </a:solidFill>
-              </a:rPr>
-              <a:t>(Starts first)</a:t>
-            </a:r>
-            <a:endParaRPr lang="en-US" dirty="0">
-              <a:solidFill>
-                <a:schemeClr val="bg1">
-                  <a:lumMod val="50000"/>
-                </a:schemeClr>
-              </a:solidFill>
-            </a:endParaRPr>
-          </a:p>
-        </p:txBody>
-      </p:sp>
-      <p:sp>
-        <p:nvSpPr>
-          <p:cNvPr id="15" name="TextBox 14"/>
-          <p:cNvSpPr txBox="1"/>
-          <p:nvPr/>
-        </p:nvSpPr>
-        <p:spPr>
-          <a:xfrm>
-            <a:off x="4430044" y="4730697"/>
-            <a:ext cx="2752677" cy="923330"/>
-          </a:xfrm>
-          <a:prstGeom prst="rect">
-            <a:avLst/>
-          </a:prstGeom>
-          <a:noFill/>
-        </p:spPr>
-        <p:txBody>
-          <a:bodyPr wrap="none" rtlCol="0">
-            <a:spAutoFit/>
-          </a:bodyPr>
-          <a:lstStyle/>
-          <a:p>
-            <a:r>
-              <a:rPr lang="en-GB" dirty="0" smtClean="0"/>
-              <a:t>Inner loop </a:t>
-            </a:r>
-          </a:p>
-          <a:p>
-            <a:r>
-              <a:rPr lang="en-GB" dirty="0" smtClean="0">
-                <a:solidFill>
-                  <a:schemeClr val="bg1">
-                    <a:lumMod val="50000"/>
-                  </a:schemeClr>
-                </a:solidFill>
-              </a:rPr>
-              <a:t>(Starts second, runs and </a:t>
-            </a:r>
-          </a:p>
-          <a:p>
-            <a:r>
-              <a:rPr lang="en-GB" smtClean="0">
-                <a:solidFill>
-                  <a:schemeClr val="bg1">
-                    <a:lumMod val="50000"/>
-                  </a:schemeClr>
-                </a:solidFill>
-              </a:rPr>
-              <a:t>Completes each </a:t>
-            </a:r>
-            <a:r>
-              <a:rPr lang="en-GB" dirty="0" smtClean="0">
-                <a:solidFill>
-                  <a:schemeClr val="bg1">
-                    <a:lumMod val="50000"/>
-                  </a:schemeClr>
-                </a:solidFill>
-              </a:rPr>
-              <a:t>time)</a:t>
-            </a:r>
-            <a:endParaRPr lang="en-US" dirty="0">
-              <a:solidFill>
-                <a:schemeClr val="bg1">
-                  <a:lumMod val="50000"/>
-                </a:schemeClr>
-              </a:solidFill>
-            </a:endParaRPr>
-          </a:p>
-        </p:txBody>
-      </p:sp>
-    </p:spTree>
-    <p:extLst>
-      <p:ext uri="{BB962C8B-B14F-4D97-AF65-F5344CB8AC3E}">
-        <p14:creationId xmlns:p14="http://schemas.microsoft.com/office/powerpoint/2010/main" val="584906795"/>
-      </p:ext>
-    </p:extLst>
-  </p:cSld>
-  <p:clrMapOvr>
-    <a:masterClrMapping/>
-  </p:clrMapOvr>
-</p:sld>
-</file>
-
-<file path=ppt/slides/slide24.xml><?xml version="1.0" encoding="utf-8"?>
-<p:sld xmlns:a="http://schemas.openxmlformats.org/drawingml/2006/main" xmlns:r="http://schemas.openxmlformats.org/officeDocument/2006/relationships" xmlns:p="http://schemas.openxmlformats.org/presentationml/2006/main">
-  <p:cSld>
-    <p:spTree>
-      <p:nvGrpSpPr>
-        <p:cNvPr id="1" name=""/>
-        <p:cNvGrpSpPr/>
-        <p:nvPr/>
-      </p:nvGrpSpPr>
-      <p:grpSpPr>
-        <a:xfrm>
-          <a:off x="0" y="0"/>
-          <a:ext cx="0" cy="0"/>
-          <a:chOff x="0" y="0"/>
-          <a:chExt cx="0" cy="0"/>
-        </a:xfrm>
-      </p:grpSpPr>
-      <p:sp>
-        <p:nvSpPr>
-          <p:cNvPr id="2" name="Title 1"/>
-          <p:cNvSpPr>
-            <a:spLocks noGrp="1"/>
-          </p:cNvSpPr>
-          <p:nvPr>
-            <p:ph type="title"/>
-          </p:nvPr>
-        </p:nvSpPr>
-        <p:spPr/>
-        <p:txBody>
-          <a:bodyPr/>
-          <a:lstStyle/>
-          <a:p>
-            <a:r>
-              <a:rPr lang="en-GB" dirty="0" smtClean="0"/>
-              <a:t>More components</a:t>
-            </a:r>
-            <a:endParaRPr lang="en-US" dirty="0"/>
-          </a:p>
-        </p:txBody>
-      </p:sp>
-      <p:sp>
-        <p:nvSpPr>
-          <p:cNvPr id="3" name="Text Placeholder 2"/>
-          <p:cNvSpPr>
-            <a:spLocks noGrp="1"/>
-          </p:cNvSpPr>
-          <p:nvPr>
-            <p:ph type="body" idx="1"/>
-          </p:nvPr>
-        </p:nvSpPr>
-        <p:spPr>
-          <a:xfrm>
-            <a:off x="487328" y="1417936"/>
-            <a:ext cx="8229600" cy="4967700"/>
-          </a:xfrm>
-        </p:spPr>
-        <p:txBody>
-          <a:bodyPr>
-            <a:normAutofit fontScale="92500" lnSpcReduction="20000"/>
-          </a:bodyPr>
-          <a:lstStyle/>
-          <a:p>
-            <a:pPr marL="0" indent="0">
-              <a:buNone/>
-            </a:pPr>
-            <a:r>
-              <a:rPr lang="en-GB" dirty="0" smtClean="0"/>
-              <a:t>Overview of remaining components in brief.</a:t>
-            </a:r>
-          </a:p>
-          <a:p>
-            <a:pPr marL="0" indent="0">
-              <a:buNone/>
-            </a:pPr>
-            <a:endParaRPr lang="en-GB" dirty="0" smtClean="0"/>
-          </a:p>
-          <a:p>
-            <a:pPr marL="0" indent="0">
-              <a:buNone/>
-            </a:pPr>
-            <a:r>
-              <a:rPr lang="en-GB" dirty="0" smtClean="0"/>
-              <a:t>Stimuli:</a:t>
-            </a:r>
-          </a:p>
-          <a:p>
-            <a:r>
-              <a:rPr lang="en-GB" b="1" dirty="0" smtClean="0"/>
-              <a:t>Sound</a:t>
-            </a:r>
-            <a:r>
-              <a:rPr lang="en-GB" dirty="0" smtClean="0"/>
-              <a:t> – Playback of sound</a:t>
-            </a:r>
-          </a:p>
-          <a:p>
-            <a:r>
-              <a:rPr lang="en-GB" b="1" dirty="0" smtClean="0"/>
-              <a:t>Image</a:t>
-            </a:r>
-            <a:r>
-              <a:rPr lang="en-GB" dirty="0" smtClean="0"/>
-              <a:t> – Display of image</a:t>
-            </a:r>
-          </a:p>
-          <a:p>
-            <a:r>
-              <a:rPr lang="en-GB" b="1" dirty="0" smtClean="0"/>
-              <a:t>Aperture</a:t>
-            </a:r>
-            <a:r>
-              <a:rPr lang="en-GB" dirty="0" smtClean="0"/>
-              <a:t> – Add a circular effect onto image component</a:t>
-            </a:r>
-          </a:p>
-          <a:p>
-            <a:r>
-              <a:rPr lang="en-GB" b="1" dirty="0" smtClean="0"/>
-              <a:t>Grating</a:t>
-            </a:r>
-            <a:r>
-              <a:rPr lang="en-GB" dirty="0" smtClean="0"/>
-              <a:t> – Wrapped texture that can be cycled in 2 dimensions</a:t>
-            </a:r>
-          </a:p>
-          <a:p>
-            <a:r>
-              <a:rPr lang="en-GB" b="1" dirty="0" smtClean="0"/>
-              <a:t>Movie</a:t>
-            </a:r>
-            <a:r>
-              <a:rPr lang="en-GB" dirty="0" smtClean="0"/>
-              <a:t> – Playback of movie files</a:t>
-            </a:r>
-          </a:p>
-          <a:p>
-            <a:r>
-              <a:rPr lang="en-GB" b="1" dirty="0" smtClean="0"/>
-              <a:t>Dots</a:t>
-            </a:r>
-            <a:r>
-              <a:rPr lang="en-GB" dirty="0" smtClean="0"/>
-              <a:t> – Presentation of Random Dot </a:t>
-            </a:r>
-            <a:r>
-              <a:rPr lang="en-GB" dirty="0" err="1" smtClean="0"/>
-              <a:t>Kinematogram</a:t>
-            </a:r>
-            <a:r>
-              <a:rPr lang="en-GB" dirty="0" smtClean="0"/>
-              <a:t> to participants</a:t>
-            </a:r>
-          </a:p>
-          <a:p>
-            <a:r>
-              <a:rPr lang="en-GB" b="1" dirty="0" smtClean="0"/>
-              <a:t>Polygon</a:t>
-            </a:r>
-            <a:r>
-              <a:rPr lang="en-GB" dirty="0" smtClean="0"/>
-              <a:t> – Shape presentation of different sides (square, rectangle, octagon)</a:t>
-            </a:r>
-          </a:p>
-          <a:p>
-            <a:endParaRPr lang="en-GB" dirty="0" smtClean="0"/>
-          </a:p>
-          <a:p>
-            <a:pPr marL="0" indent="0">
-              <a:buNone/>
-            </a:pPr>
-            <a:r>
-              <a:rPr lang="en-GB" dirty="0" smtClean="0"/>
-              <a:t>Responses:</a:t>
-            </a:r>
-          </a:p>
-          <a:p>
-            <a:r>
-              <a:rPr lang="en-GB" b="1" dirty="0" smtClean="0"/>
-              <a:t>Mouse</a:t>
-            </a:r>
-            <a:r>
-              <a:rPr lang="en-GB" dirty="0" smtClean="0"/>
-              <a:t> – Take responses from the mouse</a:t>
-            </a:r>
-          </a:p>
-          <a:p>
-            <a:r>
-              <a:rPr lang="en-GB" b="1" dirty="0" smtClean="0"/>
-              <a:t>Mic</a:t>
-            </a:r>
-            <a:r>
-              <a:rPr lang="en-GB" dirty="0" smtClean="0"/>
-              <a:t> – Only records sound, doesn’t register response to sound</a:t>
-            </a:r>
-          </a:p>
-          <a:p>
-            <a:r>
-              <a:rPr lang="en-GB" b="1" dirty="0" smtClean="0"/>
-              <a:t>Scale</a:t>
-            </a:r>
-            <a:r>
-              <a:rPr lang="en-GB" dirty="0" smtClean="0"/>
-              <a:t> – Mouse friendly scale to choose a value</a:t>
-            </a:r>
-          </a:p>
-          <a:p>
-            <a:r>
-              <a:rPr lang="en-GB" b="1" dirty="0" err="1" smtClean="0"/>
-              <a:t>ioBox</a:t>
-            </a:r>
-            <a:r>
-              <a:rPr lang="en-GB" b="1" dirty="0" smtClean="0"/>
-              <a:t>, </a:t>
-            </a:r>
-            <a:r>
-              <a:rPr lang="en-GB" b="1" dirty="0" err="1" smtClean="0"/>
-              <a:t>Cedrus</a:t>
-            </a:r>
-            <a:r>
-              <a:rPr lang="en-GB" b="1" dirty="0"/>
-              <a:t> </a:t>
-            </a:r>
-            <a:r>
-              <a:rPr lang="en-GB" dirty="0" smtClean="0"/>
-              <a:t>– Input options for external hardware devices and button boxes</a:t>
-            </a:r>
-            <a:endParaRPr lang="en-GB" dirty="0"/>
-          </a:p>
-          <a:p>
-            <a:pPr marL="0" indent="0">
-              <a:buNone/>
-            </a:pPr>
-            <a:endParaRPr lang="en-GB" dirty="0" smtClean="0"/>
-          </a:p>
-          <a:p>
-            <a:pPr marL="0" indent="0">
-              <a:buNone/>
-            </a:pPr>
-            <a:r>
-              <a:rPr lang="en-GB" dirty="0" smtClean="0"/>
-              <a:t>Other:</a:t>
-            </a:r>
-          </a:p>
-          <a:p>
-            <a:r>
-              <a:rPr lang="en-GB" b="1" dirty="0" smtClean="0"/>
-              <a:t>Parallel icon </a:t>
-            </a:r>
-            <a:r>
-              <a:rPr lang="en-GB" dirty="0" smtClean="0"/>
-              <a:t>– Send signals down a cable (EEG)</a:t>
-            </a:r>
-          </a:p>
-          <a:p>
-            <a:r>
-              <a:rPr lang="en-GB" b="1" dirty="0" smtClean="0"/>
-              <a:t>Static</a:t>
-            </a:r>
-            <a:r>
-              <a:rPr lang="en-GB" dirty="0" smtClean="0"/>
-              <a:t> – A static period to allow for pre-loading images or other operations</a:t>
-            </a:r>
-          </a:p>
-          <a:p>
-            <a:endParaRPr lang="en-GB" dirty="0"/>
-          </a:p>
-          <a:p>
-            <a:pPr marL="0" indent="0">
-              <a:buNone/>
-            </a:pPr>
-            <a:r>
-              <a:rPr lang="en-GB" dirty="0" smtClean="0"/>
-              <a:t>More details can </a:t>
-            </a:r>
-            <a:r>
-              <a:rPr lang="en-GB" dirty="0"/>
-              <a:t>be found at </a:t>
-            </a:r>
-            <a:r>
-              <a:rPr lang="en-GB" b="1" dirty="0"/>
-              <a:t>http://</a:t>
-            </a:r>
-            <a:r>
-              <a:rPr lang="en-GB" b="1" dirty="0" smtClean="0"/>
-              <a:t>www.psychopy.org/builder/components.html</a:t>
-            </a:r>
-          </a:p>
-          <a:p>
-            <a:pPr marL="0" indent="0">
-              <a:buNone/>
-            </a:pPr>
-            <a:endParaRPr lang="en-US" dirty="0"/>
-          </a:p>
-        </p:txBody>
-      </p:sp>
-    </p:spTree>
-    <p:extLst>
-      <p:ext uri="{BB962C8B-B14F-4D97-AF65-F5344CB8AC3E}">
-        <p14:creationId xmlns:p14="http://schemas.microsoft.com/office/powerpoint/2010/main" val="1997174920"/>
-      </p:ext>
-    </p:extLst>
-  </p:cSld>
-  <p:clrMapOvr>
-    <a:masterClrMapping/>
-  </p:clrMapOvr>
-  <p:timing>
-    <p:tnLst>
-      <p:par>
-        <p:cTn id="1" dur="indefinite" restart="never" nodeType="tmRoot"/>
-      </p:par>
-    </p:tnLst>
-  </p:timing>
-</p:sld>
-</file>
-
-<file path=ppt/slides/slide25.xml><?xml version="1.0" encoding="utf-8"?>
+<file path=ppt/slides/slide22.xml><?xml version="1.0" encoding="utf-8"?>
 <p:sld xmlns:a="http://schemas.openxmlformats.org/drawingml/2006/main" xmlns:r="http://schemas.openxmlformats.org/officeDocument/2006/relationships" xmlns:p="http://schemas.openxmlformats.org/presentationml/2006/main">
   <p:cSld>
     <p:spTree>
@@ -15073,7 +14267,517 @@
 </p:sld>
 </file>
 
-<file path=ppt/slides/slide26.xml><?xml version="1.0" encoding="utf-8"?>
+<file path=ppt/slides/slide23.xml><?xml version="1.0" encoding="utf-8"?>
+<p:sld xmlns:a="http://schemas.openxmlformats.org/drawingml/2006/main" xmlns:r="http://schemas.openxmlformats.org/officeDocument/2006/relationships" xmlns:p="http://schemas.openxmlformats.org/presentationml/2006/main">
+  <p:cSld>
+    <p:spTree>
+      <p:nvGrpSpPr>
+        <p:cNvPr id="1" name="Shape 214"/>
+        <p:cNvGrpSpPr/>
+        <p:nvPr/>
+      </p:nvGrpSpPr>
+      <p:grpSpPr>
+        <a:xfrm>
+          <a:off x="0" y="0"/>
+          <a:ext cx="0" cy="0"/>
+          <a:chOff x="0" y="0"/>
+          <a:chExt cx="0" cy="0"/>
+        </a:xfrm>
+      </p:grpSpPr>
+      <p:sp>
+        <p:nvSpPr>
+          <p:cNvPr id="215" name="Shape 215"/>
+          <p:cNvSpPr txBox="1">
+            <a:spLocks noGrp="1"/>
+          </p:cNvSpPr>
+          <p:nvPr>
+            <p:ph type="title"/>
+          </p:nvPr>
+        </p:nvSpPr>
+        <p:spPr>
+          <a:prstGeom prst="rect">
+            <a:avLst/>
+          </a:prstGeom>
+        </p:spPr>
+        <p:txBody>
+          <a:bodyPr lIns="91425" tIns="91425" rIns="91425" bIns="91425" anchor="b" anchorCtr="0">
+            <a:noAutofit/>
+          </a:bodyPr>
+          <a:lstStyle/>
+          <a:p>
+            <a:pPr>
+              <a:spcBef>
+                <a:spcPts val="0"/>
+              </a:spcBef>
+              <a:buNone/>
+            </a:pPr>
+            <a:r>
+              <a:rPr lang="en" dirty="0" smtClean="0"/>
+              <a:t>General best </a:t>
+            </a:r>
+            <a:r>
+              <a:rPr lang="en" dirty="0"/>
+              <a:t>practices</a:t>
+            </a:r>
+          </a:p>
+        </p:txBody>
+      </p:sp>
+      <p:sp>
+        <p:nvSpPr>
+          <p:cNvPr id="216" name="Shape 216"/>
+          <p:cNvSpPr txBox="1">
+            <a:spLocks noGrp="1"/>
+          </p:cNvSpPr>
+          <p:nvPr>
+            <p:ph type="body" idx="1"/>
+          </p:nvPr>
+        </p:nvSpPr>
+        <p:spPr>
+          <a:xfrm>
+            <a:off x="457200" y="1600199"/>
+            <a:ext cx="8229600" cy="5133109"/>
+          </a:xfrm>
+          <a:prstGeom prst="rect">
+            <a:avLst/>
+          </a:prstGeom>
+        </p:spPr>
+        <p:txBody>
+          <a:bodyPr lIns="91425" tIns="91425" rIns="91425" bIns="91425" anchor="t" anchorCtr="0">
+            <a:noAutofit/>
+          </a:bodyPr>
+          <a:lstStyle/>
+          <a:p>
+            <a:r>
+              <a:rPr lang="en-GB" dirty="0" smtClean="0"/>
+              <a:t>When lab testing, ensure you test your experiment in there 24 hours before</a:t>
+            </a:r>
+            <a:br>
+              <a:rPr lang="en-GB" dirty="0" smtClean="0"/>
+            </a:br>
+            <a:endParaRPr lang="en-GB" dirty="0" smtClean="0"/>
+          </a:p>
+          <a:p>
+            <a:r>
+              <a:rPr lang="en-GB" dirty="0" smtClean="0"/>
+              <a:t>Label your routines/loops and components clearly</a:t>
+            </a:r>
+            <a:br>
+              <a:rPr lang="en-GB" dirty="0" smtClean="0"/>
+            </a:br>
+            <a:endParaRPr lang="en-GB" dirty="0" smtClean="0"/>
+          </a:p>
+          <a:p>
+            <a:r>
+              <a:rPr lang="en-GB" dirty="0" smtClean="0"/>
+              <a:t>Make regular backups!!</a:t>
+            </a:r>
+            <a:br>
+              <a:rPr lang="en-GB" dirty="0" smtClean="0"/>
+            </a:br>
+            <a:endParaRPr lang="en-GB" dirty="0" smtClean="0"/>
+          </a:p>
+          <a:p>
+            <a:pPr lvl="1">
+              <a:buFont typeface="Courier New" panose="02070309020205020404" pitchFamily="49" charset="0"/>
+              <a:buChar char="o"/>
+            </a:pPr>
+            <a:r>
+              <a:rPr lang="en-GB" dirty="0" smtClean="0"/>
+              <a:t>We cannot stress this enough!</a:t>
+            </a:r>
+          </a:p>
+          <a:p>
+            <a:pPr lvl="1">
+              <a:buFont typeface="Courier New" panose="02070309020205020404" pitchFamily="49" charset="0"/>
+              <a:buChar char="o"/>
+            </a:pPr>
+            <a:r>
+              <a:rPr lang="en-GB" dirty="0" smtClean="0"/>
+              <a:t>Don’t just rely on USB sticks (can be unreliable)</a:t>
+            </a:r>
+            <a:br>
+              <a:rPr lang="en-GB" dirty="0" smtClean="0"/>
+            </a:br>
+            <a:endParaRPr lang="en-GB" dirty="0" smtClean="0"/>
+          </a:p>
+          <a:p>
+            <a:r>
+              <a:rPr lang="en-GB" dirty="0" smtClean="0"/>
+              <a:t>Check your data output and ensure its solid</a:t>
+            </a:r>
+          </a:p>
+          <a:p>
+            <a:pPr lvl="1">
+              <a:buFont typeface="Courier New" panose="02070309020205020404" pitchFamily="49" charset="0"/>
+              <a:buChar char="o"/>
+            </a:pPr>
+            <a:r>
+              <a:rPr lang="en-GB" dirty="0" smtClean="0"/>
+              <a:t>Make sure you are saving ALL the data you need for your analysis</a:t>
+            </a:r>
+          </a:p>
+          <a:p>
+            <a:pPr>
+              <a:buFont typeface="Courier New" panose="02070309020205020404" pitchFamily="49" charset="0"/>
+              <a:buChar char="o"/>
+            </a:pPr>
+            <a:endParaRPr lang="en" dirty="0" smtClean="0"/>
+          </a:p>
+          <a:p>
+            <a:pPr marL="38100" lvl="0" indent="0" rtl="0">
+              <a:spcBef>
+                <a:spcPts val="0"/>
+              </a:spcBef>
+              <a:buClr>
+                <a:schemeClr val="dk1"/>
+              </a:buClr>
+              <a:buSzPct val="100000"/>
+              <a:buNone/>
+            </a:pPr>
+            <a:endParaRPr lang="en" dirty="0"/>
+          </a:p>
+        </p:txBody>
+      </p:sp>
+    </p:spTree>
+    <p:extLst>
+      <p:ext uri="{BB962C8B-B14F-4D97-AF65-F5344CB8AC3E}">
+        <p14:creationId xmlns:p14="http://schemas.microsoft.com/office/powerpoint/2010/main" val="21514548"/>
+      </p:ext>
+    </p:extLst>
+  </p:cSld>
+  <p:clrMapOvr>
+    <a:masterClrMapping/>
+  </p:clrMapOvr>
+  <p:transition spd="slow">
+    <p:cut/>
+  </p:transition>
+  <p:timing>
+    <p:tnLst>
+      <p:par>
+        <p:cTn id="1" dur="indefinite" restart="never" nodeType="tmRoot"/>
+      </p:par>
+    </p:tnLst>
+  </p:timing>
+</p:sld>
+</file>
+
+<file path=ppt/slides/slide24.xml><?xml version="1.0" encoding="utf-8"?>
+<p:sld xmlns:a="http://schemas.openxmlformats.org/drawingml/2006/main" xmlns:r="http://schemas.openxmlformats.org/officeDocument/2006/relationships" xmlns:p="http://schemas.openxmlformats.org/presentationml/2006/main">
+  <p:cSld>
+    <p:spTree>
+      <p:nvGrpSpPr>
+        <p:cNvPr id="1" name="Shape 244"/>
+        <p:cNvGrpSpPr/>
+        <p:nvPr/>
+      </p:nvGrpSpPr>
+      <p:grpSpPr>
+        <a:xfrm>
+          <a:off x="0" y="0"/>
+          <a:ext cx="0" cy="0"/>
+          <a:chOff x="0" y="0"/>
+          <a:chExt cx="0" cy="0"/>
+        </a:xfrm>
+      </p:grpSpPr>
+      <p:sp>
+        <p:nvSpPr>
+          <p:cNvPr id="245" name="Shape 245"/>
+          <p:cNvSpPr txBox="1">
+            <a:spLocks noGrp="1"/>
+          </p:cNvSpPr>
+          <p:nvPr>
+            <p:ph type="title"/>
+          </p:nvPr>
+        </p:nvSpPr>
+        <p:spPr>
+          <a:prstGeom prst="rect">
+            <a:avLst/>
+          </a:prstGeom>
+        </p:spPr>
+        <p:txBody>
+          <a:bodyPr lIns="91425" tIns="91425" rIns="91425" bIns="91425" anchor="b" anchorCtr="0">
+            <a:noAutofit/>
+          </a:bodyPr>
+          <a:lstStyle/>
+          <a:p>
+            <a:pPr lvl="0" rtl="0">
+              <a:spcBef>
+                <a:spcPts val="0"/>
+              </a:spcBef>
+              <a:buNone/>
+            </a:pPr>
+            <a:r>
+              <a:rPr lang="en" dirty="0" smtClean="0"/>
+              <a:t>Where can I get extra help?</a:t>
+            </a:r>
+            <a:endParaRPr lang="en" dirty="0"/>
+          </a:p>
+        </p:txBody>
+      </p:sp>
+      <p:sp>
+        <p:nvSpPr>
+          <p:cNvPr id="246" name="Shape 246"/>
+          <p:cNvSpPr txBox="1">
+            <a:spLocks noGrp="1"/>
+          </p:cNvSpPr>
+          <p:nvPr>
+            <p:ph type="body" idx="1"/>
+          </p:nvPr>
+        </p:nvSpPr>
+        <p:spPr>
+          <a:prstGeom prst="rect">
+            <a:avLst/>
+          </a:prstGeom>
+        </p:spPr>
+        <p:txBody>
+          <a:bodyPr lIns="91425" tIns="91425" rIns="91425" bIns="91425" anchor="t" anchorCtr="0">
+            <a:noAutofit/>
+          </a:bodyPr>
+          <a:lstStyle/>
+          <a:p>
+            <a:r>
+              <a:rPr lang="en-GB" b="1" dirty="0" err="1" smtClean="0"/>
+              <a:t>PsychoPy</a:t>
+            </a:r>
+            <a:r>
+              <a:rPr lang="en-GB" b="1" dirty="0" smtClean="0"/>
+              <a:t>:</a:t>
+            </a:r>
+          </a:p>
+          <a:p>
+            <a:pPr lvl="1">
+              <a:buFont typeface="Courier New" panose="02070309020205020404" pitchFamily="49" charset="0"/>
+              <a:buChar char="o"/>
+            </a:pPr>
+            <a:r>
+              <a:rPr lang="en-GB" sz="1800" dirty="0" err="1" smtClean="0"/>
+              <a:t>PsychoPy</a:t>
+            </a:r>
+            <a:r>
+              <a:rPr lang="en-GB" sz="1800" dirty="0" smtClean="0"/>
+              <a:t> built-in HELP</a:t>
+            </a:r>
+          </a:p>
+          <a:p>
+            <a:pPr lvl="2">
+              <a:buFont typeface="Courier New" panose="02070309020205020404" pitchFamily="49" charset="0"/>
+              <a:buChar char="o"/>
+            </a:pPr>
+            <a:r>
+              <a:rPr lang="en-GB" sz="1800" dirty="0" smtClean="0"/>
+              <a:t>Remember, there are separate help sections for Builder and Coder!</a:t>
+            </a:r>
+          </a:p>
+          <a:p>
+            <a:pPr lvl="1">
+              <a:buFont typeface="Courier New" panose="02070309020205020404" pitchFamily="49" charset="0"/>
+              <a:buChar char="o"/>
+            </a:pPr>
+            <a:r>
+              <a:rPr lang="en-GB" sz="1800" dirty="0" err="1" smtClean="0"/>
+              <a:t>PsychoPy</a:t>
+            </a:r>
+            <a:r>
+              <a:rPr lang="en-GB" sz="1800" dirty="0" smtClean="0"/>
+              <a:t> website – </a:t>
+            </a:r>
+            <a:r>
+              <a:rPr lang="en-GB" sz="1800" u="sng" dirty="0" smtClean="0">
+                <a:solidFill>
+                  <a:schemeClr val="accent1">
+                    <a:lumMod val="60000"/>
+                    <a:lumOff val="40000"/>
+                  </a:schemeClr>
+                </a:solidFill>
+              </a:rPr>
+              <a:t>http://www.psychopy.org/index.html</a:t>
+            </a:r>
+          </a:p>
+          <a:p>
+            <a:pPr lvl="1">
+              <a:buFont typeface="Courier New" panose="02070309020205020404" pitchFamily="49" charset="0"/>
+              <a:buChar char="o"/>
+            </a:pPr>
+            <a:r>
+              <a:rPr lang="en-GB" sz="1800" b="1" dirty="0" err="1" smtClean="0"/>
+              <a:t>PsychoPy</a:t>
+            </a:r>
+            <a:r>
+              <a:rPr lang="en-GB" sz="1800" b="1" dirty="0"/>
+              <a:t> </a:t>
+            </a:r>
+            <a:r>
+              <a:rPr lang="en-GB" sz="1800" b="1" dirty="0" smtClean="0"/>
+              <a:t>discourse </a:t>
+            </a:r>
+            <a:r>
+              <a:rPr lang="en-GB" sz="1800" dirty="0" smtClean="0"/>
+              <a:t>(Main support forum) </a:t>
+            </a:r>
+            <a:r>
+              <a:rPr lang="en-GB" sz="1800" dirty="0"/>
+              <a:t>- </a:t>
+            </a:r>
+            <a:r>
+              <a:rPr lang="en-GB" sz="1800" u="sng" dirty="0">
+                <a:solidFill>
+                  <a:schemeClr val="accent1">
+                    <a:lumMod val="60000"/>
+                    <a:lumOff val="40000"/>
+                  </a:schemeClr>
+                </a:solidFill>
+              </a:rPr>
+              <a:t>http://discourse.psychopy.org</a:t>
+            </a:r>
+            <a:r>
+              <a:rPr lang="en-GB" sz="1800" u="sng" dirty="0" smtClean="0">
+                <a:solidFill>
+                  <a:schemeClr val="accent1">
+                    <a:lumMod val="60000"/>
+                    <a:lumOff val="40000"/>
+                  </a:schemeClr>
+                </a:solidFill>
+              </a:rPr>
+              <a:t>/</a:t>
+            </a:r>
+          </a:p>
+          <a:p>
+            <a:pPr lvl="1">
+              <a:buFont typeface="Courier New" panose="02070309020205020404" pitchFamily="49" charset="0"/>
+              <a:buChar char="o"/>
+            </a:pPr>
+            <a:r>
+              <a:rPr lang="en-GB" sz="1800" dirty="0" smtClean="0"/>
+              <a:t>Google groups forum (mostly replaced by Discourse site) – </a:t>
+            </a:r>
+            <a:r>
+              <a:rPr lang="en-GB" sz="1800" u="sng" dirty="0" smtClean="0">
+                <a:solidFill>
+                  <a:schemeClr val="accent1">
+                    <a:lumMod val="60000"/>
+                    <a:lumOff val="40000"/>
+                  </a:schemeClr>
+                </a:solidFill>
+              </a:rPr>
+              <a:t>https://groups.google.com/forum/#!forum/psychopy-users</a:t>
+            </a:r>
+          </a:p>
+          <a:p>
+            <a:pPr lvl="1">
+              <a:buFont typeface="Courier New" panose="02070309020205020404" pitchFamily="49" charset="0"/>
+              <a:buChar char="o"/>
+            </a:pPr>
+            <a:r>
+              <a:rPr lang="en-GB" sz="1800" dirty="0"/>
+              <a:t>Pre-made scripts by us - </a:t>
+            </a:r>
+            <a:r>
+              <a:rPr lang="en-GB" sz="1800" u="sng" dirty="0">
+                <a:solidFill>
+                  <a:schemeClr val="accent1">
+                    <a:lumMod val="60000"/>
+                    <a:lumOff val="40000"/>
+                  </a:schemeClr>
+                </a:solidFill>
+              </a:rPr>
+              <a:t>http://</a:t>
+            </a:r>
+            <a:r>
+              <a:rPr lang="en-GB" sz="1800" u="sng" dirty="0" smtClean="0">
+                <a:solidFill>
+                  <a:schemeClr val="accent1">
+                    <a:lumMod val="60000"/>
+                    <a:lumOff val="40000"/>
+                  </a:schemeClr>
+                </a:solidFill>
+              </a:rPr>
+              <a:t>www.kent.ac.uk/psychology/technical/experiments.html</a:t>
+            </a:r>
+          </a:p>
+          <a:p>
+            <a:r>
+              <a:rPr lang="en-GB" b="1" dirty="0" smtClean="0"/>
+              <a:t>Python:</a:t>
+            </a:r>
+          </a:p>
+          <a:p>
+            <a:pPr lvl="1">
+              <a:buFont typeface="Courier New" panose="02070309020205020404" pitchFamily="49" charset="0"/>
+              <a:buChar char="o"/>
+            </a:pPr>
+            <a:r>
+              <a:rPr lang="en-GB" sz="1800" u="sng" dirty="0" smtClean="0">
+                <a:solidFill>
+                  <a:schemeClr val="accent1">
+                    <a:lumMod val="60000"/>
+                    <a:lumOff val="40000"/>
+                  </a:schemeClr>
+                </a:solidFill>
+              </a:rPr>
+              <a:t>http://www.python.org/doc/</a:t>
+            </a:r>
+          </a:p>
+          <a:p>
+            <a:pPr lvl="1">
+              <a:buFont typeface="Courier New" panose="02070309020205020404" pitchFamily="49" charset="0"/>
+              <a:buChar char="o"/>
+            </a:pPr>
+            <a:r>
+              <a:rPr lang="en-GB" sz="1800" dirty="0" smtClean="0"/>
+              <a:t>Google is your friend!</a:t>
+            </a:r>
+          </a:p>
+          <a:p>
+            <a:r>
+              <a:rPr lang="en-GB" b="1" dirty="0" smtClean="0"/>
+              <a:t>Anything else:</a:t>
+            </a:r>
+          </a:p>
+          <a:p>
+            <a:pPr lvl="1">
+              <a:buFont typeface="Courier New" panose="02070309020205020404" pitchFamily="49" charset="0"/>
+              <a:buChar char="o"/>
+            </a:pPr>
+            <a:r>
+              <a:rPr lang="en-GB" sz="1800" dirty="0" smtClean="0"/>
+              <a:t>Psychology Technical Team (A1.2 or A1.6)</a:t>
+            </a:r>
+          </a:p>
+          <a:p>
+            <a:pPr lvl="1">
+              <a:buFont typeface="Courier New" panose="02070309020205020404" pitchFamily="49" charset="0"/>
+              <a:buChar char="o"/>
+            </a:pPr>
+            <a:r>
+              <a:rPr lang="en-GB" sz="1800" dirty="0" smtClean="0"/>
+              <a:t>Check out FAQ handout in the directory (will grow over time)</a:t>
+            </a:r>
+          </a:p>
+        </p:txBody>
+      </p:sp>
+    </p:spTree>
+    <p:extLst>
+      <p:ext uri="{BB962C8B-B14F-4D97-AF65-F5344CB8AC3E}">
+        <p14:creationId xmlns:p14="http://schemas.microsoft.com/office/powerpoint/2010/main" val="2981415602"/>
+      </p:ext>
+    </p:extLst>
+  </p:cSld>
+  <p:clrMapOvr>
+    <a:masterClrMapping/>
+  </p:clrMapOvr>
+  <p:transition spd="slow">
+    <p:cut/>
+  </p:transition>
+  <p:timing>
+    <p:tnLst>
+      <p:par>
+        <p:cTn id="1" dur="indefinite" restart="never" nodeType="tmRoot"/>
+      </p:par>
+    </p:tnLst>
+  </p:timing>
+</p:sld>
+</file>
+
+<file path=ppt/slides/slide25.xml><?xml version="1.0" encoding="utf-8"?>
 <p:sld xmlns:a="http://schemas.openxmlformats.org/drawingml/2006/main" xmlns:r="http://schemas.openxmlformats.org/officeDocument/2006/relationships" xmlns:p="http://schemas.openxmlformats.org/presentationml/2006/main">
   <p:cSld>
     <p:spTree>
@@ -15102,14 +14806,73 @@
         </p:nvSpPr>
         <p:spPr/>
         <p:txBody>
-          <a:bodyPr/>
+          <a:bodyPr>
+            <a:normAutofit fontScale="90000"/>
+          </a:bodyPr>
           <a:lstStyle/>
           <a:p>
             <a:r>
               <a:rPr lang="en-GB" dirty="0" smtClean="0"/>
-              <a:t>Monitor settings</a:t>
-            </a:r>
-            <a:endParaRPr lang="en-US" dirty="0"/>
+              <a:t>Bonus exercise (</a:t>
+            </a:r>
+            <a:r>
+              <a:rPr lang="en-GB" smtClean="0"/>
+              <a:t>if time)</a:t>
+            </a:r>
+            <a:r>
+              <a:rPr lang="en-GB" dirty="0" smtClean="0"/>
+              <a:t/>
+            </a:r>
+            <a:br>
+              <a:rPr lang="en-GB" dirty="0" smtClean="0"/>
+            </a:br>
+            <a:r>
+              <a:rPr lang="en-GB" dirty="0" smtClean="0">
+                <a:solidFill>
+                  <a:schemeClr val="accent1">
+                    <a:lumMod val="50000"/>
+                  </a:schemeClr>
+                </a:solidFill>
+              </a:rPr>
+              <a:t>Turn </a:t>
+            </a:r>
+            <a:r>
+              <a:rPr lang="en-GB" dirty="0" err="1" smtClean="0">
+                <a:solidFill>
+                  <a:schemeClr val="accent1">
+                    <a:lumMod val="50000"/>
+                  </a:schemeClr>
+                </a:solidFill>
+              </a:rPr>
+              <a:t>stroop</a:t>
+            </a:r>
+            <a:r>
+              <a:rPr lang="en-GB" dirty="0" smtClean="0">
+                <a:solidFill>
+                  <a:schemeClr val="accent1">
+                    <a:lumMod val="50000"/>
+                  </a:schemeClr>
+                </a:solidFill>
+              </a:rPr>
+              <a:t> into a Picture based </a:t>
+            </a:r>
+            <a:r>
+              <a:rPr lang="en-GB" dirty="0" err="1" smtClean="0">
+                <a:solidFill>
+                  <a:schemeClr val="accent1">
+                    <a:lumMod val="50000"/>
+                  </a:schemeClr>
+                </a:solidFill>
+              </a:rPr>
+              <a:t>stroop</a:t>
+            </a:r>
+            <a:endParaRPr lang="en-US" dirty="0">
+              <a:solidFill>
+                <a:schemeClr val="accent1">
+                  <a:lumMod val="50000"/>
+                </a:schemeClr>
+              </a:solidFill>
+            </a:endParaRPr>
           </a:p>
         </p:txBody>
       </p:sp>
@@ -15128,187 +14891,244 @@
           <a:bodyPr/>
           <a:lstStyle/>
           <a:p>
-            <a:pPr marL="457200" lvl="0" indent="-381000">
-              <a:buClr>
-                <a:schemeClr val="dk1"/>
-              </a:buClr>
-              <a:buSzPct val="100000"/>
-              <a:buFont typeface="Arial"/>
-              <a:buChar char="●"/>
-            </a:pPr>
-            <a:r>
-              <a:rPr lang="en" sz="2000" dirty="0"/>
-              <a:t>PsychoPy has concept of a ‘</a:t>
-            </a:r>
-            <a:r>
-              <a:rPr lang="en" sz="2000" b="1" dirty="0"/>
-              <a:t>Monitor</a:t>
-            </a:r>
-            <a:r>
-              <a:rPr lang="en" sz="2000" dirty="0"/>
-              <a:t>’</a:t>
-            </a:r>
-          </a:p>
-          <a:p>
-            <a:pPr marL="914400" lvl="1" indent="-381000">
-              <a:buClr>
-                <a:schemeClr val="dk1"/>
-              </a:buClr>
-              <a:buFont typeface="Courier New"/>
-              <a:buChar char="o"/>
-            </a:pPr>
-            <a:r>
-              <a:rPr lang="en" sz="2000" dirty="0" smtClean="0"/>
-              <a:t>Allows </a:t>
-            </a:r>
-            <a:r>
-              <a:rPr lang="en" sz="2000" dirty="0"/>
-              <a:t>you to: </a:t>
-            </a:r>
-          </a:p>
-          <a:p>
-            <a:pPr marL="1371600" lvl="2" indent="-342900">
-              <a:buClr>
-                <a:schemeClr val="dk1"/>
-              </a:buClr>
-              <a:buSzPct val="100000"/>
-              <a:buFont typeface="Wingdings"/>
+            <a:pPr marL="0" indent="0">
+              <a:buNone/>
+            </a:pPr>
+            <a:r>
+              <a:rPr lang="en-GB" dirty="0" smtClean="0"/>
+              <a:t>Simply add images to the </a:t>
+            </a:r>
+            <a:r>
+              <a:rPr lang="en-GB" dirty="0" err="1" smtClean="0"/>
+              <a:t>stroop</a:t>
+            </a:r>
+            <a:r>
+              <a:rPr lang="en-GB" dirty="0" smtClean="0"/>
+              <a:t> trials as a distractor.</a:t>
+            </a:r>
+          </a:p>
+          <a:p>
+            <a:pPr marL="0" indent="0">
+              <a:buNone/>
+            </a:pPr>
+            <a:endParaRPr lang="en-GB" dirty="0" smtClean="0"/>
+          </a:p>
+          <a:p>
+            <a:r>
+              <a:rPr lang="en-GB" dirty="0" smtClean="0"/>
+              <a:t>First close the old </a:t>
+            </a:r>
+            <a:r>
+              <a:rPr lang="en-GB" dirty="0" err="1" smtClean="0"/>
+              <a:t>Stroop</a:t>
+            </a:r>
+            <a:r>
+              <a:rPr lang="en-GB" dirty="0" smtClean="0"/>
+              <a:t> task if you already have it open.</a:t>
+            </a:r>
+          </a:p>
+          <a:p>
+            <a:r>
+              <a:rPr lang="en-GB" dirty="0" smtClean="0"/>
+              <a:t>Open up the picture-</a:t>
+            </a:r>
+            <a:r>
+              <a:rPr lang="en-GB" dirty="0" err="1" smtClean="0"/>
+              <a:t>stroop</a:t>
+            </a:r>
+            <a:r>
+              <a:rPr lang="en-GB" dirty="0" smtClean="0"/>
+              <a:t> folder in your directory</a:t>
+            </a:r>
+          </a:p>
+          <a:p>
+            <a:pPr lvl="1">
+              <a:buFont typeface="Wingdings" panose="05000000000000000000" pitchFamily="2" charset="2"/>
               <a:buChar char="§"/>
             </a:pPr>
             <a:r>
-              <a:rPr lang="en" sz="2000" dirty="0"/>
-              <a:t>store information about multiple monitors </a:t>
-            </a:r>
-          </a:p>
-          <a:p>
-            <a:pPr marL="1371600" lvl="2" indent="-342900">
-              <a:buClr>
-                <a:schemeClr val="dk1"/>
-              </a:buClr>
-              <a:buSzPct val="100000"/>
-              <a:buFont typeface="Wingdings"/>
+              <a:rPr lang="en-GB" dirty="0" smtClean="0">
+                <a:latin typeface="Courier New" panose="02070309020205020404" pitchFamily="49" charset="0"/>
+                <a:cs typeface="Courier New" panose="02070309020205020404" pitchFamily="49" charset="0"/>
+              </a:rPr>
+              <a:t>/picture-</a:t>
+            </a:r>
+            <a:r>
+              <a:rPr lang="en-GB" dirty="0" err="1" smtClean="0">
+                <a:latin typeface="Courier New" panose="02070309020205020404" pitchFamily="49" charset="0"/>
+                <a:cs typeface="Courier New" panose="02070309020205020404" pitchFamily="49" charset="0"/>
+              </a:rPr>
+              <a:t>stroop</a:t>
+            </a:r>
+            <a:r>
+              <a:rPr lang="en-GB" dirty="0" smtClean="0">
+                <a:latin typeface="Courier New" panose="02070309020205020404" pitchFamily="49" charset="0"/>
+                <a:cs typeface="Courier New" panose="02070309020205020404" pitchFamily="49" charset="0"/>
+              </a:rPr>
+              <a:t>/images </a:t>
+            </a:r>
+            <a:r>
+              <a:rPr lang="en-GB" dirty="0" smtClean="0"/>
+              <a:t>contains 6 images for you to use and link to each of the 6 trials.</a:t>
+            </a:r>
+          </a:p>
+          <a:p>
+            <a:pPr marL="457200" lvl="1" indent="0">
+              <a:buNone/>
+            </a:pPr>
+            <a:endParaRPr lang="en-GB" dirty="0" smtClean="0"/>
+          </a:p>
+          <a:p>
+            <a:r>
+              <a:rPr lang="en-GB" b="1" dirty="0" smtClean="0"/>
+              <a:t>Hints:</a:t>
+            </a:r>
+          </a:p>
+          <a:p>
+            <a:pPr lvl="1">
+              <a:buFont typeface="Wingdings" panose="05000000000000000000" pitchFamily="2" charset="2"/>
               <a:buChar char="§"/>
             </a:pPr>
             <a:r>
-              <a:rPr lang="en" sz="2000" dirty="0"/>
-              <a:t>keep track of multiple calibrations for the same monitor.</a:t>
-            </a:r>
-          </a:p>
-          <a:p>
-            <a:pPr marL="457200" lvl="0" indent="-381000">
-              <a:buClr>
-                <a:schemeClr val="dk1"/>
-              </a:buClr>
-              <a:buSzPct val="100000"/>
-              <a:buFont typeface="Arial"/>
-              <a:buChar char="●"/>
-            </a:pPr>
-            <a:r>
-              <a:rPr lang="en" sz="2000" dirty="0">
-                <a:latin typeface="Courier New"/>
-                <a:ea typeface="Courier New"/>
-                <a:cs typeface="Courier New"/>
-                <a:sym typeface="Courier New"/>
+              <a:rPr lang="en-GB" dirty="0" smtClean="0"/>
+              <a:t>You will need to enter a </a:t>
+            </a:r>
+            <a:r>
+              <a:rPr lang="en-GB" b="1" dirty="0" smtClean="0"/>
+              <a:t>“relative” </a:t>
+            </a:r>
+            <a:r>
+              <a:rPr lang="en-GB" dirty="0" smtClean="0"/>
+              <a:t>path for each image</a:t>
+            </a:r>
+          </a:p>
+          <a:p>
+            <a:pPr lvl="2">
+              <a:buFont typeface="Wingdings" panose="05000000000000000000" pitchFamily="2" charset="2"/>
+              <a:buChar char="§"/>
+            </a:pPr>
+            <a:r>
+              <a:rPr lang="en-GB" dirty="0" smtClean="0"/>
+              <a:t>E.g. “</a:t>
+            </a:r>
+            <a:r>
+              <a:rPr lang="en-GB" dirty="0" smtClean="0">
+                <a:latin typeface="Courier New" panose="02070309020205020404" pitchFamily="49" charset="0"/>
+                <a:cs typeface="Courier New" panose="02070309020205020404" pitchFamily="49" charset="0"/>
               </a:rPr>
-              <a:t>TOOLS | MONITOR CENTER</a:t>
-            </a:r>
-          </a:p>
-          <a:p>
-            <a:pPr marL="457200" lvl="0" indent="-381000">
-              <a:buClr>
-                <a:schemeClr val="dk1"/>
-              </a:buClr>
-              <a:buSzPct val="100000"/>
-              <a:buFont typeface="Arial"/>
-              <a:buChar char="●"/>
-            </a:pPr>
-            <a:r>
-              <a:rPr lang="en" sz="2000" dirty="0"/>
-              <a:t>Means you can:</a:t>
-            </a:r>
-          </a:p>
-          <a:p>
-            <a:pPr marL="914400" lvl="1" indent="-381000">
-              <a:buClr>
-                <a:schemeClr val="dk1"/>
-              </a:buClr>
-              <a:buSzPct val="100000"/>
-              <a:buFont typeface="Courier New"/>
-              <a:buChar char="o"/>
-            </a:pPr>
-            <a:r>
-              <a:rPr lang="en" sz="2000" dirty="0"/>
-              <a:t>specify the size and location of stimuli in units that are independent of your particular setup.e.g.</a:t>
-            </a:r>
-          </a:p>
-          <a:p>
-            <a:pPr marL="1371600" lvl="2" indent="-342900">
-              <a:buClr>
-                <a:schemeClr val="dk1"/>
-              </a:buClr>
-              <a:buSzPct val="100000"/>
-              <a:buFont typeface="Wingdings"/>
+              <a:t>images/1.jpg</a:t>
+            </a:r>
+            <a:r>
+              <a:rPr lang="en-GB" dirty="0" smtClean="0"/>
+              <a:t>”  (without the quotes)</a:t>
+            </a:r>
+          </a:p>
+          <a:p>
+            <a:pPr lvl="2">
+              <a:buFont typeface="Wingdings" panose="05000000000000000000" pitchFamily="2" charset="2"/>
               <a:buChar char="§"/>
             </a:pPr>
             <a:r>
-              <a:rPr lang="en" sz="2000" b="1" dirty="0"/>
-              <a:t>pixels</a:t>
-            </a:r>
-          </a:p>
-          <a:p>
-            <a:pPr marL="1371600" lvl="2" indent="-342900">
-              <a:buClr>
-                <a:schemeClr val="dk1"/>
-              </a:buClr>
-              <a:buSzPct val="100000"/>
-              <a:buFont typeface="Wingdings"/>
+              <a:rPr lang="en-GB" b="1" dirty="0" smtClean="0"/>
+              <a:t>Hint</a:t>
+            </a:r>
+            <a:r>
+              <a:rPr lang="en-GB" dirty="0" smtClean="0"/>
+              <a:t> - Create a new attribute called “</a:t>
+            </a:r>
+            <a:r>
+              <a:rPr lang="en-GB" dirty="0" err="1" smtClean="0"/>
+              <a:t>image_path</a:t>
+            </a:r>
+            <a:r>
+              <a:rPr lang="en-GB" dirty="0" smtClean="0"/>
+              <a:t>”</a:t>
+            </a:r>
+          </a:p>
+          <a:p>
+            <a:pPr lvl="1">
+              <a:buFont typeface="Wingdings" panose="05000000000000000000" pitchFamily="2" charset="2"/>
               <a:buChar char="§"/>
             </a:pPr>
             <a:r>
-              <a:rPr lang="en" sz="2000" b="1" dirty="0"/>
-              <a:t>cm of screen</a:t>
-            </a:r>
-          </a:p>
-          <a:p>
-            <a:pPr marL="1371600" lvl="2" indent="-342900">
-              <a:buClr>
-                <a:schemeClr val="dk1"/>
-              </a:buClr>
-              <a:buSzPct val="100000"/>
-              <a:buFont typeface="Wingdings"/>
+              <a:rPr lang="en-GB" dirty="0" smtClean="0"/>
+              <a:t>That path then needs to be passed to an </a:t>
+            </a:r>
+            <a:r>
+              <a:rPr lang="en-GB" b="1" dirty="0" smtClean="0"/>
+              <a:t>image</a:t>
+            </a:r>
+            <a:r>
+              <a:rPr lang="en-GB" dirty="0" smtClean="0"/>
+              <a:t> </a:t>
+            </a:r>
+            <a:r>
+              <a:rPr lang="en-GB" b="1" dirty="0" smtClean="0"/>
+              <a:t>component</a:t>
+            </a:r>
+          </a:p>
+          <a:p>
+            <a:pPr lvl="1">
+              <a:buFont typeface="Wingdings" panose="05000000000000000000" pitchFamily="2" charset="2"/>
               <a:buChar char="§"/>
             </a:pPr>
             <a:r>
-              <a:rPr lang="en" sz="2000" b="1" dirty="0"/>
-              <a:t>degrees of visual </a:t>
-            </a:r>
-            <a:r>
-              <a:rPr lang="en" sz="2000" b="1" dirty="0" smtClean="0"/>
-              <a:t>angle</a:t>
-            </a:r>
-          </a:p>
-          <a:p>
-            <a:pPr marL="914400" lvl="1" indent="-381000">
-              <a:buClr>
-                <a:schemeClr val="dk1"/>
-              </a:buClr>
-              <a:buFont typeface="Courier New"/>
-              <a:buChar char="o"/>
-            </a:pPr>
-            <a:r>
-              <a:rPr lang="en" sz="2000" dirty="0"/>
-              <a:t>easy to port programs to different setups as PsychoPy calculate appropriate pixel size for you </a:t>
-            </a:r>
-          </a:p>
-          <a:p>
-            <a:endParaRPr lang="en-US" dirty="0"/>
+              <a:rPr lang="en-GB" b="1" dirty="0" smtClean="0"/>
+              <a:t>Remember: </a:t>
+            </a:r>
+            <a:r>
+              <a:rPr lang="en-GB" dirty="0" smtClean="0"/>
+              <a:t>when trial data is updated, Excel link needs refreshing.</a:t>
+            </a:r>
+          </a:p>
+          <a:p>
+            <a:pPr lvl="1">
+              <a:buFont typeface="Wingdings" panose="05000000000000000000" pitchFamily="2" charset="2"/>
+              <a:buChar char="§"/>
+            </a:pPr>
+            <a:r>
+              <a:rPr lang="en-GB" dirty="0" smtClean="0"/>
+              <a:t>Attributes are accessed with </a:t>
+            </a:r>
+            <a:r>
+              <a:rPr lang="en-GB" b="1" dirty="0" smtClean="0"/>
+              <a:t>$</a:t>
+            </a:r>
+            <a:r>
+              <a:rPr lang="en-GB" dirty="0" smtClean="0"/>
+              <a:t> and </a:t>
+            </a:r>
+            <a:r>
+              <a:rPr lang="en-GB" b="1" dirty="0" smtClean="0"/>
+              <a:t>name of excel header</a:t>
+            </a:r>
+            <a:endParaRPr lang="en-GB" b="1" dirty="0"/>
+          </a:p>
+          <a:p>
+            <a:pPr marL="0" indent="0">
+              <a:buNone/>
+            </a:pPr>
+            <a:endParaRPr lang="en-GB" dirty="0" smtClean="0"/>
+          </a:p>
+          <a:p>
+            <a:r>
+              <a:rPr lang="en-GB" dirty="0" smtClean="0"/>
+              <a:t>We will come round and help</a:t>
+            </a:r>
+          </a:p>
+          <a:p>
+            <a:r>
+              <a:rPr lang="en-GB" b="1" dirty="0" smtClean="0"/>
+              <a:t>If you don’t get chance to finish, have a go at home.</a:t>
+            </a:r>
+            <a:endParaRPr lang="en-US" b="1" dirty="0"/>
           </a:p>
         </p:txBody>
       </p:sp>
     </p:spTree>
     <p:extLst>
       <p:ext uri="{BB962C8B-B14F-4D97-AF65-F5344CB8AC3E}">
-        <p14:creationId xmlns:p14="http://schemas.microsoft.com/office/powerpoint/2010/main" val="3357105632"/>
+        <p14:creationId xmlns:p14="http://schemas.microsoft.com/office/powerpoint/2010/main" val="595573237"/>
       </p:ext>
     </p:extLst>
   </p:cSld>
@@ -15322,6 +15142,152 @@
       </p:par>
     </p:tnLst>
   </p:timing>
+</p:sld>
+</file>
+
+<file path=ppt/slides/slide26.xml><?xml version="1.0" encoding="utf-8"?>
+<p:sld xmlns:a="http://schemas.openxmlformats.org/drawingml/2006/main" xmlns:r="http://schemas.openxmlformats.org/officeDocument/2006/relationships" xmlns:p="http://schemas.openxmlformats.org/presentationml/2006/main">
+  <p:cSld>
+    <p:spTree>
+      <p:nvGrpSpPr>
+        <p:cNvPr id="1" name="Shape 262"/>
+        <p:cNvGrpSpPr/>
+        <p:nvPr/>
+      </p:nvGrpSpPr>
+      <p:grpSpPr>
+        <a:xfrm>
+          <a:off x="0" y="0"/>
+          <a:ext cx="0" cy="0"/>
+          <a:chOff x="0" y="0"/>
+          <a:chExt cx="0" cy="0"/>
+        </a:xfrm>
+      </p:grpSpPr>
+      <p:sp>
+        <p:nvSpPr>
+          <p:cNvPr id="263" name="Shape 263"/>
+          <p:cNvSpPr txBox="1">
+            <a:spLocks noGrp="1"/>
+          </p:cNvSpPr>
+          <p:nvPr>
+            <p:ph type="title"/>
+          </p:nvPr>
+        </p:nvSpPr>
+        <p:spPr>
+          <a:prstGeom prst="rect">
+            <a:avLst/>
+          </a:prstGeom>
+        </p:spPr>
+        <p:txBody>
+          <a:bodyPr lIns="91425" tIns="91425" rIns="91425" bIns="91425" anchor="b" anchorCtr="0">
+            <a:noAutofit/>
+          </a:bodyPr>
+          <a:lstStyle/>
+          <a:p>
+            <a:pPr>
+              <a:spcBef>
+                <a:spcPts val="0"/>
+              </a:spcBef>
+              <a:buNone/>
+            </a:pPr>
+            <a:r>
+              <a:rPr lang="en" dirty="0" smtClean="0"/>
+              <a:t>Feedback</a:t>
+            </a:r>
+            <a:endParaRPr lang="en" dirty="0"/>
+          </a:p>
+        </p:txBody>
+      </p:sp>
+      <p:sp>
+        <p:nvSpPr>
+          <p:cNvPr id="264" name="Shape 264"/>
+          <p:cNvSpPr txBox="1">
+            <a:spLocks noGrp="1"/>
+          </p:cNvSpPr>
+          <p:nvPr>
+            <p:ph type="body" idx="1"/>
+          </p:nvPr>
+        </p:nvSpPr>
+        <p:spPr>
+          <a:prstGeom prst="rect">
+            <a:avLst/>
+          </a:prstGeom>
+        </p:spPr>
+        <p:txBody>
+          <a:bodyPr lIns="91425" tIns="91425" rIns="91425" bIns="91425" anchor="t" anchorCtr="0">
+            <a:noAutofit/>
+          </a:bodyPr>
+          <a:lstStyle/>
+          <a:p>
+            <a:pPr rtl="0">
+              <a:spcBef>
+                <a:spcPts val="0"/>
+              </a:spcBef>
+              <a:buNone/>
+            </a:pPr>
+            <a:r>
+              <a:rPr lang="en" sz="2400" dirty="0"/>
+              <a:t>Please take a moment to leave any feedback for </a:t>
+            </a:r>
+            <a:endParaRPr lang="en" sz="2400" dirty="0" smtClean="0"/>
+          </a:p>
+          <a:p>
+            <a:pPr rtl="0">
+              <a:spcBef>
+                <a:spcPts val="0"/>
+              </a:spcBef>
+              <a:buNone/>
+            </a:pPr>
+            <a:r>
+              <a:rPr lang="en" sz="2400" dirty="0" smtClean="0"/>
+              <a:t>future </a:t>
+            </a:r>
+            <a:r>
+              <a:rPr lang="en" sz="2400" dirty="0"/>
+              <a:t>workshops at:</a:t>
+            </a:r>
+          </a:p>
+          <a:p>
+            <a:pPr rtl="0">
+              <a:spcBef>
+                <a:spcPts val="0"/>
+              </a:spcBef>
+              <a:buNone/>
+            </a:pPr>
+            <a:endParaRPr sz="2400" dirty="0"/>
+          </a:p>
+          <a:p>
+            <a:pPr>
+              <a:buNone/>
+            </a:pPr>
+            <a:r>
+              <a:rPr lang="en-US" sz="2400" u="sng" dirty="0">
+                <a:solidFill>
+                  <a:srgbClr val="0000FF"/>
+                </a:solidFill>
+              </a:rPr>
+              <a:t>https://goo.gl/lBg0Em</a:t>
+            </a:r>
+            <a:endParaRPr lang="en" sz="2400" u="sng" dirty="0">
+              <a:solidFill>
+                <a:srgbClr val="0000FF"/>
+              </a:solidFill>
+            </a:endParaRPr>
+          </a:p>
+        </p:txBody>
+      </p:sp>
+    </p:spTree>
+    <p:extLst>
+      <p:ext uri="{BB962C8B-B14F-4D97-AF65-F5344CB8AC3E}">
+        <p14:creationId xmlns:p14="http://schemas.microsoft.com/office/powerpoint/2010/main" val="4008845868"/>
+      </p:ext>
+    </p:extLst>
+  </p:cSld>
+  <p:clrMapOvr>
+    <a:masterClrMapping/>
+  </p:clrMapOvr>
+  <p:transition spd="slow">
+    <p:cut/>
+  </p:transition>
 </p:sld>
 </file>
 
@@ -15344,44 +15310,6 @@
       </p:grpSpPr>
       <p:sp>
         <p:nvSpPr>
-          <p:cNvPr id="10" name="Rectangle 9"/>
-          <p:cNvSpPr/>
-          <p:nvPr/>
-        </p:nvSpPr>
-        <p:spPr>
-          <a:xfrm>
-            <a:off x="2289778" y="3725611"/>
-            <a:ext cx="2977468" cy="2342678"/>
-          </a:xfrm>
-          <a:prstGeom prst="rect">
-            <a:avLst/>
-          </a:prstGeom>
-        </p:spPr>
-        <p:style>
-          <a:lnRef idx="2">
-            <a:schemeClr val="dk1"/>
-          </a:lnRef>
-          <a:fillRef idx="1">
-            <a:schemeClr val="lt1"/>
-          </a:fillRef>
-          <a:effectRef idx="0">
-            <a:schemeClr val="dk1"/>
-          </a:effectRef>
-          <a:fontRef idx="minor">
-            <a:schemeClr val="dk1"/>
-          </a:fontRef>
-        </p:style>
-        <p:txBody>
-          <a:bodyPr rtlCol="0" anchor="ctr"/>
-          <a:lstStyle/>
-          <a:p>
-            <a:pPr algn="ctr"/>
-            <a:endParaRPr lang="en-US"/>
-          </a:p>
-        </p:txBody>
-      </p:sp>
-      <p:sp>
-        <p:nvSpPr>
           <p:cNvPr id="2" name="Title 1"/>
           <p:cNvSpPr>
             <a:spLocks noGrp="1"/>
@@ -15390,216 +15318,36 @@
             <p:ph type="title"/>
           </p:nvPr>
         </p:nvSpPr>
-        <p:spPr/>
-        <p:txBody>
-          <a:bodyPr/>
-          <a:lstStyle/>
-          <a:p>
-            <a:r>
-              <a:rPr lang="en-GB" dirty="0" smtClean="0"/>
-              <a:t>Positioning components</a:t>
-            </a:r>
-            <a:endParaRPr lang="en-US" dirty="0"/>
-          </a:p>
-        </p:txBody>
-      </p:sp>
-      <p:sp>
-        <p:nvSpPr>
-          <p:cNvPr id="3" name="Text Placeholder 2"/>
-          <p:cNvSpPr>
-            <a:spLocks noGrp="1"/>
-          </p:cNvSpPr>
-          <p:nvPr>
-            <p:ph type="body" idx="1"/>
-          </p:nvPr>
-        </p:nvSpPr>
         <p:spPr>
           <a:xfrm>
-            <a:off x="457200" y="1417936"/>
-            <a:ext cx="8229600" cy="1984379"/>
+            <a:off x="2195736" y="3068960"/>
+            <a:ext cx="5256584" cy="1143299"/>
           </a:xfrm>
         </p:spPr>
         <p:txBody>
           <a:bodyPr>
-            <a:normAutofit fontScale="92500" lnSpcReduction="20000"/>
+            <a:noAutofit/>
           </a:bodyPr>
           <a:lstStyle/>
           <a:p>
             <a:r>
-              <a:rPr lang="en-GB" sz="1900" dirty="0" smtClean="0"/>
-              <a:t>Positioning of components within a routine</a:t>
-            </a:r>
-          </a:p>
-          <a:p>
-            <a:r>
-              <a:rPr lang="en-GB" sz="1900" dirty="0" smtClean="0"/>
-              <a:t>Stacking order is important!</a:t>
-            </a:r>
-          </a:p>
-          <a:p>
-            <a:pPr lvl="1">
-              <a:buFont typeface="Courier New" panose="02070309020205020404" pitchFamily="49" charset="0"/>
-              <a:buChar char="o"/>
-            </a:pPr>
-            <a:r>
-              <a:rPr lang="en-GB" sz="1900" dirty="0" smtClean="0"/>
-              <a:t>Refers to order they are drawn</a:t>
-            </a:r>
-            <a:endParaRPr lang="en-GB" sz="1900" dirty="0"/>
-          </a:p>
-          <a:p>
-            <a:pPr lvl="1">
-              <a:buFont typeface="Courier New" panose="02070309020205020404" pitchFamily="49" charset="0"/>
-              <a:buChar char="o"/>
-            </a:pPr>
-            <a:r>
-              <a:rPr lang="en-GB" sz="1900" dirty="0" smtClean="0"/>
-              <a:t>Components rendered at the same time</a:t>
-            </a:r>
-          </a:p>
-          <a:p>
-            <a:pPr lvl="1">
-              <a:buFont typeface="Courier New" panose="02070309020205020404" pitchFamily="49" charset="0"/>
-              <a:buChar char="o"/>
-            </a:pPr>
-            <a:r>
-              <a:rPr lang="en-GB" sz="1900" dirty="0" smtClean="0"/>
-              <a:t>Those at same position will overlap!</a:t>
-            </a:r>
-            <a:endParaRPr lang="en-GB" sz="1900" dirty="0"/>
-          </a:p>
-          <a:p>
-            <a:r>
-              <a:rPr lang="en-GB" sz="1900" dirty="0" smtClean="0"/>
-              <a:t>Screen divided by a coordinate system</a:t>
-            </a:r>
-          </a:p>
-          <a:p>
-            <a:pPr lvl="1">
-              <a:buFont typeface="Courier New" panose="02070309020205020404" pitchFamily="49" charset="0"/>
-              <a:buChar char="o"/>
-            </a:pPr>
-            <a:r>
-              <a:rPr lang="en-GB" sz="1900" dirty="0" smtClean="0"/>
-              <a:t>Other options available too which you can read about here:</a:t>
-            </a:r>
-          </a:p>
-          <a:p>
-            <a:pPr lvl="1">
-              <a:buFont typeface="Courier New" panose="02070309020205020404" pitchFamily="49" charset="0"/>
-              <a:buChar char="o"/>
-            </a:pPr>
-            <a:r>
-              <a:rPr lang="en-GB" sz="1900" u="sng" dirty="0">
-                <a:solidFill>
-                  <a:schemeClr val="accent1">
-                    <a:lumMod val="60000"/>
-                    <a:lumOff val="40000"/>
-                  </a:schemeClr>
-                </a:solidFill>
-              </a:rPr>
-              <a:t>http://</a:t>
-            </a:r>
-            <a:r>
-              <a:rPr lang="en-GB" sz="1900" u="sng" dirty="0" smtClean="0">
-                <a:solidFill>
-                  <a:schemeClr val="accent1">
-                    <a:lumMod val="60000"/>
-                    <a:lumOff val="40000"/>
-                  </a:schemeClr>
-                </a:solidFill>
-              </a:rPr>
-              <a:t>www.psychopy.org/general/units.html</a:t>
-            </a:r>
-          </a:p>
-          <a:p>
-            <a:pPr lvl="1"/>
-            <a:endParaRPr lang="en-GB" dirty="0" smtClean="0"/>
-          </a:p>
-        </p:txBody>
-      </p:sp>
-      <p:cxnSp>
-        <p:nvCxnSpPr>
-          <p:cNvPr id="7" name="Straight Arrow Connector 6"/>
-          <p:cNvCxnSpPr>
-            <a:stCxn id="10" idx="1"/>
-            <a:endCxn id="10" idx="3"/>
-          </p:cNvCxnSpPr>
+              <a:rPr lang="en-GB" sz="4000" dirty="0" smtClean="0"/>
+              <a:t>Miscellaneous extras</a:t>
+            </a:r>
+            <a:endParaRPr lang="en-US" sz="4000" dirty="0"/>
+          </a:p>
+        </p:txBody>
+      </p:sp>
+      <p:sp>
+        <p:nvSpPr>
+          <p:cNvPr id="4" name="Rectangle 3"/>
+          <p:cNvSpPr/>
           <p:nvPr/>
-        </p:nvCxnSpPr>
+        </p:nvSpPr>
         <p:spPr>
           <a:xfrm>
-            <a:off x="2289778" y="4896950"/>
-            <a:ext cx="2977468" cy="0"/>
-          </a:xfrm>
-          <a:prstGeom prst="straightConnector1">
-            <a:avLst/>
-          </a:prstGeom>
-          <a:ln>
-            <a:tailEnd type="triangle"/>
-          </a:ln>
-        </p:spPr>
-        <p:style>
-          <a:lnRef idx="1">
-            <a:schemeClr val="accent1"/>
-          </a:lnRef>
-          <a:fillRef idx="0">
-            <a:schemeClr val="accent1"/>
-          </a:fillRef>
-          <a:effectRef idx="0">
-            <a:schemeClr val="accent1"/>
-          </a:effectRef>
-          <a:fontRef idx="minor">
-            <a:schemeClr val="tx1"/>
-          </a:fontRef>
-        </p:style>
-      </p:cxnSp>
-      <p:cxnSp>
-        <p:nvCxnSpPr>
-          <p:cNvPr id="9" name="Straight Arrow Connector 8"/>
-          <p:cNvCxnSpPr>
-            <a:stCxn id="10" idx="2"/>
-            <a:endCxn id="10" idx="0"/>
-          </p:cNvCxnSpPr>
-          <p:nvPr/>
-        </p:nvCxnSpPr>
-        <p:spPr>
-          <a:xfrm flipV="1">
-            <a:off x="3778512" y="3725611"/>
-            <a:ext cx="0" cy="2342678"/>
-          </a:xfrm>
-          <a:prstGeom prst="straightConnector1">
-            <a:avLst/>
-          </a:prstGeom>
-          <a:ln>
-            <a:tailEnd type="triangle"/>
-          </a:ln>
-        </p:spPr>
-        <p:style>
-          <a:lnRef idx="1">
-            <a:schemeClr val="accent1"/>
-          </a:lnRef>
-          <a:fillRef idx="0">
-            <a:schemeClr val="accent1"/>
-          </a:fillRef>
-          <a:effectRef idx="0">
-            <a:schemeClr val="accent1"/>
-          </a:effectRef>
-          <a:fontRef idx="minor">
-            <a:schemeClr val="tx1"/>
-          </a:fontRef>
-        </p:style>
-      </p:cxnSp>
-      <p:sp>
-        <p:nvSpPr>
-          <p:cNvPr id="15" name="TextBox 14"/>
-          <p:cNvSpPr txBox="1"/>
-          <p:nvPr/>
-        </p:nvSpPr>
-        <p:spPr>
-          <a:xfrm>
-            <a:off x="3215513" y="6099960"/>
-            <a:ext cx="1125997" cy="369332"/>
+            <a:off x="2438369" y="2348880"/>
+            <a:ext cx="4461478" cy="923330"/>
           </a:xfrm>
           <a:prstGeom prst="rect">
             <a:avLst/>
@@ -15607,513 +15355,48 @@
           <a:noFill/>
         </p:spPr>
         <p:txBody>
-          <a:bodyPr wrap="square" rtlCol="0">
+          <a:bodyPr wrap="none" lIns="91440" tIns="45720" rIns="91440" bIns="45720">
             <a:spAutoFit/>
           </a:bodyPr>
           <a:lstStyle/>
           <a:p>
             <a:pPr algn="ctr"/>
             <a:r>
-              <a:rPr lang="en-GB" dirty="0" smtClean="0"/>
-              <a:t>Screen</a:t>
-            </a:r>
-            <a:endParaRPr lang="en-US" dirty="0"/>
-          </a:p>
-        </p:txBody>
-      </p:sp>
-      <p:sp>
-        <p:nvSpPr>
-          <p:cNvPr id="16" name="TextBox 15"/>
-          <p:cNvSpPr txBox="1"/>
-          <p:nvPr/>
-        </p:nvSpPr>
-        <p:spPr>
-          <a:xfrm>
-            <a:off x="3284785" y="4877073"/>
-            <a:ext cx="1125997" cy="276999"/>
-          </a:xfrm>
-          <a:prstGeom prst="rect">
-            <a:avLst/>
-          </a:prstGeom>
-          <a:noFill/>
-        </p:spPr>
-        <p:txBody>
-          <a:bodyPr wrap="square" rtlCol="0">
-            <a:spAutoFit/>
-          </a:bodyPr>
-          <a:lstStyle/>
-          <a:p>
-            <a:pPr algn="ctr"/>
-            <a:r>
-              <a:rPr lang="en-GB" sz="1200" dirty="0" smtClean="0"/>
-              <a:t>0</a:t>
-            </a:r>
-            <a:endParaRPr lang="en-US" sz="1200" dirty="0"/>
-          </a:p>
-        </p:txBody>
-      </p:sp>
-      <p:sp>
-        <p:nvSpPr>
-          <p:cNvPr id="17" name="TextBox 16"/>
-          <p:cNvSpPr txBox="1"/>
-          <p:nvPr/>
-        </p:nvSpPr>
-        <p:spPr>
-          <a:xfrm>
-            <a:off x="3277228" y="4652709"/>
-            <a:ext cx="1125997" cy="276999"/>
-          </a:xfrm>
-          <a:prstGeom prst="rect">
-            <a:avLst/>
-          </a:prstGeom>
-          <a:noFill/>
-        </p:spPr>
-        <p:txBody>
-          <a:bodyPr wrap="square" rtlCol="0">
-            <a:spAutoFit/>
-          </a:bodyPr>
-          <a:lstStyle/>
-          <a:p>
-            <a:pPr algn="ctr"/>
-            <a:r>
-              <a:rPr lang="en-GB" sz="1200" dirty="0" smtClean="0"/>
-              <a:t>0</a:t>
-            </a:r>
-            <a:endParaRPr lang="en-US" sz="1200" dirty="0"/>
-          </a:p>
-        </p:txBody>
-      </p:sp>
-      <p:sp>
-        <p:nvSpPr>
-          <p:cNvPr id="18" name="TextBox 17"/>
-          <p:cNvSpPr txBox="1"/>
-          <p:nvPr/>
-        </p:nvSpPr>
-        <p:spPr>
-          <a:xfrm>
-            <a:off x="3306196" y="3714070"/>
-            <a:ext cx="1125997" cy="276999"/>
-          </a:xfrm>
-          <a:prstGeom prst="rect">
-            <a:avLst/>
-          </a:prstGeom>
-          <a:noFill/>
-        </p:spPr>
-        <p:txBody>
-          <a:bodyPr wrap="square" rtlCol="0">
-            <a:spAutoFit/>
-          </a:bodyPr>
-          <a:lstStyle/>
-          <a:p>
-            <a:pPr algn="ctr"/>
-            <a:r>
-              <a:rPr lang="en-GB" sz="1200" dirty="0"/>
-              <a:t>1</a:t>
-            </a:r>
-            <a:endParaRPr lang="en-US" sz="1200" dirty="0"/>
-          </a:p>
-        </p:txBody>
-      </p:sp>
-      <p:sp>
-        <p:nvSpPr>
-          <p:cNvPr id="19" name="TextBox 18"/>
-          <p:cNvSpPr txBox="1"/>
-          <p:nvPr/>
-        </p:nvSpPr>
-        <p:spPr>
-          <a:xfrm>
-            <a:off x="4626156" y="4869516"/>
-            <a:ext cx="1125997" cy="276999"/>
-          </a:xfrm>
-          <a:prstGeom prst="rect">
-            <a:avLst/>
-          </a:prstGeom>
-          <a:noFill/>
-        </p:spPr>
-        <p:txBody>
-          <a:bodyPr wrap="square" rtlCol="0">
-            <a:spAutoFit/>
-          </a:bodyPr>
-          <a:lstStyle/>
-          <a:p>
-            <a:pPr algn="ctr"/>
-            <a:r>
-              <a:rPr lang="en-GB" sz="1200" dirty="0"/>
-              <a:t>1</a:t>
-            </a:r>
-            <a:endParaRPr lang="en-US" sz="1200" dirty="0"/>
-          </a:p>
-        </p:txBody>
-      </p:sp>
-      <p:sp>
-        <p:nvSpPr>
-          <p:cNvPr id="20" name="TextBox 19"/>
-          <p:cNvSpPr txBox="1"/>
-          <p:nvPr/>
-        </p:nvSpPr>
-        <p:spPr>
-          <a:xfrm>
-            <a:off x="1850208" y="4877073"/>
-            <a:ext cx="1125997" cy="276999"/>
-          </a:xfrm>
-          <a:prstGeom prst="rect">
-            <a:avLst/>
-          </a:prstGeom>
-          <a:noFill/>
-        </p:spPr>
-        <p:txBody>
-          <a:bodyPr wrap="square" rtlCol="0">
-            <a:spAutoFit/>
-          </a:bodyPr>
-          <a:lstStyle/>
-          <a:p>
-            <a:pPr algn="ctr"/>
-            <a:r>
-              <a:rPr lang="en-GB" sz="1200" dirty="0" smtClean="0"/>
-              <a:t>-1</a:t>
-            </a:r>
-            <a:endParaRPr lang="en-US" sz="1200" dirty="0"/>
-          </a:p>
-        </p:txBody>
-      </p:sp>
-      <p:sp>
-        <p:nvSpPr>
-          <p:cNvPr id="21" name="TextBox 20"/>
-          <p:cNvSpPr txBox="1"/>
-          <p:nvPr/>
-        </p:nvSpPr>
-        <p:spPr>
-          <a:xfrm>
-            <a:off x="3117270" y="5839590"/>
-            <a:ext cx="1125997" cy="276999"/>
-          </a:xfrm>
-          <a:prstGeom prst="rect">
-            <a:avLst/>
-          </a:prstGeom>
-          <a:noFill/>
-        </p:spPr>
-        <p:txBody>
-          <a:bodyPr wrap="square" rtlCol="0">
-            <a:spAutoFit/>
-          </a:bodyPr>
-          <a:lstStyle/>
-          <a:p>
-            <a:pPr algn="ctr"/>
-            <a:r>
-              <a:rPr lang="en-GB" sz="1200" dirty="0" smtClean="0"/>
-              <a:t>-1</a:t>
-            </a:r>
-            <a:endParaRPr lang="en-US" sz="1200" dirty="0"/>
-          </a:p>
-        </p:txBody>
-      </p:sp>
-      <p:sp>
-        <p:nvSpPr>
-          <p:cNvPr id="22" name="Isosceles Triangle 21"/>
-          <p:cNvSpPr/>
-          <p:nvPr/>
-        </p:nvSpPr>
-        <p:spPr>
-          <a:xfrm>
-            <a:off x="4410782" y="4179033"/>
-            <a:ext cx="274573" cy="241825"/>
-          </a:xfrm>
-          <a:prstGeom prst="triangle">
-            <a:avLst/>
-          </a:prstGeom>
-          <a:solidFill>
-            <a:srgbClr val="FF0000"/>
-          </a:solidFill>
-        </p:spPr>
-        <p:style>
-          <a:lnRef idx="2">
-            <a:schemeClr val="accent1">
-              <a:shade val="50000"/>
-            </a:schemeClr>
-          </a:lnRef>
-          <a:fillRef idx="1">
-            <a:schemeClr val="accent1"/>
-          </a:fillRef>
-          <a:effectRef idx="0">
-            <a:schemeClr val="accent1"/>
-          </a:effectRef>
-          <a:fontRef idx="minor">
-            <a:schemeClr val="lt1"/>
-          </a:fontRef>
-        </p:style>
-        <p:txBody>
-          <a:bodyPr rtlCol="0" anchor="ctr"/>
-          <a:lstStyle/>
-          <a:p>
-            <a:pPr algn="ctr"/>
-            <a:endParaRPr lang="en-US"/>
-          </a:p>
-        </p:txBody>
-      </p:sp>
-      <p:cxnSp>
-        <p:nvCxnSpPr>
-          <p:cNvPr id="24" name="Straight Arrow Connector 23"/>
-          <p:cNvCxnSpPr>
-            <a:stCxn id="22" idx="5"/>
-          </p:cNvCxnSpPr>
-          <p:nvPr/>
-        </p:nvCxnSpPr>
-        <p:spPr>
-          <a:xfrm flipV="1">
-            <a:off x="4616712" y="3893814"/>
-            <a:ext cx="1564934" cy="406132"/>
-          </a:xfrm>
-          <a:prstGeom prst="straightConnector1">
-            <a:avLst/>
-          </a:prstGeom>
-          <a:ln>
-            <a:tailEnd type="triangle"/>
-          </a:ln>
-        </p:spPr>
-        <p:style>
-          <a:lnRef idx="1">
-            <a:schemeClr val="accent1"/>
-          </a:lnRef>
-          <a:fillRef idx="0">
-            <a:schemeClr val="accent1"/>
-          </a:fillRef>
-          <a:effectRef idx="0">
-            <a:schemeClr val="accent1"/>
-          </a:effectRef>
-          <a:fontRef idx="minor">
-            <a:schemeClr val="tx1"/>
-          </a:fontRef>
-        </p:style>
-      </p:cxnSp>
-      <p:sp>
-        <p:nvSpPr>
-          <p:cNvPr id="26" name="TextBox 25"/>
-          <p:cNvSpPr txBox="1"/>
-          <p:nvPr/>
-        </p:nvSpPr>
-        <p:spPr>
-          <a:xfrm>
-            <a:off x="3215510" y="3402315"/>
-            <a:ext cx="1125997" cy="369332"/>
-          </a:xfrm>
-          <a:prstGeom prst="rect">
-            <a:avLst/>
-          </a:prstGeom>
-          <a:noFill/>
-        </p:spPr>
-        <p:txBody>
-          <a:bodyPr wrap="square" rtlCol="0">
-            <a:spAutoFit/>
-          </a:bodyPr>
-          <a:lstStyle/>
-          <a:p>
-            <a:pPr algn="ctr"/>
-            <a:r>
-              <a:rPr lang="en-GB" dirty="0" smtClean="0"/>
-              <a:t>Y</a:t>
-            </a:r>
-            <a:endParaRPr lang="en-US" dirty="0"/>
-          </a:p>
-        </p:txBody>
-      </p:sp>
-      <p:sp>
-        <p:nvSpPr>
-          <p:cNvPr id="27" name="TextBox 26"/>
-          <p:cNvSpPr txBox="1"/>
-          <p:nvPr/>
-        </p:nvSpPr>
-        <p:spPr>
-          <a:xfrm>
-            <a:off x="1588230" y="4712284"/>
-            <a:ext cx="1125997" cy="369332"/>
-          </a:xfrm>
-          <a:prstGeom prst="rect">
-            <a:avLst/>
-          </a:prstGeom>
-          <a:noFill/>
-        </p:spPr>
-        <p:txBody>
-          <a:bodyPr wrap="square" rtlCol="0">
-            <a:spAutoFit/>
-          </a:bodyPr>
-          <a:lstStyle/>
-          <a:p>
-            <a:pPr algn="ctr"/>
-            <a:r>
-              <a:rPr lang="en-GB" dirty="0" smtClean="0"/>
-              <a:t>X</a:t>
-            </a:r>
-            <a:endParaRPr lang="en-US" dirty="0"/>
-          </a:p>
-        </p:txBody>
-      </p:sp>
-      <p:sp>
-        <p:nvSpPr>
-          <p:cNvPr id="28" name="TextBox 27"/>
-          <p:cNvSpPr txBox="1"/>
-          <p:nvPr/>
-        </p:nvSpPr>
-        <p:spPr>
-          <a:xfrm>
-            <a:off x="6181646" y="3575765"/>
-            <a:ext cx="1125997" cy="1200329"/>
-          </a:xfrm>
-          <a:prstGeom prst="rect">
-            <a:avLst/>
-          </a:prstGeom>
-          <a:noFill/>
-        </p:spPr>
-        <p:txBody>
-          <a:bodyPr wrap="square" rtlCol="0">
-            <a:spAutoFit/>
-          </a:bodyPr>
-          <a:lstStyle/>
-          <a:p>
-            <a:pPr algn="ctr"/>
-            <a:r>
-              <a:rPr lang="en-GB" dirty="0" smtClean="0"/>
-              <a:t>This would be</a:t>
-            </a:r>
-          </a:p>
-          <a:p>
-            <a:pPr algn="ctr"/>
-            <a:r>
-              <a:rPr lang="en-GB" dirty="0" smtClean="0"/>
-              <a:t>X = 0.5</a:t>
-            </a:r>
-          </a:p>
-          <a:p>
-            <a:pPr algn="ctr"/>
-            <a:r>
-              <a:rPr lang="en-GB" dirty="0" smtClean="0"/>
-              <a:t>Y = 0.5</a:t>
-            </a:r>
-            <a:endParaRPr lang="en-US" dirty="0"/>
-          </a:p>
-        </p:txBody>
-      </p:sp>
-      <p:sp>
-        <p:nvSpPr>
-          <p:cNvPr id="4" name="Rectangle 3"/>
-          <p:cNvSpPr/>
-          <p:nvPr/>
-        </p:nvSpPr>
-        <p:spPr>
-          <a:xfrm>
-            <a:off x="4426735" y="5365544"/>
-            <a:ext cx="242265" cy="222422"/>
-          </a:xfrm>
-          <a:prstGeom prst="rect">
-            <a:avLst/>
-          </a:prstGeom>
-        </p:spPr>
-        <p:style>
-          <a:lnRef idx="2">
-            <a:schemeClr val="accent1">
-              <a:shade val="50000"/>
-            </a:schemeClr>
-          </a:lnRef>
-          <a:fillRef idx="1">
-            <a:schemeClr val="accent1"/>
-          </a:fillRef>
-          <a:effectRef idx="0">
-            <a:schemeClr val="accent1"/>
-          </a:effectRef>
-          <a:fontRef idx="minor">
-            <a:schemeClr val="lt1"/>
-          </a:fontRef>
-        </p:style>
-        <p:txBody>
-          <a:bodyPr rtlCol="0" anchor="ctr"/>
-          <a:lstStyle/>
-          <a:p>
-            <a:pPr algn="ctr"/>
-            <a:endParaRPr lang="en-US"/>
-          </a:p>
-        </p:txBody>
-      </p:sp>
-      <p:cxnSp>
-        <p:nvCxnSpPr>
-          <p:cNvPr id="25" name="Straight Arrow Connector 24"/>
-          <p:cNvCxnSpPr/>
-          <p:nvPr/>
-        </p:nvCxnSpPr>
-        <p:spPr>
-          <a:xfrm>
-            <a:off x="4685355" y="5469811"/>
-            <a:ext cx="797265" cy="7557"/>
-          </a:xfrm>
-          <a:prstGeom prst="straightConnector1">
-            <a:avLst/>
-          </a:prstGeom>
-          <a:ln>
-            <a:tailEnd type="triangle"/>
-          </a:ln>
-        </p:spPr>
-        <p:style>
-          <a:lnRef idx="1">
-            <a:schemeClr val="accent1"/>
-          </a:lnRef>
-          <a:fillRef idx="0">
-            <a:schemeClr val="accent1"/>
-          </a:fillRef>
-          <a:effectRef idx="0">
-            <a:schemeClr val="accent1"/>
-          </a:effectRef>
-          <a:fontRef idx="minor">
-            <a:schemeClr val="tx1"/>
-          </a:fontRef>
-        </p:style>
-      </p:cxnSp>
-      <p:sp>
-        <p:nvSpPr>
-          <p:cNvPr id="29" name="TextBox 28"/>
-          <p:cNvSpPr txBox="1"/>
-          <p:nvPr/>
-        </p:nvSpPr>
-        <p:spPr>
-          <a:xfrm>
-            <a:off x="5531739" y="4890820"/>
-            <a:ext cx="1125997" cy="1200329"/>
-          </a:xfrm>
-          <a:prstGeom prst="rect">
-            <a:avLst/>
-          </a:prstGeom>
-          <a:noFill/>
-        </p:spPr>
-        <p:txBody>
-          <a:bodyPr wrap="square" rtlCol="0">
-            <a:spAutoFit/>
-          </a:bodyPr>
-          <a:lstStyle/>
-          <a:p>
-            <a:pPr algn="ctr"/>
-            <a:r>
-              <a:rPr lang="en-GB" dirty="0" smtClean="0"/>
-              <a:t>This would be</a:t>
-            </a:r>
-          </a:p>
-          <a:p>
-            <a:pPr algn="ctr"/>
-            <a:r>
-              <a:rPr lang="en-GB" dirty="0" smtClean="0"/>
-              <a:t>X = 0.5</a:t>
-            </a:r>
-          </a:p>
-          <a:p>
-            <a:pPr algn="ctr"/>
-            <a:r>
-              <a:rPr lang="en-GB" dirty="0" smtClean="0"/>
-              <a:t>Y = -0.5</a:t>
-            </a:r>
-            <a:endParaRPr lang="en-US" dirty="0"/>
+              <a:rPr lang="en-US" sz="5400" b="1" spc="50" dirty="0">
+                <a:ln w="0"/>
+                <a:solidFill>
+                  <a:schemeClr val="bg2"/>
+                </a:solidFill>
+                <a:effectLst>
+                  <a:innerShdw blurRad="63500" dist="50800" dir="13500000">
+                    <a:srgbClr val="000000">
+                      <a:alpha val="50000"/>
+                    </a:srgbClr>
+                  </a:innerShdw>
+                </a:effectLst>
+              </a:rPr>
+              <a:t>For info only</a:t>
+            </a:r>
+            <a:endParaRPr lang="en-US" sz="5400" b="1" cap="none" spc="50" dirty="0">
+              <a:ln w="0"/>
+              <a:solidFill>
+                <a:schemeClr val="bg2"/>
+              </a:solidFill>
+              <a:effectLst>
+                <a:innerShdw blurRad="63500" dist="50800" dir="13500000">
+                  <a:srgbClr val="000000">
+                    <a:alpha val="50000"/>
+                  </a:srgbClr>
+                </a:innerShdw>
+              </a:effectLst>
+            </a:endParaRPr>
           </a:p>
         </p:txBody>
       </p:sp>
     </p:spTree>
     <p:extLst>
       <p:ext uri="{BB962C8B-B14F-4D97-AF65-F5344CB8AC3E}">
-        <p14:creationId xmlns:p14="http://schemas.microsoft.com/office/powerpoint/2010/main" val="3781808028"/>
+        <p14:creationId xmlns:p14="http://schemas.microsoft.com/office/powerpoint/2010/main" val="485278056"/>
       </p:ext>
     </p:extLst>
   </p:cSld>
@@ -16157,6 +15440,1331 @@
             <p:ph type="title"/>
           </p:nvPr>
         </p:nvSpPr>
+        <p:spPr/>
+        <p:txBody>
+          <a:bodyPr/>
+          <a:lstStyle/>
+          <a:p>
+            <a:r>
+              <a:rPr lang="en-GB" dirty="0" smtClean="0"/>
+              <a:t>More components</a:t>
+            </a:r>
+            <a:endParaRPr lang="en-US" dirty="0"/>
+          </a:p>
+        </p:txBody>
+      </p:sp>
+      <p:sp>
+        <p:nvSpPr>
+          <p:cNvPr id="3" name="Text Placeholder 2"/>
+          <p:cNvSpPr>
+            <a:spLocks noGrp="1"/>
+          </p:cNvSpPr>
+          <p:nvPr>
+            <p:ph type="body" idx="1"/>
+          </p:nvPr>
+        </p:nvSpPr>
+        <p:spPr>
+          <a:xfrm>
+            <a:off x="487328" y="1417936"/>
+            <a:ext cx="8229600" cy="4967700"/>
+          </a:xfrm>
+        </p:spPr>
+        <p:txBody>
+          <a:bodyPr>
+            <a:normAutofit fontScale="92500" lnSpcReduction="20000"/>
+          </a:bodyPr>
+          <a:lstStyle/>
+          <a:p>
+            <a:pPr marL="0" indent="0">
+              <a:buNone/>
+            </a:pPr>
+            <a:r>
+              <a:rPr lang="en-GB" dirty="0" smtClean="0"/>
+              <a:t>Overview of remaining components in brief.</a:t>
+            </a:r>
+          </a:p>
+          <a:p>
+            <a:pPr marL="0" indent="0">
+              <a:buNone/>
+            </a:pPr>
+            <a:endParaRPr lang="en-GB" dirty="0" smtClean="0"/>
+          </a:p>
+          <a:p>
+            <a:pPr marL="0" indent="0">
+              <a:buNone/>
+            </a:pPr>
+            <a:r>
+              <a:rPr lang="en-GB" dirty="0" smtClean="0"/>
+              <a:t>Stimuli:</a:t>
+            </a:r>
+          </a:p>
+          <a:p>
+            <a:r>
+              <a:rPr lang="en-GB" b="1" dirty="0" smtClean="0"/>
+              <a:t>Sound</a:t>
+            </a:r>
+            <a:r>
+              <a:rPr lang="en-GB" dirty="0" smtClean="0"/>
+              <a:t> – Playback of sound</a:t>
+            </a:r>
+          </a:p>
+          <a:p>
+            <a:r>
+              <a:rPr lang="en-GB" b="1" dirty="0" smtClean="0"/>
+              <a:t>Image</a:t>
+            </a:r>
+            <a:r>
+              <a:rPr lang="en-GB" dirty="0" smtClean="0"/>
+              <a:t> – Display of image</a:t>
+            </a:r>
+          </a:p>
+          <a:p>
+            <a:r>
+              <a:rPr lang="en-GB" b="1" dirty="0" smtClean="0"/>
+              <a:t>Aperture</a:t>
+            </a:r>
+            <a:r>
+              <a:rPr lang="en-GB" dirty="0" smtClean="0"/>
+              <a:t> – Add a circular effect onto image component</a:t>
+            </a:r>
+          </a:p>
+          <a:p>
+            <a:r>
+              <a:rPr lang="en-GB" b="1" dirty="0" smtClean="0"/>
+              <a:t>Grating</a:t>
+            </a:r>
+            <a:r>
+              <a:rPr lang="en-GB" dirty="0" smtClean="0"/>
+              <a:t> – Wrapped texture that can be cycled in 2 dimensions</a:t>
+            </a:r>
+          </a:p>
+          <a:p>
+            <a:r>
+              <a:rPr lang="en-GB" b="1" dirty="0" smtClean="0"/>
+              <a:t>Movie</a:t>
+            </a:r>
+            <a:r>
+              <a:rPr lang="en-GB" dirty="0" smtClean="0"/>
+              <a:t> – Playback of movie files</a:t>
+            </a:r>
+          </a:p>
+          <a:p>
+            <a:r>
+              <a:rPr lang="en-GB" b="1" dirty="0" smtClean="0"/>
+              <a:t>Dots</a:t>
+            </a:r>
+            <a:r>
+              <a:rPr lang="en-GB" dirty="0" smtClean="0"/>
+              <a:t> – Presentation of Random Dot </a:t>
+            </a:r>
+            <a:r>
+              <a:rPr lang="en-GB" dirty="0" err="1" smtClean="0"/>
+              <a:t>Kinematogram</a:t>
+            </a:r>
+            <a:r>
+              <a:rPr lang="en-GB" dirty="0" smtClean="0"/>
+              <a:t> to participants</a:t>
+            </a:r>
+          </a:p>
+          <a:p>
+            <a:r>
+              <a:rPr lang="en-GB" b="1" dirty="0" smtClean="0"/>
+              <a:t>Polygon</a:t>
+            </a:r>
+            <a:r>
+              <a:rPr lang="en-GB" dirty="0" smtClean="0"/>
+              <a:t> – Shape presentation of different sides (square, rectangle, octagon)</a:t>
+            </a:r>
+          </a:p>
+          <a:p>
+            <a:endParaRPr lang="en-GB" dirty="0" smtClean="0"/>
+          </a:p>
+          <a:p>
+            <a:pPr marL="0" indent="0">
+              <a:buNone/>
+            </a:pPr>
+            <a:r>
+              <a:rPr lang="en-GB" dirty="0" smtClean="0"/>
+              <a:t>Responses:</a:t>
+            </a:r>
+          </a:p>
+          <a:p>
+            <a:r>
+              <a:rPr lang="en-GB" b="1" dirty="0" smtClean="0"/>
+              <a:t>Mouse</a:t>
+            </a:r>
+            <a:r>
+              <a:rPr lang="en-GB" dirty="0" smtClean="0"/>
+              <a:t> – Take responses from the mouse</a:t>
+            </a:r>
+          </a:p>
+          <a:p>
+            <a:r>
+              <a:rPr lang="en-GB" b="1" dirty="0" smtClean="0"/>
+              <a:t>Mic</a:t>
+            </a:r>
+            <a:r>
+              <a:rPr lang="en-GB" dirty="0" smtClean="0"/>
+              <a:t> – Only records sound, doesn’t register response to sound</a:t>
+            </a:r>
+          </a:p>
+          <a:p>
+            <a:r>
+              <a:rPr lang="en-GB" b="1" dirty="0" smtClean="0"/>
+              <a:t>Scale</a:t>
+            </a:r>
+            <a:r>
+              <a:rPr lang="en-GB" dirty="0" smtClean="0"/>
+              <a:t> – Mouse friendly scale to choose a value</a:t>
+            </a:r>
+          </a:p>
+          <a:p>
+            <a:r>
+              <a:rPr lang="en-GB" b="1" dirty="0" err="1" smtClean="0"/>
+              <a:t>ioBox</a:t>
+            </a:r>
+            <a:r>
+              <a:rPr lang="en-GB" b="1" dirty="0" smtClean="0"/>
+              <a:t>, </a:t>
+            </a:r>
+            <a:r>
+              <a:rPr lang="en-GB" b="1" dirty="0" err="1" smtClean="0"/>
+              <a:t>Cedrus</a:t>
+            </a:r>
+            <a:r>
+              <a:rPr lang="en-GB" b="1" dirty="0"/>
+              <a:t> </a:t>
+            </a:r>
+            <a:r>
+              <a:rPr lang="en-GB" dirty="0" smtClean="0"/>
+              <a:t>– Input options for external hardware devices and button boxes</a:t>
+            </a:r>
+            <a:endParaRPr lang="en-GB" dirty="0"/>
+          </a:p>
+          <a:p>
+            <a:pPr marL="0" indent="0">
+              <a:buNone/>
+            </a:pPr>
+            <a:endParaRPr lang="en-GB" dirty="0" smtClean="0"/>
+          </a:p>
+          <a:p>
+            <a:pPr marL="0" indent="0">
+              <a:buNone/>
+            </a:pPr>
+            <a:r>
+              <a:rPr lang="en-GB" dirty="0" smtClean="0"/>
+              <a:t>Other:</a:t>
+            </a:r>
+          </a:p>
+          <a:p>
+            <a:r>
+              <a:rPr lang="en-GB" b="1" dirty="0" smtClean="0"/>
+              <a:t>Parallel icon </a:t>
+            </a:r>
+            <a:r>
+              <a:rPr lang="en-GB" dirty="0" smtClean="0"/>
+              <a:t>– Send signals down a cable (EEG)</a:t>
+            </a:r>
+          </a:p>
+          <a:p>
+            <a:r>
+              <a:rPr lang="en-GB" b="1" dirty="0" smtClean="0"/>
+              <a:t>Static</a:t>
+            </a:r>
+            <a:r>
+              <a:rPr lang="en-GB" dirty="0" smtClean="0"/>
+              <a:t> – A static period to allow for pre-loading images or other operations</a:t>
+            </a:r>
+          </a:p>
+          <a:p>
+            <a:endParaRPr lang="en-GB" dirty="0"/>
+          </a:p>
+          <a:p>
+            <a:pPr marL="0" indent="0">
+              <a:buNone/>
+            </a:pPr>
+            <a:r>
+              <a:rPr lang="en-GB" dirty="0" smtClean="0"/>
+              <a:t>More details can </a:t>
+            </a:r>
+            <a:r>
+              <a:rPr lang="en-GB" dirty="0"/>
+              <a:t>be found at </a:t>
+            </a:r>
+            <a:r>
+              <a:rPr lang="en-GB" b="1" dirty="0"/>
+              <a:t>http://</a:t>
+            </a:r>
+            <a:r>
+              <a:rPr lang="en-GB" b="1" dirty="0" smtClean="0"/>
+              <a:t>www.psychopy.org/builder/components.html</a:t>
+            </a:r>
+          </a:p>
+          <a:p>
+            <a:pPr marL="0" indent="0">
+              <a:buNone/>
+            </a:pPr>
+            <a:endParaRPr lang="en-US" dirty="0"/>
+          </a:p>
+        </p:txBody>
+      </p:sp>
+    </p:spTree>
+    <p:extLst>
+      <p:ext uri="{BB962C8B-B14F-4D97-AF65-F5344CB8AC3E}">
+        <p14:creationId xmlns:p14="http://schemas.microsoft.com/office/powerpoint/2010/main" val="1997174920"/>
+      </p:ext>
+    </p:extLst>
+  </p:cSld>
+  <p:clrMapOvr>
+    <a:masterClrMapping/>
+  </p:clrMapOvr>
+  <p:timing>
+    <p:tnLst>
+      <p:par>
+        <p:cTn id="1" dur="indefinite" restart="never" nodeType="tmRoot"/>
+      </p:par>
+    </p:tnLst>
+  </p:timing>
+</p:sld>
+</file>
+
+<file path=ppt/slides/slide29.xml><?xml version="1.0" encoding="utf-8"?>
+<p:sld xmlns:a="http://schemas.openxmlformats.org/drawingml/2006/main" xmlns:r="http://schemas.openxmlformats.org/officeDocument/2006/relationships" xmlns:p="http://schemas.openxmlformats.org/presentationml/2006/main">
+  <p:cSld>
+    <p:spTree>
+      <p:nvGrpSpPr>
+        <p:cNvPr id="1" name=""/>
+        <p:cNvGrpSpPr/>
+        <p:nvPr/>
+      </p:nvGrpSpPr>
+      <p:grpSpPr>
+        <a:xfrm>
+          <a:off x="0" y="0"/>
+          <a:ext cx="0" cy="0"/>
+          <a:chOff x="0" y="0"/>
+          <a:chExt cx="0" cy="0"/>
+        </a:xfrm>
+      </p:grpSpPr>
+      <p:sp>
+        <p:nvSpPr>
+          <p:cNvPr id="10" name="Rectangle 9"/>
+          <p:cNvSpPr/>
+          <p:nvPr/>
+        </p:nvSpPr>
+        <p:spPr>
+          <a:xfrm>
+            <a:off x="2289778" y="3725611"/>
+            <a:ext cx="2977468" cy="2342678"/>
+          </a:xfrm>
+          <a:prstGeom prst="rect">
+            <a:avLst/>
+          </a:prstGeom>
+        </p:spPr>
+        <p:style>
+          <a:lnRef idx="2">
+            <a:schemeClr val="dk1"/>
+          </a:lnRef>
+          <a:fillRef idx="1">
+            <a:schemeClr val="lt1"/>
+          </a:fillRef>
+          <a:effectRef idx="0">
+            <a:schemeClr val="dk1"/>
+          </a:effectRef>
+          <a:fontRef idx="minor">
+            <a:schemeClr val="dk1"/>
+          </a:fontRef>
+        </p:style>
+        <p:txBody>
+          <a:bodyPr rtlCol="0" anchor="ctr"/>
+          <a:lstStyle/>
+          <a:p>
+            <a:pPr algn="ctr"/>
+            <a:endParaRPr lang="en-US"/>
+          </a:p>
+        </p:txBody>
+      </p:sp>
+      <p:sp>
+        <p:nvSpPr>
+          <p:cNvPr id="2" name="Title 1"/>
+          <p:cNvSpPr>
+            <a:spLocks noGrp="1"/>
+          </p:cNvSpPr>
+          <p:nvPr>
+            <p:ph type="title"/>
+          </p:nvPr>
+        </p:nvSpPr>
+        <p:spPr/>
+        <p:txBody>
+          <a:bodyPr/>
+          <a:lstStyle/>
+          <a:p>
+            <a:r>
+              <a:rPr lang="en-GB" dirty="0" smtClean="0"/>
+              <a:t>Positioning components</a:t>
+            </a:r>
+            <a:endParaRPr lang="en-US" dirty="0"/>
+          </a:p>
+        </p:txBody>
+      </p:sp>
+      <p:sp>
+        <p:nvSpPr>
+          <p:cNvPr id="3" name="Text Placeholder 2"/>
+          <p:cNvSpPr>
+            <a:spLocks noGrp="1"/>
+          </p:cNvSpPr>
+          <p:nvPr>
+            <p:ph type="body" idx="1"/>
+          </p:nvPr>
+        </p:nvSpPr>
+        <p:spPr>
+          <a:xfrm>
+            <a:off x="457200" y="1417936"/>
+            <a:ext cx="8229600" cy="1984379"/>
+          </a:xfrm>
+        </p:spPr>
+        <p:txBody>
+          <a:bodyPr>
+            <a:normAutofit fontScale="92500" lnSpcReduction="20000"/>
+          </a:bodyPr>
+          <a:lstStyle/>
+          <a:p>
+            <a:r>
+              <a:rPr lang="en-GB" sz="1900" dirty="0" smtClean="0"/>
+              <a:t>Positioning of components within a routine</a:t>
+            </a:r>
+          </a:p>
+          <a:p>
+            <a:r>
+              <a:rPr lang="en-GB" sz="1900" dirty="0" smtClean="0"/>
+              <a:t>Stacking order is important!</a:t>
+            </a:r>
+          </a:p>
+          <a:p>
+            <a:pPr lvl="1">
+              <a:buFont typeface="Courier New" panose="02070309020205020404" pitchFamily="49" charset="0"/>
+              <a:buChar char="o"/>
+            </a:pPr>
+            <a:r>
+              <a:rPr lang="en-GB" sz="1900" dirty="0" smtClean="0"/>
+              <a:t>Refers to order they are drawn</a:t>
+            </a:r>
+            <a:endParaRPr lang="en-GB" sz="1900" dirty="0"/>
+          </a:p>
+          <a:p>
+            <a:pPr lvl="1">
+              <a:buFont typeface="Courier New" panose="02070309020205020404" pitchFamily="49" charset="0"/>
+              <a:buChar char="o"/>
+            </a:pPr>
+            <a:r>
+              <a:rPr lang="en-GB" sz="1900" dirty="0" smtClean="0"/>
+              <a:t>Components rendered at the same time</a:t>
+            </a:r>
+          </a:p>
+          <a:p>
+            <a:pPr lvl="1">
+              <a:buFont typeface="Courier New" panose="02070309020205020404" pitchFamily="49" charset="0"/>
+              <a:buChar char="o"/>
+            </a:pPr>
+            <a:r>
+              <a:rPr lang="en-GB" sz="1900" dirty="0" smtClean="0"/>
+              <a:t>Those at same position will overlap!</a:t>
+            </a:r>
+            <a:endParaRPr lang="en-GB" sz="1900" dirty="0"/>
+          </a:p>
+          <a:p>
+            <a:r>
+              <a:rPr lang="en-GB" sz="1900" dirty="0" smtClean="0"/>
+              <a:t>Screen divided by a coordinate system</a:t>
+            </a:r>
+          </a:p>
+          <a:p>
+            <a:pPr lvl="1">
+              <a:buFont typeface="Courier New" panose="02070309020205020404" pitchFamily="49" charset="0"/>
+              <a:buChar char="o"/>
+            </a:pPr>
+            <a:r>
+              <a:rPr lang="en-GB" sz="1900" dirty="0" smtClean="0"/>
+              <a:t>Other options available too which you can read about here:</a:t>
+            </a:r>
+          </a:p>
+          <a:p>
+            <a:pPr lvl="1">
+              <a:buFont typeface="Courier New" panose="02070309020205020404" pitchFamily="49" charset="0"/>
+              <a:buChar char="o"/>
+            </a:pPr>
+            <a:r>
+              <a:rPr lang="en-GB" sz="1900" u="sng" dirty="0">
+                <a:solidFill>
+                  <a:schemeClr val="accent1">
+                    <a:lumMod val="60000"/>
+                    <a:lumOff val="40000"/>
+                  </a:schemeClr>
+                </a:solidFill>
+              </a:rPr>
+              <a:t>http://</a:t>
+            </a:r>
+            <a:r>
+              <a:rPr lang="en-GB" sz="1900" u="sng" dirty="0" smtClean="0">
+                <a:solidFill>
+                  <a:schemeClr val="accent1">
+                    <a:lumMod val="60000"/>
+                    <a:lumOff val="40000"/>
+                  </a:schemeClr>
+                </a:solidFill>
+              </a:rPr>
+              <a:t>www.psychopy.org/general/units.html</a:t>
+            </a:r>
+          </a:p>
+          <a:p>
+            <a:pPr lvl="1"/>
+            <a:endParaRPr lang="en-GB" dirty="0" smtClean="0"/>
+          </a:p>
+        </p:txBody>
+      </p:sp>
+      <p:cxnSp>
+        <p:nvCxnSpPr>
+          <p:cNvPr id="7" name="Straight Arrow Connector 6"/>
+          <p:cNvCxnSpPr>
+            <a:stCxn id="10" idx="1"/>
+            <a:endCxn id="10" idx="3"/>
+          </p:cNvCxnSpPr>
+          <p:nvPr/>
+        </p:nvCxnSpPr>
+        <p:spPr>
+          <a:xfrm>
+            <a:off x="2289778" y="4896950"/>
+            <a:ext cx="2977468" cy="0"/>
+          </a:xfrm>
+          <a:prstGeom prst="straightConnector1">
+            <a:avLst/>
+          </a:prstGeom>
+          <a:ln>
+            <a:tailEnd type="triangle"/>
+          </a:ln>
+        </p:spPr>
+        <p:style>
+          <a:lnRef idx="1">
+            <a:schemeClr val="accent1"/>
+          </a:lnRef>
+          <a:fillRef idx="0">
+            <a:schemeClr val="accent1"/>
+          </a:fillRef>
+          <a:effectRef idx="0">
+            <a:schemeClr val="accent1"/>
+          </a:effectRef>
+          <a:fontRef idx="minor">
+            <a:schemeClr val="tx1"/>
+          </a:fontRef>
+        </p:style>
+      </p:cxnSp>
+      <p:cxnSp>
+        <p:nvCxnSpPr>
+          <p:cNvPr id="9" name="Straight Arrow Connector 8"/>
+          <p:cNvCxnSpPr>
+            <a:stCxn id="10" idx="2"/>
+            <a:endCxn id="10" idx="0"/>
+          </p:cNvCxnSpPr>
+          <p:nvPr/>
+        </p:nvCxnSpPr>
+        <p:spPr>
+          <a:xfrm flipV="1">
+            <a:off x="3778512" y="3725611"/>
+            <a:ext cx="0" cy="2342678"/>
+          </a:xfrm>
+          <a:prstGeom prst="straightConnector1">
+            <a:avLst/>
+          </a:prstGeom>
+          <a:ln>
+            <a:tailEnd type="triangle"/>
+          </a:ln>
+        </p:spPr>
+        <p:style>
+          <a:lnRef idx="1">
+            <a:schemeClr val="accent1"/>
+          </a:lnRef>
+          <a:fillRef idx="0">
+            <a:schemeClr val="accent1"/>
+          </a:fillRef>
+          <a:effectRef idx="0">
+            <a:schemeClr val="accent1"/>
+          </a:effectRef>
+          <a:fontRef idx="minor">
+            <a:schemeClr val="tx1"/>
+          </a:fontRef>
+        </p:style>
+      </p:cxnSp>
+      <p:sp>
+        <p:nvSpPr>
+          <p:cNvPr id="15" name="TextBox 14"/>
+          <p:cNvSpPr txBox="1"/>
+          <p:nvPr/>
+        </p:nvSpPr>
+        <p:spPr>
+          <a:xfrm>
+            <a:off x="3215513" y="6099960"/>
+            <a:ext cx="1125997" cy="369332"/>
+          </a:xfrm>
+          <a:prstGeom prst="rect">
+            <a:avLst/>
+          </a:prstGeom>
+          <a:noFill/>
+        </p:spPr>
+        <p:txBody>
+          <a:bodyPr wrap="square" rtlCol="0">
+            <a:spAutoFit/>
+          </a:bodyPr>
+          <a:lstStyle/>
+          <a:p>
+            <a:pPr algn="ctr"/>
+            <a:r>
+              <a:rPr lang="en-GB" dirty="0" smtClean="0"/>
+              <a:t>Screen</a:t>
+            </a:r>
+            <a:endParaRPr lang="en-US" dirty="0"/>
+          </a:p>
+        </p:txBody>
+      </p:sp>
+      <p:sp>
+        <p:nvSpPr>
+          <p:cNvPr id="16" name="TextBox 15"/>
+          <p:cNvSpPr txBox="1"/>
+          <p:nvPr/>
+        </p:nvSpPr>
+        <p:spPr>
+          <a:xfrm>
+            <a:off x="3284785" y="4877073"/>
+            <a:ext cx="1125997" cy="276999"/>
+          </a:xfrm>
+          <a:prstGeom prst="rect">
+            <a:avLst/>
+          </a:prstGeom>
+          <a:noFill/>
+        </p:spPr>
+        <p:txBody>
+          <a:bodyPr wrap="square" rtlCol="0">
+            <a:spAutoFit/>
+          </a:bodyPr>
+          <a:lstStyle/>
+          <a:p>
+            <a:pPr algn="ctr"/>
+            <a:r>
+              <a:rPr lang="en-GB" sz="1200" dirty="0" smtClean="0"/>
+              <a:t>0</a:t>
+            </a:r>
+            <a:endParaRPr lang="en-US" sz="1200" dirty="0"/>
+          </a:p>
+        </p:txBody>
+      </p:sp>
+      <p:sp>
+        <p:nvSpPr>
+          <p:cNvPr id="17" name="TextBox 16"/>
+          <p:cNvSpPr txBox="1"/>
+          <p:nvPr/>
+        </p:nvSpPr>
+        <p:spPr>
+          <a:xfrm>
+            <a:off x="3277228" y="4652709"/>
+            <a:ext cx="1125997" cy="276999"/>
+          </a:xfrm>
+          <a:prstGeom prst="rect">
+            <a:avLst/>
+          </a:prstGeom>
+          <a:noFill/>
+        </p:spPr>
+        <p:txBody>
+          <a:bodyPr wrap="square" rtlCol="0">
+            <a:spAutoFit/>
+          </a:bodyPr>
+          <a:lstStyle/>
+          <a:p>
+            <a:pPr algn="ctr"/>
+            <a:r>
+              <a:rPr lang="en-GB" sz="1200" dirty="0" smtClean="0"/>
+              <a:t>0</a:t>
+            </a:r>
+            <a:endParaRPr lang="en-US" sz="1200" dirty="0"/>
+          </a:p>
+        </p:txBody>
+      </p:sp>
+      <p:sp>
+        <p:nvSpPr>
+          <p:cNvPr id="18" name="TextBox 17"/>
+          <p:cNvSpPr txBox="1"/>
+          <p:nvPr/>
+        </p:nvSpPr>
+        <p:spPr>
+          <a:xfrm>
+            <a:off x="3306196" y="3714070"/>
+            <a:ext cx="1125997" cy="276999"/>
+          </a:xfrm>
+          <a:prstGeom prst="rect">
+            <a:avLst/>
+          </a:prstGeom>
+          <a:noFill/>
+        </p:spPr>
+        <p:txBody>
+          <a:bodyPr wrap="square" rtlCol="0">
+            <a:spAutoFit/>
+          </a:bodyPr>
+          <a:lstStyle/>
+          <a:p>
+            <a:pPr algn="ctr"/>
+            <a:r>
+              <a:rPr lang="en-GB" sz="1200" dirty="0"/>
+              <a:t>1</a:t>
+            </a:r>
+            <a:endParaRPr lang="en-US" sz="1200" dirty="0"/>
+          </a:p>
+        </p:txBody>
+      </p:sp>
+      <p:sp>
+        <p:nvSpPr>
+          <p:cNvPr id="19" name="TextBox 18"/>
+          <p:cNvSpPr txBox="1"/>
+          <p:nvPr/>
+        </p:nvSpPr>
+        <p:spPr>
+          <a:xfrm>
+            <a:off x="4626156" y="4869516"/>
+            <a:ext cx="1125997" cy="276999"/>
+          </a:xfrm>
+          <a:prstGeom prst="rect">
+            <a:avLst/>
+          </a:prstGeom>
+          <a:noFill/>
+        </p:spPr>
+        <p:txBody>
+          <a:bodyPr wrap="square" rtlCol="0">
+            <a:spAutoFit/>
+          </a:bodyPr>
+          <a:lstStyle/>
+          <a:p>
+            <a:pPr algn="ctr"/>
+            <a:r>
+              <a:rPr lang="en-GB" sz="1200" dirty="0"/>
+              <a:t>1</a:t>
+            </a:r>
+            <a:endParaRPr lang="en-US" sz="1200" dirty="0"/>
+          </a:p>
+        </p:txBody>
+      </p:sp>
+      <p:sp>
+        <p:nvSpPr>
+          <p:cNvPr id="20" name="TextBox 19"/>
+          <p:cNvSpPr txBox="1"/>
+          <p:nvPr/>
+        </p:nvSpPr>
+        <p:spPr>
+          <a:xfrm>
+            <a:off x="1850208" y="4877073"/>
+            <a:ext cx="1125997" cy="276999"/>
+          </a:xfrm>
+          <a:prstGeom prst="rect">
+            <a:avLst/>
+          </a:prstGeom>
+          <a:noFill/>
+        </p:spPr>
+        <p:txBody>
+          <a:bodyPr wrap="square" rtlCol="0">
+            <a:spAutoFit/>
+          </a:bodyPr>
+          <a:lstStyle/>
+          <a:p>
+            <a:pPr algn="ctr"/>
+            <a:r>
+              <a:rPr lang="en-GB" sz="1200" dirty="0" smtClean="0"/>
+              <a:t>-1</a:t>
+            </a:r>
+            <a:endParaRPr lang="en-US" sz="1200" dirty="0"/>
+          </a:p>
+        </p:txBody>
+      </p:sp>
+      <p:sp>
+        <p:nvSpPr>
+          <p:cNvPr id="21" name="TextBox 20"/>
+          <p:cNvSpPr txBox="1"/>
+          <p:nvPr/>
+        </p:nvSpPr>
+        <p:spPr>
+          <a:xfrm>
+            <a:off x="3117270" y="5839590"/>
+            <a:ext cx="1125997" cy="276999"/>
+          </a:xfrm>
+          <a:prstGeom prst="rect">
+            <a:avLst/>
+          </a:prstGeom>
+          <a:noFill/>
+        </p:spPr>
+        <p:txBody>
+          <a:bodyPr wrap="square" rtlCol="0">
+            <a:spAutoFit/>
+          </a:bodyPr>
+          <a:lstStyle/>
+          <a:p>
+            <a:pPr algn="ctr"/>
+            <a:r>
+              <a:rPr lang="en-GB" sz="1200" dirty="0" smtClean="0"/>
+              <a:t>-1</a:t>
+            </a:r>
+            <a:endParaRPr lang="en-US" sz="1200" dirty="0"/>
+          </a:p>
+        </p:txBody>
+      </p:sp>
+      <p:sp>
+        <p:nvSpPr>
+          <p:cNvPr id="22" name="Isosceles Triangle 21"/>
+          <p:cNvSpPr/>
+          <p:nvPr/>
+        </p:nvSpPr>
+        <p:spPr>
+          <a:xfrm>
+            <a:off x="4410782" y="4179033"/>
+            <a:ext cx="274573" cy="241825"/>
+          </a:xfrm>
+          <a:prstGeom prst="triangle">
+            <a:avLst/>
+          </a:prstGeom>
+          <a:solidFill>
+            <a:srgbClr val="FF0000"/>
+          </a:solidFill>
+        </p:spPr>
+        <p:style>
+          <a:lnRef idx="2">
+            <a:schemeClr val="accent1">
+              <a:shade val="50000"/>
+            </a:schemeClr>
+          </a:lnRef>
+          <a:fillRef idx="1">
+            <a:schemeClr val="accent1"/>
+          </a:fillRef>
+          <a:effectRef idx="0">
+            <a:schemeClr val="accent1"/>
+          </a:effectRef>
+          <a:fontRef idx="minor">
+            <a:schemeClr val="lt1"/>
+          </a:fontRef>
+        </p:style>
+        <p:txBody>
+          <a:bodyPr rtlCol="0" anchor="ctr"/>
+          <a:lstStyle/>
+          <a:p>
+            <a:pPr algn="ctr"/>
+            <a:endParaRPr lang="en-US"/>
+          </a:p>
+        </p:txBody>
+      </p:sp>
+      <p:cxnSp>
+        <p:nvCxnSpPr>
+          <p:cNvPr id="24" name="Straight Arrow Connector 23"/>
+          <p:cNvCxnSpPr>
+            <a:stCxn id="22" idx="5"/>
+          </p:cNvCxnSpPr>
+          <p:nvPr/>
+        </p:nvCxnSpPr>
+        <p:spPr>
+          <a:xfrm flipV="1">
+            <a:off x="4616712" y="3893814"/>
+            <a:ext cx="1564934" cy="406132"/>
+          </a:xfrm>
+          <a:prstGeom prst="straightConnector1">
+            <a:avLst/>
+          </a:prstGeom>
+          <a:ln>
+            <a:tailEnd type="triangle"/>
+          </a:ln>
+        </p:spPr>
+        <p:style>
+          <a:lnRef idx="1">
+            <a:schemeClr val="accent1"/>
+          </a:lnRef>
+          <a:fillRef idx="0">
+            <a:schemeClr val="accent1"/>
+          </a:fillRef>
+          <a:effectRef idx="0">
+            <a:schemeClr val="accent1"/>
+          </a:effectRef>
+          <a:fontRef idx="minor">
+            <a:schemeClr val="tx1"/>
+          </a:fontRef>
+        </p:style>
+      </p:cxnSp>
+      <p:sp>
+        <p:nvSpPr>
+          <p:cNvPr id="26" name="TextBox 25"/>
+          <p:cNvSpPr txBox="1"/>
+          <p:nvPr/>
+        </p:nvSpPr>
+        <p:spPr>
+          <a:xfrm>
+            <a:off x="3215510" y="3402315"/>
+            <a:ext cx="1125997" cy="369332"/>
+          </a:xfrm>
+          <a:prstGeom prst="rect">
+            <a:avLst/>
+          </a:prstGeom>
+          <a:noFill/>
+        </p:spPr>
+        <p:txBody>
+          <a:bodyPr wrap="square" rtlCol="0">
+            <a:spAutoFit/>
+          </a:bodyPr>
+          <a:lstStyle/>
+          <a:p>
+            <a:pPr algn="ctr"/>
+            <a:r>
+              <a:rPr lang="en-GB" dirty="0" smtClean="0"/>
+              <a:t>Y</a:t>
+            </a:r>
+            <a:endParaRPr lang="en-US" dirty="0"/>
+          </a:p>
+        </p:txBody>
+      </p:sp>
+      <p:sp>
+        <p:nvSpPr>
+          <p:cNvPr id="27" name="TextBox 26"/>
+          <p:cNvSpPr txBox="1"/>
+          <p:nvPr/>
+        </p:nvSpPr>
+        <p:spPr>
+          <a:xfrm>
+            <a:off x="1588230" y="4712284"/>
+            <a:ext cx="1125997" cy="369332"/>
+          </a:xfrm>
+          <a:prstGeom prst="rect">
+            <a:avLst/>
+          </a:prstGeom>
+          <a:noFill/>
+        </p:spPr>
+        <p:txBody>
+          <a:bodyPr wrap="square" rtlCol="0">
+            <a:spAutoFit/>
+          </a:bodyPr>
+          <a:lstStyle/>
+          <a:p>
+            <a:pPr algn="ctr"/>
+            <a:r>
+              <a:rPr lang="en-GB" dirty="0" smtClean="0"/>
+              <a:t>X</a:t>
+            </a:r>
+            <a:endParaRPr lang="en-US" dirty="0"/>
+          </a:p>
+        </p:txBody>
+      </p:sp>
+      <p:sp>
+        <p:nvSpPr>
+          <p:cNvPr id="28" name="TextBox 27"/>
+          <p:cNvSpPr txBox="1"/>
+          <p:nvPr/>
+        </p:nvSpPr>
+        <p:spPr>
+          <a:xfrm>
+            <a:off x="6181646" y="3575765"/>
+            <a:ext cx="1125997" cy="1200329"/>
+          </a:xfrm>
+          <a:prstGeom prst="rect">
+            <a:avLst/>
+          </a:prstGeom>
+          <a:noFill/>
+        </p:spPr>
+        <p:txBody>
+          <a:bodyPr wrap="square" rtlCol="0">
+            <a:spAutoFit/>
+          </a:bodyPr>
+          <a:lstStyle/>
+          <a:p>
+            <a:pPr algn="ctr"/>
+            <a:r>
+              <a:rPr lang="en-GB" dirty="0" smtClean="0"/>
+              <a:t>This would be</a:t>
+            </a:r>
+          </a:p>
+          <a:p>
+            <a:pPr algn="ctr"/>
+            <a:r>
+              <a:rPr lang="en-GB" dirty="0" smtClean="0"/>
+              <a:t>X = 0.5</a:t>
+            </a:r>
+          </a:p>
+          <a:p>
+            <a:pPr algn="ctr"/>
+            <a:r>
+              <a:rPr lang="en-GB" dirty="0" smtClean="0"/>
+              <a:t>Y = 0.5</a:t>
+            </a:r>
+            <a:endParaRPr lang="en-US" dirty="0"/>
+          </a:p>
+        </p:txBody>
+      </p:sp>
+      <p:sp>
+        <p:nvSpPr>
+          <p:cNvPr id="4" name="Rectangle 3"/>
+          <p:cNvSpPr/>
+          <p:nvPr/>
+        </p:nvSpPr>
+        <p:spPr>
+          <a:xfrm>
+            <a:off x="4426735" y="5365544"/>
+            <a:ext cx="242265" cy="222422"/>
+          </a:xfrm>
+          <a:prstGeom prst="rect">
+            <a:avLst/>
+          </a:prstGeom>
+        </p:spPr>
+        <p:style>
+          <a:lnRef idx="2">
+            <a:schemeClr val="accent1">
+              <a:shade val="50000"/>
+            </a:schemeClr>
+          </a:lnRef>
+          <a:fillRef idx="1">
+            <a:schemeClr val="accent1"/>
+          </a:fillRef>
+          <a:effectRef idx="0">
+            <a:schemeClr val="accent1"/>
+          </a:effectRef>
+          <a:fontRef idx="minor">
+            <a:schemeClr val="lt1"/>
+          </a:fontRef>
+        </p:style>
+        <p:txBody>
+          <a:bodyPr rtlCol="0" anchor="ctr"/>
+          <a:lstStyle/>
+          <a:p>
+            <a:pPr algn="ctr"/>
+            <a:endParaRPr lang="en-US"/>
+          </a:p>
+        </p:txBody>
+      </p:sp>
+      <p:cxnSp>
+        <p:nvCxnSpPr>
+          <p:cNvPr id="25" name="Straight Arrow Connector 24"/>
+          <p:cNvCxnSpPr/>
+          <p:nvPr/>
+        </p:nvCxnSpPr>
+        <p:spPr>
+          <a:xfrm>
+            <a:off x="4685355" y="5469811"/>
+            <a:ext cx="797265" cy="7557"/>
+          </a:xfrm>
+          <a:prstGeom prst="straightConnector1">
+            <a:avLst/>
+          </a:prstGeom>
+          <a:ln>
+            <a:tailEnd type="triangle"/>
+          </a:ln>
+        </p:spPr>
+        <p:style>
+          <a:lnRef idx="1">
+            <a:schemeClr val="accent1"/>
+          </a:lnRef>
+          <a:fillRef idx="0">
+            <a:schemeClr val="accent1"/>
+          </a:fillRef>
+          <a:effectRef idx="0">
+            <a:schemeClr val="accent1"/>
+          </a:effectRef>
+          <a:fontRef idx="minor">
+            <a:schemeClr val="tx1"/>
+          </a:fontRef>
+        </p:style>
+      </p:cxnSp>
+      <p:sp>
+        <p:nvSpPr>
+          <p:cNvPr id="29" name="TextBox 28"/>
+          <p:cNvSpPr txBox="1"/>
+          <p:nvPr/>
+        </p:nvSpPr>
+        <p:spPr>
+          <a:xfrm>
+            <a:off x="5531739" y="4890820"/>
+            <a:ext cx="1125997" cy="1200329"/>
+          </a:xfrm>
+          <a:prstGeom prst="rect">
+            <a:avLst/>
+          </a:prstGeom>
+          <a:noFill/>
+        </p:spPr>
+        <p:txBody>
+          <a:bodyPr wrap="square" rtlCol="0">
+            <a:spAutoFit/>
+          </a:bodyPr>
+          <a:lstStyle/>
+          <a:p>
+            <a:pPr algn="ctr"/>
+            <a:r>
+              <a:rPr lang="en-GB" dirty="0" smtClean="0"/>
+              <a:t>This would be</a:t>
+            </a:r>
+          </a:p>
+          <a:p>
+            <a:pPr algn="ctr"/>
+            <a:r>
+              <a:rPr lang="en-GB" dirty="0" smtClean="0"/>
+              <a:t>X = 0.5</a:t>
+            </a:r>
+          </a:p>
+          <a:p>
+            <a:pPr algn="ctr"/>
+            <a:r>
+              <a:rPr lang="en-GB" dirty="0" smtClean="0"/>
+              <a:t>Y = -0.5</a:t>
+            </a:r>
+            <a:endParaRPr lang="en-US" dirty="0"/>
+          </a:p>
+        </p:txBody>
+      </p:sp>
+    </p:spTree>
+    <p:extLst>
+      <p:ext uri="{BB962C8B-B14F-4D97-AF65-F5344CB8AC3E}">
+        <p14:creationId xmlns:p14="http://schemas.microsoft.com/office/powerpoint/2010/main" val="3781808028"/>
+      </p:ext>
+    </p:extLst>
+  </p:cSld>
+  <p:clrMapOvr>
+    <a:masterClrMapping/>
+  </p:clrMapOvr>
+  <p:timing>
+    <p:tnLst>
+      <p:par>
+        <p:cTn id="1" dur="indefinite" restart="never" nodeType="tmRoot"/>
+      </p:par>
+    </p:tnLst>
+  </p:timing>
+</p:sld>
+</file>
+
+<file path=ppt/slides/slide3.xml><?xml version="1.0" encoding="utf-8"?>
+<p:sld xmlns:a="http://schemas.openxmlformats.org/drawingml/2006/main" xmlns:r="http://schemas.openxmlformats.org/officeDocument/2006/relationships" xmlns:p="http://schemas.openxmlformats.org/presentationml/2006/main">
+  <p:cSld>
+    <p:spTree>
+      <p:nvGrpSpPr>
+        <p:cNvPr id="1" name=""/>
+        <p:cNvGrpSpPr/>
+        <p:nvPr/>
+      </p:nvGrpSpPr>
+      <p:grpSpPr>
+        <a:xfrm>
+          <a:off x="0" y="0"/>
+          <a:ext cx="0" cy="0"/>
+          <a:chOff x="0" y="0"/>
+          <a:chExt cx="0" cy="0"/>
+        </a:xfrm>
+      </p:grpSpPr>
+      <p:sp>
+        <p:nvSpPr>
+          <p:cNvPr id="2" name="Title 1"/>
+          <p:cNvSpPr>
+            <a:spLocks noGrp="1"/>
+          </p:cNvSpPr>
+          <p:nvPr>
+            <p:ph type="title"/>
+          </p:nvPr>
+        </p:nvSpPr>
+        <p:spPr/>
+        <p:txBody>
+          <a:bodyPr/>
+          <a:lstStyle/>
+          <a:p>
+            <a:r>
+              <a:rPr lang="en-GB" dirty="0" smtClean="0"/>
+              <a:t>Learning outcomes from training</a:t>
+            </a:r>
+            <a:endParaRPr lang="en-US" dirty="0"/>
+          </a:p>
+        </p:txBody>
+      </p:sp>
+      <p:sp>
+        <p:nvSpPr>
+          <p:cNvPr id="3" name="Text Placeholder 2"/>
+          <p:cNvSpPr>
+            <a:spLocks noGrp="1"/>
+          </p:cNvSpPr>
+          <p:nvPr>
+            <p:ph type="body" idx="1"/>
+          </p:nvPr>
+        </p:nvSpPr>
+        <p:spPr/>
+        <p:txBody>
+          <a:bodyPr>
+            <a:normAutofit/>
+          </a:bodyPr>
+          <a:lstStyle/>
+          <a:p>
+            <a:pPr marL="0" indent="0">
+              <a:buNone/>
+            </a:pPr>
+            <a:r>
+              <a:rPr lang="en-US" b="1" dirty="0"/>
+              <a:t>At the end of this session you will be familiar with:</a:t>
+            </a:r>
+          </a:p>
+          <a:p>
+            <a:pPr marL="0" indent="0">
+              <a:buNone/>
+            </a:pPr>
+            <a:endParaRPr lang="en-US" dirty="0"/>
+          </a:p>
+          <a:p>
+            <a:r>
+              <a:rPr lang="en-US" dirty="0"/>
+              <a:t>What </a:t>
+            </a:r>
+            <a:r>
+              <a:rPr lang="en-US" dirty="0" err="1"/>
+              <a:t>PsychoPy</a:t>
+            </a:r>
+            <a:r>
+              <a:rPr lang="en-US" dirty="0"/>
+              <a:t> and some similar applications can be used for.</a:t>
+            </a:r>
+          </a:p>
+          <a:p>
+            <a:r>
+              <a:rPr lang="en-US" dirty="0"/>
+              <a:t>The </a:t>
+            </a:r>
+            <a:r>
+              <a:rPr lang="en-US" dirty="0" err="1"/>
+              <a:t>PsychoPy</a:t>
+            </a:r>
+            <a:r>
+              <a:rPr lang="en-US" dirty="0"/>
+              <a:t> programming environment</a:t>
+            </a:r>
+          </a:p>
+          <a:p>
+            <a:r>
+              <a:rPr lang="en-US" dirty="0"/>
+              <a:t>The flow of an </a:t>
+            </a:r>
+            <a:r>
+              <a:rPr lang="en-US" dirty="0" err="1"/>
+              <a:t>PsychoPy</a:t>
+            </a:r>
+            <a:r>
+              <a:rPr lang="en-US" dirty="0"/>
+              <a:t> experiment</a:t>
+            </a:r>
+          </a:p>
+          <a:p>
+            <a:r>
+              <a:rPr lang="en-US" dirty="0"/>
+              <a:t>The display objects and their response objects</a:t>
+            </a:r>
+          </a:p>
+          <a:p>
+            <a:r>
+              <a:rPr lang="en-US" dirty="0"/>
+              <a:t>Routines and Loops</a:t>
+            </a:r>
+          </a:p>
+          <a:p>
+            <a:pPr lvl="1"/>
+            <a:endParaRPr lang="en-US" dirty="0"/>
+          </a:p>
+          <a:p>
+            <a:pPr marL="0" indent="0">
+              <a:buNone/>
+            </a:pPr>
+            <a:r>
+              <a:rPr lang="en-US" b="1" dirty="0"/>
+              <a:t>At the end of the session you will be able to:</a:t>
+            </a:r>
+          </a:p>
+          <a:p>
+            <a:pPr marL="0" indent="0">
+              <a:buNone/>
+            </a:pPr>
+            <a:endParaRPr lang="en-US" dirty="0"/>
+          </a:p>
+          <a:p>
+            <a:r>
+              <a:rPr lang="en-GB" dirty="0"/>
+              <a:t>Get yourself around the </a:t>
+            </a:r>
+            <a:r>
+              <a:rPr lang="en-GB" dirty="0" err="1"/>
+              <a:t>PsychoPy</a:t>
+            </a:r>
+            <a:r>
+              <a:rPr lang="en-GB" dirty="0"/>
+              <a:t> basic interface</a:t>
+            </a:r>
+          </a:p>
+          <a:p>
+            <a:r>
+              <a:rPr lang="en-GB" dirty="0"/>
+              <a:t>Run experiments</a:t>
+            </a:r>
+            <a:endParaRPr lang="en-US" dirty="0"/>
+          </a:p>
+          <a:p>
+            <a:r>
+              <a:rPr lang="en-US" dirty="0"/>
+              <a:t>Do basic editing on a pre-existing </a:t>
+            </a:r>
+            <a:r>
+              <a:rPr lang="en-US" dirty="0" smtClean="0"/>
+              <a:t>experiment</a:t>
+            </a:r>
+          </a:p>
+          <a:p>
+            <a:pPr lvl="1"/>
+            <a:endParaRPr lang="en-US" dirty="0"/>
+          </a:p>
+          <a:p>
+            <a:pPr lvl="1"/>
+            <a:endParaRPr lang="en-US" dirty="0"/>
+          </a:p>
+        </p:txBody>
+      </p:sp>
+    </p:spTree>
+    <p:extLst>
+      <p:ext uri="{BB962C8B-B14F-4D97-AF65-F5344CB8AC3E}">
+        <p14:creationId xmlns:p14="http://schemas.microsoft.com/office/powerpoint/2010/main" val="4197931780"/>
+      </p:ext>
+    </p:extLst>
+  </p:cSld>
+  <p:clrMapOvr>
+    <a:masterClrMapping/>
+  </p:clrMapOvr>
+  <p:timing>
+    <p:tnLst>
+      <p:par>
+        <p:cTn id="1" dur="indefinite" restart="never" nodeType="tmRoot"/>
+      </p:par>
+    </p:tnLst>
+  </p:timing>
+</p:sld>
+</file>
+
+<file path=ppt/slides/slide30.xml><?xml version="1.0" encoding="utf-8"?>
+<p:sld xmlns:a="http://schemas.openxmlformats.org/drawingml/2006/main" xmlns:r="http://schemas.openxmlformats.org/officeDocument/2006/relationships" xmlns:p="http://schemas.openxmlformats.org/presentationml/2006/main">
+  <p:cSld>
+    <p:spTree>
+      <p:nvGrpSpPr>
+        <p:cNvPr id="1" name=""/>
+        <p:cNvGrpSpPr/>
+        <p:nvPr/>
+      </p:nvGrpSpPr>
+      <p:grpSpPr>
+        <a:xfrm>
+          <a:off x="0" y="0"/>
+          <a:ext cx="0" cy="0"/>
+          <a:chOff x="0" y="0"/>
+          <a:chExt cx="0" cy="0"/>
+        </a:xfrm>
+      </p:grpSpPr>
+      <p:sp>
+        <p:nvSpPr>
+          <p:cNvPr id="2" name="Title 1"/>
+          <p:cNvSpPr>
+            <a:spLocks noGrp="1"/>
+          </p:cNvSpPr>
+          <p:nvPr>
+            <p:ph type="title"/>
+          </p:nvPr>
+        </p:nvSpPr>
         <p:spPr>
           <a:xfrm>
             <a:off x="457200" y="274637"/>
@@ -16314,7 +16922,7 @@
         <p:spPr>
           <a:xfrm>
             <a:off x="1964826" y="5061477"/>
-            <a:ext cx="3724774" cy="646331"/>
+            <a:ext cx="3724774" cy="954107"/>
           </a:xfrm>
           <a:prstGeom prst="rect">
             <a:avLst/>
@@ -16351,7 +16959,24 @@
               <a:rPr lang="en-GB" dirty="0" smtClean="0"/>
               <a:t>So how do we bypass this routine based on an answer under “trial”?</a:t>
             </a:r>
-            <a:endParaRPr lang="en-US" dirty="0"/>
+          </a:p>
+          <a:p>
+            <a:endParaRPr lang="en-GB" dirty="0"/>
+          </a:p>
+          <a:p>
+            <a:r>
+              <a:rPr lang="en-GB" dirty="0" smtClean="0">
+                <a:solidFill>
+                  <a:srgbClr val="FF0000"/>
+                </a:solidFill>
+              </a:rPr>
+              <a:t>See /demos/2-Branching-example for how!</a:t>
+            </a:r>
+            <a:endParaRPr lang="en-US" dirty="0">
+              <a:solidFill>
+                <a:srgbClr val="FF0000"/>
+              </a:solidFill>
+            </a:endParaRPr>
           </a:p>
         </p:txBody>
       </p:sp>
@@ -16408,727 +17033,6 @@
 </p:sld>
 </file>
 
-<file path=ppt/slides/slide29.xml><?xml version="1.0" encoding="utf-8"?>
-<p:sld xmlns:a="http://schemas.openxmlformats.org/drawingml/2006/main" xmlns:r="http://schemas.openxmlformats.org/officeDocument/2006/relationships" xmlns:p="http://schemas.openxmlformats.org/presentationml/2006/main">
-  <p:cSld>
-    <p:spTree>
-      <p:nvGrpSpPr>
-        <p:cNvPr id="1" name="Shape 214"/>
-        <p:cNvGrpSpPr/>
-        <p:nvPr/>
-      </p:nvGrpSpPr>
-      <p:grpSpPr>
-        <a:xfrm>
-          <a:off x="0" y="0"/>
-          <a:ext cx="0" cy="0"/>
-          <a:chOff x="0" y="0"/>
-          <a:chExt cx="0" cy="0"/>
-        </a:xfrm>
-      </p:grpSpPr>
-      <p:sp>
-        <p:nvSpPr>
-          <p:cNvPr id="215" name="Shape 215"/>
-          <p:cNvSpPr txBox="1">
-            <a:spLocks noGrp="1"/>
-          </p:cNvSpPr>
-          <p:nvPr>
-            <p:ph type="title"/>
-          </p:nvPr>
-        </p:nvSpPr>
-        <p:spPr>
-          <a:prstGeom prst="rect">
-            <a:avLst/>
-          </a:prstGeom>
-        </p:spPr>
-        <p:txBody>
-          <a:bodyPr lIns="91425" tIns="91425" rIns="91425" bIns="91425" anchor="b" anchorCtr="0">
-            <a:noAutofit/>
-          </a:bodyPr>
-          <a:lstStyle/>
-          <a:p>
-            <a:pPr>
-              <a:spcBef>
-                <a:spcPts val="0"/>
-              </a:spcBef>
-              <a:buNone/>
-            </a:pPr>
-            <a:r>
-              <a:rPr lang="en" dirty="0" smtClean="0"/>
-              <a:t>General best </a:t>
-            </a:r>
-            <a:r>
-              <a:rPr lang="en" dirty="0"/>
-              <a:t>practices</a:t>
-            </a:r>
-          </a:p>
-        </p:txBody>
-      </p:sp>
-      <p:sp>
-        <p:nvSpPr>
-          <p:cNvPr id="216" name="Shape 216"/>
-          <p:cNvSpPr txBox="1">
-            <a:spLocks noGrp="1"/>
-          </p:cNvSpPr>
-          <p:nvPr>
-            <p:ph type="body" idx="1"/>
-          </p:nvPr>
-        </p:nvSpPr>
-        <p:spPr>
-          <a:xfrm>
-            <a:off x="457200" y="1600199"/>
-            <a:ext cx="8229600" cy="5133109"/>
-          </a:xfrm>
-          <a:prstGeom prst="rect">
-            <a:avLst/>
-          </a:prstGeom>
-        </p:spPr>
-        <p:txBody>
-          <a:bodyPr lIns="91425" tIns="91425" rIns="91425" bIns="91425" anchor="t" anchorCtr="0">
-            <a:noAutofit/>
-          </a:bodyPr>
-          <a:lstStyle/>
-          <a:p>
-            <a:r>
-              <a:rPr lang="en-GB" dirty="0" smtClean="0"/>
-              <a:t>When lab testing, ensure you test your experiment in there 24 hours before</a:t>
-            </a:r>
-            <a:br>
-              <a:rPr lang="en-GB" dirty="0" smtClean="0"/>
-            </a:br>
-            <a:endParaRPr lang="en-GB" dirty="0" smtClean="0"/>
-          </a:p>
-          <a:p>
-            <a:r>
-              <a:rPr lang="en-GB" dirty="0" smtClean="0"/>
-              <a:t>Label your routines/loops and components clearly</a:t>
-            </a:r>
-            <a:br>
-              <a:rPr lang="en-GB" dirty="0" smtClean="0"/>
-            </a:br>
-            <a:endParaRPr lang="en-GB" dirty="0" smtClean="0"/>
-          </a:p>
-          <a:p>
-            <a:r>
-              <a:rPr lang="en-GB" dirty="0" smtClean="0"/>
-              <a:t>Make regular backups!!</a:t>
-            </a:r>
-            <a:br>
-              <a:rPr lang="en-GB" dirty="0" smtClean="0"/>
-            </a:br>
-            <a:endParaRPr lang="en-GB" dirty="0" smtClean="0"/>
-          </a:p>
-          <a:p>
-            <a:pPr lvl="1">
-              <a:buFont typeface="Courier New" panose="02070309020205020404" pitchFamily="49" charset="0"/>
-              <a:buChar char="o"/>
-            </a:pPr>
-            <a:r>
-              <a:rPr lang="en-GB" dirty="0" smtClean="0"/>
-              <a:t>We cannot stress this enough!</a:t>
-            </a:r>
-          </a:p>
-          <a:p>
-            <a:pPr lvl="1">
-              <a:buFont typeface="Courier New" panose="02070309020205020404" pitchFamily="49" charset="0"/>
-              <a:buChar char="o"/>
-            </a:pPr>
-            <a:r>
-              <a:rPr lang="en-GB" dirty="0" smtClean="0"/>
-              <a:t>Don’t just rely on USB sticks (can be unreliable)</a:t>
-            </a:r>
-            <a:br>
-              <a:rPr lang="en-GB" dirty="0" smtClean="0"/>
-            </a:br>
-            <a:endParaRPr lang="en-GB" dirty="0" smtClean="0"/>
-          </a:p>
-          <a:p>
-            <a:r>
-              <a:rPr lang="en-GB" dirty="0" smtClean="0"/>
-              <a:t>Check your data output and ensure its solid</a:t>
-            </a:r>
-          </a:p>
-          <a:p>
-            <a:pPr lvl="1">
-              <a:buFont typeface="Courier New" panose="02070309020205020404" pitchFamily="49" charset="0"/>
-              <a:buChar char="o"/>
-            </a:pPr>
-            <a:r>
-              <a:rPr lang="en-GB" dirty="0" smtClean="0"/>
-              <a:t>Make sure you are saving ALL the data you need for your analysis</a:t>
-            </a:r>
-          </a:p>
-          <a:p>
-            <a:pPr>
-              <a:buFont typeface="Courier New" panose="02070309020205020404" pitchFamily="49" charset="0"/>
-              <a:buChar char="o"/>
-            </a:pPr>
-            <a:endParaRPr lang="en" dirty="0" smtClean="0"/>
-          </a:p>
-          <a:p>
-            <a:pPr marL="38100" lvl="0" indent="0" rtl="0">
-              <a:spcBef>
-                <a:spcPts val="0"/>
-              </a:spcBef>
-              <a:buClr>
-                <a:schemeClr val="dk1"/>
-              </a:buClr>
-              <a:buSzPct val="100000"/>
-              <a:buNone/>
-            </a:pPr>
-            <a:endParaRPr lang="en" dirty="0"/>
-          </a:p>
-        </p:txBody>
-      </p:sp>
-    </p:spTree>
-    <p:extLst>
-      <p:ext uri="{BB962C8B-B14F-4D97-AF65-F5344CB8AC3E}">
-        <p14:creationId xmlns:p14="http://schemas.microsoft.com/office/powerpoint/2010/main" val="21514548"/>
-      </p:ext>
-    </p:extLst>
-  </p:cSld>
-  <p:clrMapOvr>
-    <a:masterClrMapping/>
-  </p:clrMapOvr>
-  <p:transition spd="slow">
-    <p:cut/>
-  </p:transition>
-  <p:timing>
-    <p:tnLst>
-      <p:par>
-        <p:cTn id="1" dur="indefinite" restart="never" nodeType="tmRoot"/>
-      </p:par>
-    </p:tnLst>
-  </p:timing>
-</p:sld>
-</file>
-
-<file path=ppt/slides/slide3.xml><?xml version="1.0" encoding="utf-8"?>
-<p:sld xmlns:a="http://schemas.openxmlformats.org/drawingml/2006/main" xmlns:r="http://schemas.openxmlformats.org/officeDocument/2006/relationships" xmlns:p="http://schemas.openxmlformats.org/presentationml/2006/main">
-  <p:cSld>
-    <p:spTree>
-      <p:nvGrpSpPr>
-        <p:cNvPr id="1" name=""/>
-        <p:cNvGrpSpPr/>
-        <p:nvPr/>
-      </p:nvGrpSpPr>
-      <p:grpSpPr>
-        <a:xfrm>
-          <a:off x="0" y="0"/>
-          <a:ext cx="0" cy="0"/>
-          <a:chOff x="0" y="0"/>
-          <a:chExt cx="0" cy="0"/>
-        </a:xfrm>
-      </p:grpSpPr>
-      <p:sp>
-        <p:nvSpPr>
-          <p:cNvPr id="2" name="Title 1"/>
-          <p:cNvSpPr>
-            <a:spLocks noGrp="1"/>
-          </p:cNvSpPr>
-          <p:nvPr>
-            <p:ph type="title"/>
-          </p:nvPr>
-        </p:nvSpPr>
-        <p:spPr/>
-        <p:txBody>
-          <a:bodyPr/>
-          <a:lstStyle/>
-          <a:p>
-            <a:r>
-              <a:rPr lang="en-GB" dirty="0" smtClean="0"/>
-              <a:t>Learning outcomes from training</a:t>
-            </a:r>
-            <a:endParaRPr lang="en-US" dirty="0"/>
-          </a:p>
-        </p:txBody>
-      </p:sp>
-      <p:sp>
-        <p:nvSpPr>
-          <p:cNvPr id="3" name="Text Placeholder 2"/>
-          <p:cNvSpPr>
-            <a:spLocks noGrp="1"/>
-          </p:cNvSpPr>
-          <p:nvPr>
-            <p:ph type="body" idx="1"/>
-          </p:nvPr>
-        </p:nvSpPr>
-        <p:spPr/>
-        <p:txBody>
-          <a:bodyPr>
-            <a:normAutofit/>
-          </a:bodyPr>
-          <a:lstStyle/>
-          <a:p>
-            <a:pPr marL="0" indent="0">
-              <a:buNone/>
-            </a:pPr>
-            <a:r>
-              <a:rPr lang="en-US" b="1" dirty="0"/>
-              <a:t>At the end of this session you will be familiar with:</a:t>
-            </a:r>
-          </a:p>
-          <a:p>
-            <a:pPr marL="0" indent="0">
-              <a:buNone/>
-            </a:pPr>
-            <a:endParaRPr lang="en-US" dirty="0"/>
-          </a:p>
-          <a:p>
-            <a:r>
-              <a:rPr lang="en-US" dirty="0"/>
-              <a:t>What </a:t>
-            </a:r>
-            <a:r>
-              <a:rPr lang="en-US" dirty="0" err="1"/>
-              <a:t>PsychoPy</a:t>
-            </a:r>
-            <a:r>
-              <a:rPr lang="en-US" dirty="0"/>
-              <a:t> and some similar applications can be used for.</a:t>
-            </a:r>
-          </a:p>
-          <a:p>
-            <a:r>
-              <a:rPr lang="en-US" dirty="0"/>
-              <a:t>The </a:t>
-            </a:r>
-            <a:r>
-              <a:rPr lang="en-US" dirty="0" err="1"/>
-              <a:t>PsychoPy</a:t>
-            </a:r>
-            <a:r>
-              <a:rPr lang="en-US" dirty="0"/>
-              <a:t> programming environment</a:t>
-            </a:r>
-          </a:p>
-          <a:p>
-            <a:r>
-              <a:rPr lang="en-US" dirty="0"/>
-              <a:t>The flow of an </a:t>
-            </a:r>
-            <a:r>
-              <a:rPr lang="en-US" dirty="0" err="1"/>
-              <a:t>PsychoPy</a:t>
-            </a:r>
-            <a:r>
-              <a:rPr lang="en-US" dirty="0"/>
-              <a:t> experiment</a:t>
-            </a:r>
-          </a:p>
-          <a:p>
-            <a:r>
-              <a:rPr lang="en-US" dirty="0"/>
-              <a:t>The display objects and their response objects</a:t>
-            </a:r>
-          </a:p>
-          <a:p>
-            <a:r>
-              <a:rPr lang="en-US" dirty="0"/>
-              <a:t>Routines and Loops</a:t>
-            </a:r>
-          </a:p>
-          <a:p>
-            <a:pPr lvl="1"/>
-            <a:endParaRPr lang="en-US" dirty="0"/>
-          </a:p>
-          <a:p>
-            <a:pPr marL="0" indent="0">
-              <a:buNone/>
-            </a:pPr>
-            <a:r>
-              <a:rPr lang="en-US" b="1" dirty="0"/>
-              <a:t>At the end of the session you will be able to:</a:t>
-            </a:r>
-          </a:p>
-          <a:p>
-            <a:pPr marL="0" indent="0">
-              <a:buNone/>
-            </a:pPr>
-            <a:endParaRPr lang="en-US" dirty="0"/>
-          </a:p>
-          <a:p>
-            <a:r>
-              <a:rPr lang="en-GB" dirty="0"/>
-              <a:t>Get yourself around the </a:t>
-            </a:r>
-            <a:r>
-              <a:rPr lang="en-GB" dirty="0" err="1"/>
-              <a:t>PsychoPy</a:t>
-            </a:r>
-            <a:r>
-              <a:rPr lang="en-GB" dirty="0"/>
-              <a:t> basic interface</a:t>
-            </a:r>
-          </a:p>
-          <a:p>
-            <a:r>
-              <a:rPr lang="en-GB" dirty="0"/>
-              <a:t>Run experiments</a:t>
-            </a:r>
-            <a:endParaRPr lang="en-US" dirty="0"/>
-          </a:p>
-          <a:p>
-            <a:r>
-              <a:rPr lang="en-US" dirty="0"/>
-              <a:t>Do basic editing on a pre-existing experiment</a:t>
-            </a:r>
-          </a:p>
-          <a:p>
-            <a:r>
-              <a:rPr lang="en-GB" dirty="0"/>
-              <a:t>Be prepared for the next session</a:t>
-            </a:r>
-            <a:endParaRPr lang="en-US" dirty="0"/>
-          </a:p>
-          <a:p>
-            <a:endParaRPr lang="en-US" dirty="0" smtClean="0"/>
-          </a:p>
-          <a:p>
-            <a:pPr lvl="1"/>
-            <a:endParaRPr lang="en-US" dirty="0"/>
-          </a:p>
-          <a:p>
-            <a:pPr lvl="1"/>
-            <a:endParaRPr lang="en-US" dirty="0"/>
-          </a:p>
-        </p:txBody>
-      </p:sp>
-    </p:spTree>
-    <p:extLst>
-      <p:ext uri="{BB962C8B-B14F-4D97-AF65-F5344CB8AC3E}">
-        <p14:creationId xmlns:p14="http://schemas.microsoft.com/office/powerpoint/2010/main" val="4197931780"/>
-      </p:ext>
-    </p:extLst>
-  </p:cSld>
-  <p:clrMapOvr>
-    <a:masterClrMapping/>
-  </p:clrMapOvr>
-  <p:timing>
-    <p:tnLst>
-      <p:par>
-        <p:cTn id="1" dur="indefinite" restart="never" nodeType="tmRoot"/>
-      </p:par>
-    </p:tnLst>
-  </p:timing>
-</p:sld>
-</file>
-
-<file path=ppt/slides/slide30.xml><?xml version="1.0" encoding="utf-8"?>
-<p:sld xmlns:a="http://schemas.openxmlformats.org/drawingml/2006/main" xmlns:r="http://schemas.openxmlformats.org/officeDocument/2006/relationships" xmlns:p="http://schemas.openxmlformats.org/presentationml/2006/main">
-  <p:cSld>
-    <p:spTree>
-      <p:nvGrpSpPr>
-        <p:cNvPr id="1" name="Shape 244"/>
-        <p:cNvGrpSpPr/>
-        <p:nvPr/>
-      </p:nvGrpSpPr>
-      <p:grpSpPr>
-        <a:xfrm>
-          <a:off x="0" y="0"/>
-          <a:ext cx="0" cy="0"/>
-          <a:chOff x="0" y="0"/>
-          <a:chExt cx="0" cy="0"/>
-        </a:xfrm>
-      </p:grpSpPr>
-      <p:sp>
-        <p:nvSpPr>
-          <p:cNvPr id="245" name="Shape 245"/>
-          <p:cNvSpPr txBox="1">
-            <a:spLocks noGrp="1"/>
-          </p:cNvSpPr>
-          <p:nvPr>
-            <p:ph type="title"/>
-          </p:nvPr>
-        </p:nvSpPr>
-        <p:spPr>
-          <a:prstGeom prst="rect">
-            <a:avLst/>
-          </a:prstGeom>
-        </p:spPr>
-        <p:txBody>
-          <a:bodyPr lIns="91425" tIns="91425" rIns="91425" bIns="91425" anchor="b" anchorCtr="0">
-            <a:noAutofit/>
-          </a:bodyPr>
-          <a:lstStyle/>
-          <a:p>
-            <a:pPr lvl="0" rtl="0">
-              <a:spcBef>
-                <a:spcPts val="0"/>
-              </a:spcBef>
-              <a:buNone/>
-            </a:pPr>
-            <a:r>
-              <a:rPr lang="en" dirty="0" smtClean="0"/>
-              <a:t>Where can I get extra help?</a:t>
-            </a:r>
-            <a:endParaRPr lang="en" dirty="0"/>
-          </a:p>
-        </p:txBody>
-      </p:sp>
-      <p:sp>
-        <p:nvSpPr>
-          <p:cNvPr id="246" name="Shape 246"/>
-          <p:cNvSpPr txBox="1">
-            <a:spLocks noGrp="1"/>
-          </p:cNvSpPr>
-          <p:nvPr>
-            <p:ph type="body" idx="1"/>
-          </p:nvPr>
-        </p:nvSpPr>
-        <p:spPr>
-          <a:prstGeom prst="rect">
-            <a:avLst/>
-          </a:prstGeom>
-        </p:spPr>
-        <p:txBody>
-          <a:bodyPr lIns="91425" tIns="91425" rIns="91425" bIns="91425" anchor="t" anchorCtr="0">
-            <a:noAutofit/>
-          </a:bodyPr>
-          <a:lstStyle/>
-          <a:p>
-            <a:r>
-              <a:rPr lang="en-GB" b="1" dirty="0" err="1" smtClean="0"/>
-              <a:t>PsychoPy</a:t>
-            </a:r>
-            <a:r>
-              <a:rPr lang="en-GB" b="1" dirty="0" smtClean="0"/>
-              <a:t>:</a:t>
-            </a:r>
-          </a:p>
-          <a:p>
-            <a:pPr lvl="1">
-              <a:buFont typeface="Courier New" panose="02070309020205020404" pitchFamily="49" charset="0"/>
-              <a:buChar char="o"/>
-            </a:pPr>
-            <a:r>
-              <a:rPr lang="en-GB" sz="1800" dirty="0" err="1" smtClean="0"/>
-              <a:t>PsychoPy</a:t>
-            </a:r>
-            <a:r>
-              <a:rPr lang="en-GB" sz="1800" dirty="0" smtClean="0"/>
-              <a:t> built-in HELP</a:t>
-            </a:r>
-          </a:p>
-          <a:p>
-            <a:pPr lvl="2">
-              <a:buFont typeface="Courier New" panose="02070309020205020404" pitchFamily="49" charset="0"/>
-              <a:buChar char="o"/>
-            </a:pPr>
-            <a:r>
-              <a:rPr lang="en-GB" sz="1800" dirty="0" smtClean="0"/>
-              <a:t>Remember, there are separate help sections for Builder and Coder!</a:t>
-            </a:r>
-          </a:p>
-          <a:p>
-            <a:pPr lvl="1">
-              <a:buFont typeface="Courier New" panose="02070309020205020404" pitchFamily="49" charset="0"/>
-              <a:buChar char="o"/>
-            </a:pPr>
-            <a:r>
-              <a:rPr lang="en-GB" sz="1800" dirty="0" err="1" smtClean="0"/>
-              <a:t>PsychoPy</a:t>
-            </a:r>
-            <a:r>
-              <a:rPr lang="en-GB" sz="1800" dirty="0" smtClean="0"/>
-              <a:t> website – </a:t>
-            </a:r>
-            <a:r>
-              <a:rPr lang="en-GB" sz="1800" u="sng" dirty="0" smtClean="0">
-                <a:solidFill>
-                  <a:schemeClr val="accent1">
-                    <a:lumMod val="60000"/>
-                    <a:lumOff val="40000"/>
-                  </a:schemeClr>
-                </a:solidFill>
-              </a:rPr>
-              <a:t>http://www.psychopy.org/index.html</a:t>
-            </a:r>
-          </a:p>
-          <a:p>
-            <a:pPr lvl="1">
-              <a:buFont typeface="Courier New" panose="02070309020205020404" pitchFamily="49" charset="0"/>
-              <a:buChar char="o"/>
-            </a:pPr>
-            <a:r>
-              <a:rPr lang="en-GB" sz="1800" b="1" dirty="0" err="1" smtClean="0"/>
-              <a:t>PsychoPy</a:t>
-            </a:r>
-            <a:r>
-              <a:rPr lang="en-GB" sz="1800" b="1" dirty="0"/>
-              <a:t> </a:t>
-            </a:r>
-            <a:r>
-              <a:rPr lang="en-GB" sz="1800" b="1" dirty="0" smtClean="0"/>
-              <a:t>discourse </a:t>
-            </a:r>
-            <a:r>
-              <a:rPr lang="en-GB" sz="1800" dirty="0" smtClean="0"/>
-              <a:t>(Main support forum) </a:t>
-            </a:r>
-            <a:r>
-              <a:rPr lang="en-GB" sz="1800" dirty="0"/>
-              <a:t>- </a:t>
-            </a:r>
-            <a:r>
-              <a:rPr lang="en-GB" sz="1800" u="sng" dirty="0">
-                <a:solidFill>
-                  <a:schemeClr val="accent1">
-                    <a:lumMod val="60000"/>
-                    <a:lumOff val="40000"/>
-                  </a:schemeClr>
-                </a:solidFill>
-              </a:rPr>
-              <a:t>http://discourse.psychopy.org</a:t>
-            </a:r>
-            <a:r>
-              <a:rPr lang="en-GB" sz="1800" u="sng" dirty="0" smtClean="0">
-                <a:solidFill>
-                  <a:schemeClr val="accent1">
-                    <a:lumMod val="60000"/>
-                    <a:lumOff val="40000"/>
-                  </a:schemeClr>
-                </a:solidFill>
-              </a:rPr>
-              <a:t>/</a:t>
-            </a:r>
-          </a:p>
-          <a:p>
-            <a:pPr lvl="1">
-              <a:buFont typeface="Courier New" panose="02070309020205020404" pitchFamily="49" charset="0"/>
-              <a:buChar char="o"/>
-            </a:pPr>
-            <a:r>
-              <a:rPr lang="en-GB" sz="1800" dirty="0" smtClean="0"/>
-              <a:t>Google groups forum (mostly replaced by Discourse site) – </a:t>
-            </a:r>
-            <a:r>
-              <a:rPr lang="en-GB" sz="1800" u="sng" dirty="0" smtClean="0">
-                <a:solidFill>
-                  <a:schemeClr val="accent1">
-                    <a:lumMod val="60000"/>
-                    <a:lumOff val="40000"/>
-                  </a:schemeClr>
-                </a:solidFill>
-              </a:rPr>
-              <a:t>https://groups.google.com/forum/#!forum/psychopy-users</a:t>
-            </a:r>
-          </a:p>
-          <a:p>
-            <a:pPr lvl="1">
-              <a:buFont typeface="Courier New" panose="02070309020205020404" pitchFamily="49" charset="0"/>
-              <a:buChar char="o"/>
-            </a:pPr>
-            <a:r>
-              <a:rPr lang="en-GB" sz="1800" dirty="0"/>
-              <a:t>Pre-made scripts by us - </a:t>
-            </a:r>
-            <a:r>
-              <a:rPr lang="en-GB" sz="1800" u="sng" dirty="0">
-                <a:solidFill>
-                  <a:schemeClr val="accent1">
-                    <a:lumMod val="60000"/>
-                    <a:lumOff val="40000"/>
-                  </a:schemeClr>
-                </a:solidFill>
-              </a:rPr>
-              <a:t>http://</a:t>
-            </a:r>
-            <a:r>
-              <a:rPr lang="en-GB" sz="1800" u="sng" dirty="0" smtClean="0">
-                <a:solidFill>
-                  <a:schemeClr val="accent1">
-                    <a:lumMod val="60000"/>
-                    <a:lumOff val="40000"/>
-                  </a:schemeClr>
-                </a:solidFill>
-              </a:rPr>
-              <a:t>www.kent.ac.uk/psychology/technical/experiments.html</a:t>
-            </a:r>
-          </a:p>
-          <a:p>
-            <a:r>
-              <a:rPr lang="en-GB" b="1" dirty="0" smtClean="0"/>
-              <a:t>Python:</a:t>
-            </a:r>
-          </a:p>
-          <a:p>
-            <a:pPr lvl="1">
-              <a:buFont typeface="Courier New" panose="02070309020205020404" pitchFamily="49" charset="0"/>
-              <a:buChar char="o"/>
-            </a:pPr>
-            <a:r>
-              <a:rPr lang="en-GB" sz="1800" u="sng" dirty="0" smtClean="0">
-                <a:solidFill>
-                  <a:schemeClr val="accent1">
-                    <a:lumMod val="60000"/>
-                    <a:lumOff val="40000"/>
-                  </a:schemeClr>
-                </a:solidFill>
-              </a:rPr>
-              <a:t>http://www.python.org/doc/</a:t>
-            </a:r>
-          </a:p>
-          <a:p>
-            <a:pPr lvl="1">
-              <a:buFont typeface="Courier New" panose="02070309020205020404" pitchFamily="49" charset="0"/>
-              <a:buChar char="o"/>
-            </a:pPr>
-            <a:r>
-              <a:rPr lang="en-GB" sz="1800" dirty="0" smtClean="0"/>
-              <a:t>Google is your friend!</a:t>
-            </a:r>
-          </a:p>
-          <a:p>
-            <a:r>
-              <a:rPr lang="en-GB" b="1" dirty="0" smtClean="0"/>
-              <a:t>Anything else:</a:t>
-            </a:r>
-          </a:p>
-          <a:p>
-            <a:pPr lvl="1">
-              <a:buFont typeface="Courier New" panose="02070309020205020404" pitchFamily="49" charset="0"/>
-              <a:buChar char="o"/>
-            </a:pPr>
-            <a:r>
-              <a:rPr lang="en-GB" sz="1800" dirty="0" smtClean="0"/>
-              <a:t>Psychology Technical Team (A1.2 or A1.6)</a:t>
-            </a:r>
-          </a:p>
-          <a:p>
-            <a:pPr lvl="1">
-              <a:buFont typeface="Courier New" panose="02070309020205020404" pitchFamily="49" charset="0"/>
-              <a:buChar char="o"/>
-            </a:pPr>
-            <a:r>
-              <a:rPr lang="en-GB" sz="1800" dirty="0" smtClean="0"/>
-              <a:t>Check out FAQ handout in the directory (will grow over time)</a:t>
-            </a:r>
-          </a:p>
-        </p:txBody>
-      </p:sp>
-    </p:spTree>
-    <p:extLst>
-      <p:ext uri="{BB962C8B-B14F-4D97-AF65-F5344CB8AC3E}">
-        <p14:creationId xmlns:p14="http://schemas.microsoft.com/office/powerpoint/2010/main" val="2981415602"/>
-      </p:ext>
-    </p:extLst>
-  </p:cSld>
-  <p:clrMapOvr>
-    <a:masterClrMapping/>
-  </p:clrMapOvr>
-  <p:transition spd="slow">
-    <p:cut/>
-  </p:transition>
-  <p:timing>
-    <p:tnLst>
-      <p:par>
-        <p:cTn id="1" dur="indefinite" restart="never" nodeType="tmRoot"/>
-      </p:par>
-    </p:tnLst>
-  </p:timing>
-</p:sld>
-</file>
-
 <file path=ppt/slides/slide31.xml><?xml version="1.0" encoding="utf-8"?>
 <p:sld xmlns:a="http://schemas.openxmlformats.org/drawingml/2006/main" xmlns:r="http://schemas.openxmlformats.org/officeDocument/2006/relationships" xmlns:p="http://schemas.openxmlformats.org/presentationml/2006/main">
   <p:cSld>
@@ -17158,65 +17062,14 @@
         </p:nvSpPr>
         <p:spPr/>
         <p:txBody>
-          <a:bodyPr>
-            <a:normAutofit fontScale="90000"/>
-          </a:bodyPr>
+          <a:bodyPr/>
           <a:lstStyle/>
           <a:p>
             <a:r>
               <a:rPr lang="en-GB" dirty="0" smtClean="0"/>
-              <a:t>Exercise 3</a:t>
-            </a:r>
-            <a:br>
-              <a:rPr lang="en-GB" dirty="0" smtClean="0"/>
-            </a:br>
-            <a:r>
-              <a:rPr lang="en-GB" dirty="0" smtClean="0">
-                <a:solidFill>
-                  <a:schemeClr val="accent1">
-                    <a:lumMod val="50000"/>
-                  </a:schemeClr>
-                </a:solidFill>
-              </a:rPr>
-              <a:t>Turn </a:t>
-            </a:r>
-            <a:r>
-              <a:rPr lang="en-GB" dirty="0" err="1" smtClean="0">
-                <a:solidFill>
-                  <a:schemeClr val="accent1">
-                    <a:lumMod val="50000"/>
-                  </a:schemeClr>
-                </a:solidFill>
-              </a:rPr>
-              <a:t>stroop</a:t>
-            </a:r>
-            <a:r>
-              <a:rPr lang="en-GB" dirty="0" smtClean="0">
-                <a:solidFill>
-                  <a:schemeClr val="accent1">
-                    <a:lumMod val="50000"/>
-                  </a:schemeClr>
-                </a:solidFill>
-              </a:rPr>
-              <a:t> into a Picture based </a:t>
-            </a:r>
-            <a:r>
-              <a:rPr lang="en-GB" dirty="0" err="1" smtClean="0">
-                <a:solidFill>
-                  <a:schemeClr val="accent1">
-                    <a:lumMod val="50000"/>
-                  </a:schemeClr>
-                </a:solidFill>
-              </a:rPr>
-              <a:t>stroop</a:t>
-            </a:r>
-            <a:endParaRPr lang="en-US" dirty="0">
-              <a:solidFill>
-                <a:schemeClr val="accent1">
-                  <a:lumMod val="50000"/>
-                </a:schemeClr>
-              </a:solidFill>
-            </a:endParaRPr>
+              <a:t>Nested loops and lists</a:t>
+            </a:r>
+            <a:endParaRPr lang="en-US" dirty="0"/>
           </a:p>
         </p:txBody>
       </p:sp>
@@ -17235,244 +17088,550 @@
           <a:bodyPr/>
           <a:lstStyle/>
           <a:p>
+            <a:r>
+              <a:rPr lang="en-GB" dirty="0" smtClean="0"/>
+              <a:t>Useful for randomising order of blocks (outer level)</a:t>
+            </a:r>
+          </a:p>
+          <a:p>
+            <a:endParaRPr lang="en-GB" dirty="0"/>
+          </a:p>
+          <a:p>
+            <a:endParaRPr lang="en-GB" dirty="0" smtClean="0"/>
+          </a:p>
+          <a:p>
+            <a:endParaRPr lang="en-GB" dirty="0"/>
+          </a:p>
+          <a:p>
+            <a:endParaRPr lang="en-GB" dirty="0" smtClean="0"/>
+          </a:p>
+          <a:p>
+            <a:endParaRPr lang="en-GB" dirty="0"/>
+          </a:p>
+          <a:p>
             <a:pPr marL="0" indent="0">
               <a:buNone/>
             </a:pPr>
+            <a:endParaRPr lang="en-GB" dirty="0" smtClean="0"/>
+          </a:p>
+          <a:p>
+            <a:endParaRPr lang="en-GB" dirty="0"/>
+          </a:p>
+          <a:p>
+            <a:pPr marL="0" indent="0">
+              <a:buNone/>
+            </a:pPr>
+            <a:endParaRPr lang="en-GB" dirty="0" smtClean="0"/>
+          </a:p>
+          <a:p>
+            <a:pPr marL="0" indent="0">
+              <a:buNone/>
+            </a:pPr>
+            <a:endParaRPr lang="en-GB" dirty="0"/>
+          </a:p>
+          <a:p>
+            <a:pPr marL="0" indent="0">
+              <a:buNone/>
+            </a:pPr>
+            <a:endParaRPr lang="en-GB" dirty="0" smtClean="0"/>
+          </a:p>
+          <a:p>
+            <a:pPr marL="0" indent="0">
+              <a:buNone/>
+            </a:pPr>
+            <a:endParaRPr lang="en-GB" dirty="0" smtClean="0"/>
+          </a:p>
+        </p:txBody>
+      </p:sp>
+      <p:pic>
+        <p:nvPicPr>
+          <p:cNvPr id="4" name="Picture 3"/>
+          <p:cNvPicPr>
+            <a:picLocks noChangeAspect="1"/>
+          </p:cNvPicPr>
+          <p:nvPr/>
+        </p:nvPicPr>
+        <p:blipFill>
+          <a:blip r:embed="rId2">
+            <a:extLst>
+              <a:ext uri="{28A0092B-C50C-407E-A947-70E740481C1C}">
+                <a14:useLocalDpi xmlns:a14="http://schemas.microsoft.com/office/drawing/2010/main" val="0"/>
+              </a:ext>
+            </a:extLst>
+          </a:blip>
+          <a:stretch>
+            <a:fillRect/>
+          </a:stretch>
+        </p:blipFill>
+        <p:spPr>
+          <a:xfrm>
+            <a:off x="1572662" y="2978109"/>
+            <a:ext cx="4934262" cy="1321839"/>
+          </a:xfrm>
+          <a:prstGeom prst="rect">
+            <a:avLst/>
+          </a:prstGeom>
+        </p:spPr>
+      </p:pic>
+      <p:cxnSp>
+        <p:nvCxnSpPr>
+          <p:cNvPr id="6" name="Straight Arrow Connector 5"/>
+          <p:cNvCxnSpPr/>
+          <p:nvPr/>
+        </p:nvCxnSpPr>
+        <p:spPr>
+          <a:xfrm flipV="1">
+            <a:off x="3121051" y="4084051"/>
+            <a:ext cx="649904" cy="646647"/>
+          </a:xfrm>
+          <a:prstGeom prst="straightConnector1">
+            <a:avLst/>
+          </a:prstGeom>
+          <a:ln>
+            <a:tailEnd type="triangle"/>
+          </a:ln>
+        </p:spPr>
+        <p:style>
+          <a:lnRef idx="1">
+            <a:schemeClr val="accent1"/>
+          </a:lnRef>
+          <a:fillRef idx="0">
+            <a:schemeClr val="accent1"/>
+          </a:fillRef>
+          <a:effectRef idx="0">
+            <a:schemeClr val="accent1"/>
+          </a:effectRef>
+          <a:fontRef idx="minor">
+            <a:schemeClr val="tx1"/>
+          </a:fontRef>
+        </p:style>
+      </p:cxnSp>
+      <p:cxnSp>
+        <p:nvCxnSpPr>
+          <p:cNvPr id="10" name="Straight Arrow Connector 9"/>
+          <p:cNvCxnSpPr/>
+          <p:nvPr/>
+        </p:nvCxnSpPr>
+        <p:spPr>
+          <a:xfrm flipH="1" flipV="1">
+            <a:off x="4390632" y="3846526"/>
+            <a:ext cx="717116" cy="884172"/>
+          </a:xfrm>
+          <a:prstGeom prst="straightConnector1">
+            <a:avLst/>
+          </a:prstGeom>
+          <a:ln>
+            <a:tailEnd type="triangle"/>
+          </a:ln>
+        </p:spPr>
+        <p:style>
+          <a:lnRef idx="1">
+            <a:schemeClr val="accent1"/>
+          </a:lnRef>
+          <a:fillRef idx="0">
+            <a:schemeClr val="accent1"/>
+          </a:fillRef>
+          <a:effectRef idx="0">
+            <a:schemeClr val="accent1"/>
+          </a:effectRef>
+          <a:fontRef idx="minor">
+            <a:schemeClr val="tx1"/>
+          </a:fontRef>
+        </p:style>
+      </p:cxnSp>
+      <p:sp>
+        <p:nvSpPr>
+          <p:cNvPr id="13" name="TextBox 12"/>
+          <p:cNvSpPr txBox="1"/>
+          <p:nvPr/>
+        </p:nvSpPr>
+        <p:spPr>
+          <a:xfrm>
+            <a:off x="6370572" y="6612397"/>
+            <a:ext cx="184731" cy="369332"/>
+          </a:xfrm>
+          <a:prstGeom prst="rect">
+            <a:avLst/>
+          </a:prstGeom>
+          <a:noFill/>
+        </p:spPr>
+        <p:txBody>
+          <a:bodyPr wrap="none" rtlCol="0">
+            <a:spAutoFit/>
+          </a:bodyPr>
+          <a:lstStyle/>
+          <a:p>
+            <a:endParaRPr lang="en-US" dirty="0"/>
+          </a:p>
+        </p:txBody>
+      </p:sp>
+      <p:sp>
+        <p:nvSpPr>
+          <p:cNvPr id="14" name="TextBox 13"/>
+          <p:cNvSpPr txBox="1"/>
+          <p:nvPr/>
+        </p:nvSpPr>
+        <p:spPr>
+          <a:xfrm>
+            <a:off x="2443622" y="4730698"/>
+            <a:ext cx="1446230" cy="646331"/>
+          </a:xfrm>
+          <a:prstGeom prst="rect">
+            <a:avLst/>
+          </a:prstGeom>
+          <a:noFill/>
+        </p:spPr>
+        <p:txBody>
+          <a:bodyPr wrap="none" rtlCol="0">
+            <a:spAutoFit/>
+          </a:bodyPr>
+          <a:lstStyle/>
+          <a:p>
             <a:r>
               <a:rPr lang="en-GB" dirty="0" smtClean="0"/>
-              <a:t>Simply add images to the </a:t>
-            </a:r>
-            <a:r>
-              <a:rPr lang="en-GB" dirty="0" err="1" smtClean="0"/>
-              <a:t>stroop</a:t>
-            </a:r>
+              <a:t>Outer loop </a:t>
+            </a:r>
+          </a:p>
+          <a:p>
+            <a:r>
+              <a:rPr lang="en-GB" dirty="0" smtClean="0">
+                <a:solidFill>
+                  <a:schemeClr val="bg1">
+                    <a:lumMod val="50000"/>
+                  </a:schemeClr>
+                </a:solidFill>
+              </a:rPr>
+              <a:t>(Starts first)</a:t>
+            </a:r>
+            <a:endParaRPr lang="en-US" dirty="0">
+              <a:solidFill>
+                <a:schemeClr val="bg1">
+                  <a:lumMod val="50000"/>
+                </a:schemeClr>
+              </a:solidFill>
+            </a:endParaRPr>
+          </a:p>
+        </p:txBody>
+      </p:sp>
+      <p:sp>
+        <p:nvSpPr>
+          <p:cNvPr id="15" name="TextBox 14"/>
+          <p:cNvSpPr txBox="1"/>
+          <p:nvPr/>
+        </p:nvSpPr>
+        <p:spPr>
+          <a:xfrm>
+            <a:off x="4430044" y="4730697"/>
+            <a:ext cx="2752677" cy="923330"/>
+          </a:xfrm>
+          <a:prstGeom prst="rect">
+            <a:avLst/>
+          </a:prstGeom>
+          <a:noFill/>
+        </p:spPr>
+        <p:txBody>
+          <a:bodyPr wrap="none" rtlCol="0">
+            <a:spAutoFit/>
+          </a:bodyPr>
+          <a:lstStyle/>
+          <a:p>
             <a:r>
               <a:rPr lang="en-GB" dirty="0" smtClean="0"/>
-              <a:t> trials as a distractor.</a:t>
-            </a:r>
-          </a:p>
-          <a:p>
-            <a:pPr marL="0" indent="0">
-              <a:buNone/>
-            </a:pPr>
-            <a:endParaRPr lang="en-GB" dirty="0" smtClean="0"/>
-          </a:p>
-          <a:p>
-            <a:r>
-              <a:rPr lang="en-GB" dirty="0" smtClean="0"/>
-              <a:t>First close the old </a:t>
-            </a:r>
-            <a:r>
-              <a:rPr lang="en-GB" dirty="0" err="1" smtClean="0"/>
-              <a:t>Stroop</a:t>
-            </a:r>
-            <a:r>
-              <a:rPr lang="en-GB" dirty="0" smtClean="0"/>
-              <a:t> task if you already have it open.</a:t>
-            </a:r>
-          </a:p>
-          <a:p>
-            <a:r>
-              <a:rPr lang="en-GB" dirty="0" smtClean="0"/>
-              <a:t>Open up the picture-</a:t>
-            </a:r>
-            <a:r>
-              <a:rPr lang="en-GB" dirty="0" err="1" smtClean="0"/>
-              <a:t>stroop</a:t>
-            </a:r>
-            <a:r>
-              <a:rPr lang="en-GB" dirty="0" smtClean="0"/>
-              <a:t> folder in your directory</a:t>
-            </a:r>
-          </a:p>
-          <a:p>
-            <a:pPr lvl="1">
-              <a:buFont typeface="Wingdings" panose="05000000000000000000" pitchFamily="2" charset="2"/>
-              <a:buChar char="§"/>
-            </a:pPr>
+              <a:t>Inner loop </a:t>
+            </a:r>
+          </a:p>
+          <a:p>
             <a:r>
               <a:rPr lang="en-GB" dirty="0" smtClean="0">
-                <a:latin typeface="Courier New" panose="02070309020205020404" pitchFamily="49" charset="0"/>
-                <a:cs typeface="Courier New" panose="02070309020205020404" pitchFamily="49" charset="0"/>
+                <a:solidFill>
+                  <a:schemeClr val="bg1">
+                    <a:lumMod val="50000"/>
+                  </a:schemeClr>
+                </a:solidFill>
               </a:rPr>
-              <a:t>/picture-</a:t>
-            </a:r>
-            <a:r>
-              <a:rPr lang="en-GB" dirty="0" err="1" smtClean="0">
-                <a:latin typeface="Courier New" panose="02070309020205020404" pitchFamily="49" charset="0"/>
-                <a:cs typeface="Courier New" panose="02070309020205020404" pitchFamily="49" charset="0"/>
+              <a:t>(Starts second, runs and </a:t>
+            </a:r>
+          </a:p>
+          <a:p>
+            <a:r>
+              <a:rPr lang="en-GB" smtClean="0">
+                <a:solidFill>
+                  <a:schemeClr val="bg1">
+                    <a:lumMod val="50000"/>
+                  </a:schemeClr>
+                </a:solidFill>
               </a:rPr>
-              <a:t>stroop</a:t>
+              <a:t>Completes each </a:t>
             </a:r>
             <a:r>
               <a:rPr lang="en-GB" dirty="0" smtClean="0">
-                <a:latin typeface="Courier New" panose="02070309020205020404" pitchFamily="49" charset="0"/>
-                <a:cs typeface="Courier New" panose="02070309020205020404" pitchFamily="49" charset="0"/>
+                <a:solidFill>
+                  <a:schemeClr val="bg1">
+                    <a:lumMod val="50000"/>
+                  </a:schemeClr>
+                </a:solidFill>
               </a:rPr>
-              <a:t>/images </a:t>
-            </a:r>
-            <a:r>
-              <a:rPr lang="en-GB" dirty="0" smtClean="0"/>
-              <a:t>contains 6 images for you to use and link to each of the 6 trials.</a:t>
-            </a:r>
-          </a:p>
-          <a:p>
-            <a:pPr marL="457200" lvl="1" indent="0">
-              <a:buNone/>
-            </a:pPr>
-            <a:endParaRPr lang="en-GB" dirty="0" smtClean="0"/>
-          </a:p>
-          <a:p>
-            <a:r>
-              <a:rPr lang="en-GB" b="1" dirty="0" smtClean="0"/>
-              <a:t>Hints:</a:t>
-            </a:r>
-          </a:p>
-          <a:p>
-            <a:pPr lvl="1">
-              <a:buFont typeface="Wingdings" panose="05000000000000000000" pitchFamily="2" charset="2"/>
-              <a:buChar char="§"/>
-            </a:pPr>
-            <a:r>
-              <a:rPr lang="en-GB" dirty="0" smtClean="0"/>
-              <a:t>You will need to enter a </a:t>
-            </a:r>
-            <a:r>
-              <a:rPr lang="en-GB" b="1" dirty="0" smtClean="0"/>
-              <a:t>“relative” </a:t>
-            </a:r>
-            <a:r>
-              <a:rPr lang="en-GB" dirty="0" smtClean="0"/>
-              <a:t>path for each image</a:t>
-            </a:r>
-          </a:p>
-          <a:p>
-            <a:pPr lvl="2">
-              <a:buFont typeface="Wingdings" panose="05000000000000000000" pitchFamily="2" charset="2"/>
-              <a:buChar char="§"/>
-            </a:pPr>
-            <a:r>
-              <a:rPr lang="en-GB" dirty="0" smtClean="0"/>
-              <a:t>E.g. “</a:t>
-            </a:r>
-            <a:r>
-              <a:rPr lang="en-GB" dirty="0" smtClean="0">
-                <a:latin typeface="Courier New" panose="02070309020205020404" pitchFamily="49" charset="0"/>
-                <a:cs typeface="Courier New" panose="02070309020205020404" pitchFamily="49" charset="0"/>
-              </a:rPr>
-              <a:t>images/1.jpg</a:t>
-            </a:r>
-            <a:r>
-              <a:rPr lang="en-GB" dirty="0" smtClean="0"/>
-              <a:t>”  (without the quotes)</a:t>
-            </a:r>
-          </a:p>
-          <a:p>
-            <a:pPr lvl="2">
-              <a:buFont typeface="Wingdings" panose="05000000000000000000" pitchFamily="2" charset="2"/>
-              <a:buChar char="§"/>
-            </a:pPr>
-            <a:r>
-              <a:rPr lang="en-GB" b="1" dirty="0" smtClean="0"/>
-              <a:t>Hint</a:t>
-            </a:r>
-            <a:r>
-              <a:rPr lang="en-GB" dirty="0" smtClean="0"/>
-              <a:t> - Create a new attribute called “</a:t>
-            </a:r>
-            <a:r>
-              <a:rPr lang="en-GB" dirty="0" err="1" smtClean="0"/>
-              <a:t>image_path</a:t>
-            </a:r>
-            <a:r>
-              <a:rPr lang="en-GB" dirty="0" smtClean="0"/>
-              <a:t>”</a:t>
-            </a:r>
-          </a:p>
-          <a:p>
-            <a:pPr lvl="1">
-              <a:buFont typeface="Wingdings" panose="05000000000000000000" pitchFamily="2" charset="2"/>
-              <a:buChar char="§"/>
-            </a:pPr>
-            <a:r>
-              <a:rPr lang="en-GB" dirty="0" smtClean="0"/>
-              <a:t>That path then needs to be passed to an </a:t>
-            </a:r>
-            <a:r>
-              <a:rPr lang="en-GB" b="1" dirty="0" smtClean="0"/>
-              <a:t>image</a:t>
-            </a:r>
-            <a:r>
-              <a:rPr lang="en-GB" dirty="0" smtClean="0"/>
-              <a:t> </a:t>
-            </a:r>
-            <a:r>
-              <a:rPr lang="en-GB" b="1" dirty="0" smtClean="0"/>
-              <a:t>component</a:t>
-            </a:r>
-          </a:p>
-          <a:p>
-            <a:pPr lvl="1">
-              <a:buFont typeface="Wingdings" panose="05000000000000000000" pitchFamily="2" charset="2"/>
-              <a:buChar char="§"/>
-            </a:pPr>
-            <a:r>
-              <a:rPr lang="en-GB" b="1" dirty="0" smtClean="0"/>
-              <a:t>Remember: </a:t>
-            </a:r>
-            <a:r>
-              <a:rPr lang="en-GB" dirty="0" smtClean="0"/>
-              <a:t>when trial data is updated, Excel link needs refreshing.</a:t>
-            </a:r>
-          </a:p>
-          <a:p>
-            <a:pPr lvl="1">
-              <a:buFont typeface="Wingdings" panose="05000000000000000000" pitchFamily="2" charset="2"/>
-              <a:buChar char="§"/>
-            </a:pPr>
-            <a:r>
-              <a:rPr lang="en-GB" dirty="0" smtClean="0"/>
-              <a:t>Attributes are accessed with </a:t>
-            </a:r>
-            <a:r>
-              <a:rPr lang="en-GB" b="1" dirty="0" smtClean="0"/>
-              <a:t>$</a:t>
-            </a:r>
-            <a:r>
-              <a:rPr lang="en-GB" dirty="0" smtClean="0"/>
-              <a:t> and </a:t>
-            </a:r>
-            <a:r>
-              <a:rPr lang="en-GB" b="1" dirty="0" smtClean="0"/>
-              <a:t>name of excel header</a:t>
-            </a:r>
-            <a:endParaRPr lang="en-GB" b="1" dirty="0"/>
-          </a:p>
-          <a:p>
-            <a:pPr marL="0" indent="0">
-              <a:buNone/>
-            </a:pPr>
-            <a:endParaRPr lang="en-GB" dirty="0" smtClean="0"/>
-          </a:p>
-          <a:p>
-            <a:r>
-              <a:rPr lang="en-GB" dirty="0" smtClean="0"/>
-              <a:t>We will come round and help</a:t>
-            </a:r>
-          </a:p>
-          <a:p>
-            <a:r>
-              <a:rPr lang="en-GB" b="1" dirty="0" smtClean="0"/>
-              <a:t>If you don’t get chance to finish, have a go at home.</a:t>
-            </a:r>
-            <a:endParaRPr lang="en-US" b="1" dirty="0"/>
+              <a:t>time)</a:t>
+            </a:r>
+            <a:endParaRPr lang="en-US" dirty="0">
+              <a:solidFill>
+                <a:schemeClr val="bg1">
+                  <a:lumMod val="50000"/>
+                </a:schemeClr>
+              </a:solidFill>
+            </a:endParaRPr>
           </a:p>
         </p:txBody>
       </p:sp>
     </p:spTree>
     <p:extLst>
       <p:ext uri="{BB962C8B-B14F-4D97-AF65-F5344CB8AC3E}">
-        <p14:creationId xmlns:p14="http://schemas.microsoft.com/office/powerpoint/2010/main" val="595573237"/>
+        <p14:creationId xmlns:p14="http://schemas.microsoft.com/office/powerpoint/2010/main" val="584906795"/>
+      </p:ext>
+    </p:extLst>
+  </p:cSld>
+  <p:clrMapOvr>
+    <a:masterClrMapping/>
+  </p:clrMapOvr>
+</p:sld>
+</file>
+
+<file path=ppt/slides/slide32.xml><?xml version="1.0" encoding="utf-8"?>
+<p:sld xmlns:a="http://schemas.openxmlformats.org/drawingml/2006/main" xmlns:r="http://schemas.openxmlformats.org/officeDocument/2006/relationships" xmlns:p="http://schemas.openxmlformats.org/presentationml/2006/main">
+  <p:cSld>
+    <p:spTree>
+      <p:nvGrpSpPr>
+        <p:cNvPr id="1" name=""/>
+        <p:cNvGrpSpPr/>
+        <p:nvPr/>
+      </p:nvGrpSpPr>
+      <p:grpSpPr>
+        <a:xfrm>
+          <a:off x="0" y="0"/>
+          <a:ext cx="0" cy="0"/>
+          <a:chOff x="0" y="0"/>
+          <a:chExt cx="0" cy="0"/>
+        </a:xfrm>
+      </p:grpSpPr>
+      <p:sp>
+        <p:nvSpPr>
+          <p:cNvPr id="2" name="Title 1"/>
+          <p:cNvSpPr>
+            <a:spLocks noGrp="1"/>
+          </p:cNvSpPr>
+          <p:nvPr>
+            <p:ph type="title"/>
+          </p:nvPr>
+        </p:nvSpPr>
+        <p:spPr/>
+        <p:txBody>
+          <a:bodyPr/>
+          <a:lstStyle/>
+          <a:p>
+            <a:r>
+              <a:rPr lang="en-GB" dirty="0" smtClean="0"/>
+              <a:t>Monitor settings</a:t>
+            </a:r>
+            <a:endParaRPr lang="en-US" dirty="0"/>
+          </a:p>
+        </p:txBody>
+      </p:sp>
+      <p:sp>
+        <p:nvSpPr>
+          <p:cNvPr id="3" name="Text Placeholder 2"/>
+          <p:cNvSpPr>
+            <a:spLocks noGrp="1"/>
+          </p:cNvSpPr>
+          <p:nvPr>
+            <p:ph type="body" idx="1"/>
+          </p:nvPr>
+        </p:nvSpPr>
+        <p:spPr/>
+        <p:txBody>
+          <a:bodyPr/>
+          <a:lstStyle/>
+          <a:p>
+            <a:pPr marL="457200" lvl="0" indent="-381000">
+              <a:buClr>
+                <a:schemeClr val="dk1"/>
+              </a:buClr>
+              <a:buSzPct val="100000"/>
+              <a:buFont typeface="Arial"/>
+              <a:buChar char="●"/>
+            </a:pPr>
+            <a:r>
+              <a:rPr lang="en" sz="2000" dirty="0"/>
+              <a:t>PsychoPy has concept of a ‘</a:t>
+            </a:r>
+            <a:r>
+              <a:rPr lang="en" sz="2000" b="1" dirty="0"/>
+              <a:t>Monitor</a:t>
+            </a:r>
+            <a:r>
+              <a:rPr lang="en" sz="2000" dirty="0"/>
+              <a:t>’</a:t>
+            </a:r>
+          </a:p>
+          <a:p>
+            <a:pPr marL="914400" lvl="1" indent="-381000">
+              <a:buClr>
+                <a:schemeClr val="dk1"/>
+              </a:buClr>
+              <a:buFont typeface="Courier New"/>
+              <a:buChar char="o"/>
+            </a:pPr>
+            <a:r>
+              <a:rPr lang="en" sz="2000" dirty="0" smtClean="0"/>
+              <a:t>Allows </a:t>
+            </a:r>
+            <a:r>
+              <a:rPr lang="en" sz="2000" dirty="0"/>
+              <a:t>you to: </a:t>
+            </a:r>
+          </a:p>
+          <a:p>
+            <a:pPr marL="1371600" lvl="2" indent="-342900">
+              <a:buClr>
+                <a:schemeClr val="dk1"/>
+              </a:buClr>
+              <a:buSzPct val="100000"/>
+              <a:buFont typeface="Wingdings"/>
+              <a:buChar char="§"/>
+            </a:pPr>
+            <a:r>
+              <a:rPr lang="en" sz="2000" dirty="0"/>
+              <a:t>store information about multiple monitors </a:t>
+            </a:r>
+          </a:p>
+          <a:p>
+            <a:pPr marL="1371600" lvl="2" indent="-342900">
+              <a:buClr>
+                <a:schemeClr val="dk1"/>
+              </a:buClr>
+              <a:buSzPct val="100000"/>
+              <a:buFont typeface="Wingdings"/>
+              <a:buChar char="§"/>
+            </a:pPr>
+            <a:r>
+              <a:rPr lang="en" sz="2000" dirty="0"/>
+              <a:t>keep track of multiple calibrations for the same monitor.</a:t>
+            </a:r>
+          </a:p>
+          <a:p>
+            <a:pPr marL="457200" lvl="0" indent="-381000">
+              <a:buClr>
+                <a:schemeClr val="dk1"/>
+              </a:buClr>
+              <a:buSzPct val="100000"/>
+              <a:buFont typeface="Arial"/>
+              <a:buChar char="●"/>
+            </a:pPr>
+            <a:r>
+              <a:rPr lang="en" sz="2000" dirty="0">
+                <a:latin typeface="Courier New"/>
+                <a:ea typeface="Courier New"/>
+                <a:cs typeface="Courier New"/>
+                <a:sym typeface="Courier New"/>
+              </a:rPr>
+              <a:t>TOOLS | MONITOR CENTER</a:t>
+            </a:r>
+          </a:p>
+          <a:p>
+            <a:pPr marL="457200" lvl="0" indent="-381000">
+              <a:buClr>
+                <a:schemeClr val="dk1"/>
+              </a:buClr>
+              <a:buSzPct val="100000"/>
+              <a:buFont typeface="Arial"/>
+              <a:buChar char="●"/>
+            </a:pPr>
+            <a:r>
+              <a:rPr lang="en" sz="2000" dirty="0"/>
+              <a:t>Means you can:</a:t>
+            </a:r>
+          </a:p>
+          <a:p>
+            <a:pPr marL="914400" lvl="1" indent="-381000">
+              <a:buClr>
+                <a:schemeClr val="dk1"/>
+              </a:buClr>
+              <a:buSzPct val="100000"/>
+              <a:buFont typeface="Courier New"/>
+              <a:buChar char="o"/>
+            </a:pPr>
+            <a:r>
+              <a:rPr lang="en" sz="2000" dirty="0"/>
+              <a:t>specify the size and location of stimuli in units that are independent of your particular setup.e.g.</a:t>
+            </a:r>
+          </a:p>
+          <a:p>
+            <a:pPr marL="1371600" lvl="2" indent="-342900">
+              <a:buClr>
+                <a:schemeClr val="dk1"/>
+              </a:buClr>
+              <a:buSzPct val="100000"/>
+              <a:buFont typeface="Wingdings"/>
+              <a:buChar char="§"/>
+            </a:pPr>
+            <a:r>
+              <a:rPr lang="en" sz="2000" b="1" dirty="0"/>
+              <a:t>pixels</a:t>
+            </a:r>
+          </a:p>
+          <a:p>
+            <a:pPr marL="1371600" lvl="2" indent="-342900">
+              <a:buClr>
+                <a:schemeClr val="dk1"/>
+              </a:buClr>
+              <a:buSzPct val="100000"/>
+              <a:buFont typeface="Wingdings"/>
+              <a:buChar char="§"/>
+            </a:pPr>
+            <a:r>
+              <a:rPr lang="en" sz="2000" b="1" dirty="0"/>
+              <a:t>cm of screen</a:t>
+            </a:r>
+          </a:p>
+          <a:p>
+            <a:pPr marL="1371600" lvl="2" indent="-342900">
+              <a:buClr>
+                <a:schemeClr val="dk1"/>
+              </a:buClr>
+              <a:buSzPct val="100000"/>
+              <a:buFont typeface="Wingdings"/>
+              <a:buChar char="§"/>
+            </a:pPr>
+            <a:r>
+              <a:rPr lang="en" sz="2000" b="1" dirty="0"/>
+              <a:t>degrees of visual </a:t>
+            </a:r>
+            <a:r>
+              <a:rPr lang="en" sz="2000" b="1" dirty="0" smtClean="0"/>
+              <a:t>angle</a:t>
+            </a:r>
+          </a:p>
+          <a:p>
+            <a:pPr marL="914400" lvl="1" indent="-381000">
+              <a:buClr>
+                <a:schemeClr val="dk1"/>
+              </a:buClr>
+              <a:buFont typeface="Courier New"/>
+              <a:buChar char="o"/>
+            </a:pPr>
+            <a:r>
+              <a:rPr lang="en" sz="2000" dirty="0"/>
+              <a:t>easy to port programs to different setups as PsychoPy calculate appropriate pixel size for you </a:t>
+            </a:r>
+          </a:p>
+          <a:p>
+            <a:endParaRPr lang="en-US" dirty="0"/>
+          </a:p>
+        </p:txBody>
+      </p:sp>
+    </p:spTree>
+    <p:extLst>
+      <p:ext uri="{BB962C8B-B14F-4D97-AF65-F5344CB8AC3E}">
+        <p14:creationId xmlns:p14="http://schemas.microsoft.com/office/powerpoint/2010/main" val="3357105632"/>
       </p:ext>
     </p:extLst>
   </p:cSld>
@@ -17486,152 +17645,6 @@
       </p:par>
     </p:tnLst>
   </p:timing>
-</p:sld>
-</file>
-
-<file path=ppt/slides/slide32.xml><?xml version="1.0" encoding="utf-8"?>
-<p:sld xmlns:a="http://schemas.openxmlformats.org/drawingml/2006/main" xmlns:r="http://schemas.openxmlformats.org/officeDocument/2006/relationships" xmlns:p="http://schemas.openxmlformats.org/presentationml/2006/main">
-  <p:cSld>
-    <p:spTree>
-      <p:nvGrpSpPr>
-        <p:cNvPr id="1" name="Shape 262"/>
-        <p:cNvGrpSpPr/>
-        <p:nvPr/>
-      </p:nvGrpSpPr>
-      <p:grpSpPr>
-        <a:xfrm>
-          <a:off x="0" y="0"/>
-          <a:ext cx="0" cy="0"/>
-          <a:chOff x="0" y="0"/>
-          <a:chExt cx="0" cy="0"/>
-        </a:xfrm>
-      </p:grpSpPr>
-      <p:sp>
-        <p:nvSpPr>
-          <p:cNvPr id="263" name="Shape 263"/>
-          <p:cNvSpPr txBox="1">
-            <a:spLocks noGrp="1"/>
-          </p:cNvSpPr>
-          <p:nvPr>
-            <p:ph type="title"/>
-          </p:nvPr>
-        </p:nvSpPr>
-        <p:spPr>
-          <a:prstGeom prst="rect">
-            <a:avLst/>
-          </a:prstGeom>
-        </p:spPr>
-        <p:txBody>
-          <a:bodyPr lIns="91425" tIns="91425" rIns="91425" bIns="91425" anchor="b" anchorCtr="0">
-            <a:noAutofit/>
-          </a:bodyPr>
-          <a:lstStyle/>
-          <a:p>
-            <a:pPr>
-              <a:spcBef>
-                <a:spcPts val="0"/>
-              </a:spcBef>
-              <a:buNone/>
-            </a:pPr>
-            <a:r>
-              <a:rPr lang="en" dirty="0" smtClean="0"/>
-              <a:t>Feedback</a:t>
-            </a:r>
-            <a:endParaRPr lang="en" dirty="0"/>
-          </a:p>
-        </p:txBody>
-      </p:sp>
-      <p:sp>
-        <p:nvSpPr>
-          <p:cNvPr id="264" name="Shape 264"/>
-          <p:cNvSpPr txBox="1">
-            <a:spLocks noGrp="1"/>
-          </p:cNvSpPr>
-          <p:nvPr>
-            <p:ph type="body" idx="1"/>
-          </p:nvPr>
-        </p:nvSpPr>
-        <p:spPr>
-          <a:prstGeom prst="rect">
-            <a:avLst/>
-          </a:prstGeom>
-        </p:spPr>
-        <p:txBody>
-          <a:bodyPr lIns="91425" tIns="91425" rIns="91425" bIns="91425" anchor="t" anchorCtr="0">
-            <a:noAutofit/>
-          </a:bodyPr>
-          <a:lstStyle/>
-          <a:p>
-            <a:pPr rtl="0">
-              <a:spcBef>
-                <a:spcPts val="0"/>
-              </a:spcBef>
-              <a:buNone/>
-            </a:pPr>
-            <a:r>
-              <a:rPr lang="en" sz="2400" dirty="0"/>
-              <a:t>Please take a moment to leave any feedback for </a:t>
-            </a:r>
-            <a:endParaRPr lang="en" sz="2400" dirty="0" smtClean="0"/>
-          </a:p>
-          <a:p>
-            <a:pPr rtl="0">
-              <a:spcBef>
-                <a:spcPts val="0"/>
-              </a:spcBef>
-              <a:buNone/>
-            </a:pPr>
-            <a:r>
-              <a:rPr lang="en" sz="2400" dirty="0" smtClean="0"/>
-              <a:t>future </a:t>
-            </a:r>
-            <a:r>
-              <a:rPr lang="en" sz="2400" dirty="0"/>
-              <a:t>workshops at:</a:t>
-            </a:r>
-          </a:p>
-          <a:p>
-            <a:pPr rtl="0">
-              <a:spcBef>
-                <a:spcPts val="0"/>
-              </a:spcBef>
-              <a:buNone/>
-            </a:pPr>
-            <a:endParaRPr sz="2400" dirty="0"/>
-          </a:p>
-          <a:p>
-            <a:pPr>
-              <a:buNone/>
-            </a:pPr>
-            <a:r>
-              <a:rPr lang="en-US" sz="2400" u="sng" dirty="0">
-                <a:solidFill>
-                  <a:srgbClr val="0000FF"/>
-                </a:solidFill>
-              </a:rPr>
-              <a:t>https://goo.gl/lBg0Em</a:t>
-            </a:r>
-            <a:endParaRPr lang="en" sz="2400" u="sng" dirty="0">
-              <a:solidFill>
-                <a:srgbClr val="0000FF"/>
-              </a:solidFill>
-            </a:endParaRPr>
-          </a:p>
-        </p:txBody>
-      </p:sp>
-    </p:spTree>
-    <p:extLst>
-      <p:ext uri="{BB962C8B-B14F-4D97-AF65-F5344CB8AC3E}">
-        <p14:creationId xmlns:p14="http://schemas.microsoft.com/office/powerpoint/2010/main" val="4008845868"/>
-      </p:ext>
-    </p:extLst>
-  </p:cSld>
-  <p:clrMapOvr>
-    <a:masterClrMapping/>
-  </p:clrMapOvr>
-  <p:transition spd="slow">
-    <p:cut/>
-  </p:transition>
 </p:sld>
 </file>
 
@@ -18023,7 +18036,7 @@
               <a:t>For all of </a:t>
             </a:r>
             <a:r>
-              <a:rPr lang="en" sz="1400" dirty="0">
+              <a:rPr lang="en" sz="1400" dirty="0" smtClean="0">
                 <a:solidFill>
                   <a:srgbClr val="FF0000"/>
                 </a:solidFill>
@@ -18031,7 +18044,18 @@
                 <a:cs typeface="Courier New"/>
                 <a:sym typeface="Courier New"/>
               </a:rPr>
-              <a:t>2018/19</a:t>
+              <a:t>2019/20</a:t>
+            </a:r>
+            <a:r>
+              <a:rPr lang="en" sz="1400" dirty="0" smtClean="0">
+                <a:solidFill>
+                  <a:schemeClr val="tx1"/>
+                </a:solidFill>
+                <a:ea typeface="Courier New"/>
+                <a:cs typeface="Courier New"/>
+                <a:sym typeface="Courier New"/>
+              </a:rPr>
+              <a:t> </a:t>
             </a:r>
             <a:r>
               <a:rPr lang="en" sz="1400" dirty="0">
@@ -18042,7 +18066,7 @@
                 <a:cs typeface="Courier New"/>
                 <a:sym typeface="Courier New"/>
               </a:rPr>
-              <a:t> we are using </a:t>
+              <a:t>we are using </a:t>
             </a:r>
             <a:r>
               <a:rPr lang="en" sz="1400" dirty="0">
@@ -18562,7 +18586,28 @@
                 <a:cs typeface="Courier New"/>
                 <a:sym typeface="Courier New"/>
               </a:rPr>
-              <a:t>Press ALT + V</a:t>
+              <a:t>Open up a folder view</a:t>
+            </a:r>
+          </a:p>
+          <a:p>
+            <a:pPr marL="419100">
+              <a:buSzPct val="100000"/>
+            </a:pPr>
+            <a:r>
+              <a:rPr lang="en" sz="2000" dirty="0" smtClean="0">
+                <a:ea typeface="Courier New"/>
+                <a:cs typeface="Courier New"/>
+                <a:sym typeface="Courier New"/>
+              </a:rPr>
+              <a:t>Press </a:t>
+            </a:r>
+            <a:r>
+              <a:rPr lang="en" sz="2000" dirty="0" smtClean="0">
+                <a:ea typeface="Courier New"/>
+                <a:cs typeface="Courier New"/>
+                <a:sym typeface="Courier New"/>
+              </a:rPr>
+              <a:t>ALT + V</a:t>
             </a:r>
           </a:p>
           <a:p>
@@ -18901,7 +18946,7 @@
                 <a:cs typeface="Courier New"/>
                 <a:sym typeface="Courier New"/>
               </a:rPr>
-              <a:t>Student PC’s (N1.04)</a:t>
+              <a:t>Student PC’s (N1.04, Oaks)</a:t>
             </a:r>
           </a:p>
           <a:p>
@@ -19019,7 +19064,27 @@
                 <a:cs typeface="Courier New"/>
                 <a:sym typeface="Courier New"/>
               </a:rPr>
-              <a:t>If not present, please contact psychsupport@kent.ac.uk</a:t>
+              <a:t>(Staff PC) If not present, open up “Software Center” and download</a:t>
+            </a:r>
+          </a:p>
+          <a:p>
+            <a:pPr marL="1314450" lvl="2" indent="-381000">
+              <a:buClr>
+                <a:schemeClr val="accent1">
+                  <a:lumMod val="75000"/>
+                </a:schemeClr>
+              </a:buClr>
+              <a:buFont typeface="Wingdings" panose="05000000000000000000" pitchFamily="2" charset="2"/>
+              <a:buChar char="§"/>
+            </a:pPr>
+            <a:r>
+              <a:rPr lang="en" sz="2000" dirty="0" smtClean="0">
+                <a:latin typeface="Courier New"/>
+                <a:ea typeface="Courier New"/>
+                <a:cs typeface="Courier New"/>
+                <a:sym typeface="Courier New"/>
+              </a:rPr>
+              <a:t>If still not present - please contact psychsupport@kent.ac.uk</a:t>
             </a:r>
             <a:endParaRPr lang="en" sz="2000" dirty="0">
               <a:latin typeface="Courier New"/>
